--- a/files/forensics.pptx
+++ b/files/forensics.pptx
@@ -5,23 +5,24 @@
     <p:sldMasterId id="2147483648" r:id="rId1"/>
   </p:sldMasterIdLst>
   <p:notesMasterIdLst>
-    <p:notesMasterId r:id="rId16"/>
+    <p:notesMasterId r:id="rId17"/>
   </p:notesMasterIdLst>
   <p:sldIdLst>
     <p:sldId id="276" r:id="rId2"/>
     <p:sldId id="257" r:id="rId3"/>
     <p:sldId id="268" r:id="rId4"/>
     <p:sldId id="284" r:id="rId5"/>
-    <p:sldId id="293" r:id="rId6"/>
-    <p:sldId id="294" r:id="rId7"/>
-    <p:sldId id="297" r:id="rId8"/>
-    <p:sldId id="298" r:id="rId9"/>
-    <p:sldId id="295" r:id="rId10"/>
-    <p:sldId id="296" r:id="rId11"/>
-    <p:sldId id="299" r:id="rId12"/>
-    <p:sldId id="300" r:id="rId13"/>
-    <p:sldId id="292" r:id="rId14"/>
-    <p:sldId id="286" r:id="rId15"/>
+    <p:sldId id="301" r:id="rId6"/>
+    <p:sldId id="297" r:id="rId7"/>
+    <p:sldId id="298" r:id="rId8"/>
+    <p:sldId id="295" r:id="rId9"/>
+    <p:sldId id="296" r:id="rId10"/>
+    <p:sldId id="293" r:id="rId11"/>
+    <p:sldId id="294" r:id="rId12"/>
+    <p:sldId id="299" r:id="rId13"/>
+    <p:sldId id="302" r:id="rId14"/>
+    <p:sldId id="292" r:id="rId15"/>
+    <p:sldId id="286" r:id="rId16"/>
   </p:sldIdLst>
   <p:sldSz cx="12192000" cy="6858000"/>
   <p:notesSz cx="6858000" cy="9144000"/>
@@ -128,6 +129,18 @@
 </p:presentation>
 </file>
 
+<file path=ppt/commentAuthors.xml><?xml version="1.0" encoding="utf-8"?>
+<p:cmAuthorLst xmlns:a="http://schemas.openxmlformats.org/drawingml/2006/main" xmlns:r="http://schemas.openxmlformats.org/officeDocument/2006/relationships" xmlns:p="http://schemas.openxmlformats.org/presentationml/2006/main">
+  <p:cmAuthor id="1" name="נתנאל קום" initials="נק" lastIdx="1" clrIdx="0">
+    <p:extLst>
+      <p:ext uri="{19B8F6BF-5375-455C-9EA6-DF929625EA0E}">
+        <p15:presenceInfo xmlns:p15="http://schemas.microsoft.com/office/powerpoint/2012/main" userId="550785c853d31f36" providerId="Windows Live"/>
+      </p:ext>
+    </p:extLst>
+  </p:cmAuthor>
+</p:cmAuthorLst>
+</file>
+
 <file path=ppt/notesMasters/notesMaster1.xml><?xml version="1.0" encoding="utf-8"?>
 <p:notesMaster xmlns:a="http://schemas.openxmlformats.org/drawingml/2006/main" xmlns:r="http://schemas.openxmlformats.org/officeDocument/2006/relationships" xmlns:p="http://schemas.openxmlformats.org/presentationml/2006/main">
   <p:cSld>
@@ -210,7 +223,7 @@
           <a:p>
             <a:fld id="{A9881B1C-CF05-0F44-A33E-A38439A627E4}" type="datetimeFigureOut">
               <a:rPr lang="en-IL" smtClean="0"/>
-              <a:t>12/24/2024</a:t>
+              <a:t>05/19/2025</a:t>
             </a:fld>
             <a:endParaRPr lang="en-IL"/>
           </a:p>
@@ -562,6 +575,91 @@
 </p:notes>
 </file>
 
+<file path=ppt/notesSlides/notesSlide10.xml><?xml version="1.0" encoding="utf-8"?>
+<p:notes xmlns:a="http://schemas.openxmlformats.org/drawingml/2006/main" xmlns:r="http://schemas.openxmlformats.org/officeDocument/2006/relationships" xmlns:p="http://schemas.openxmlformats.org/presentationml/2006/main">
+  <p:cSld>
+    <p:spTree>
+      <p:nvGrpSpPr>
+        <p:cNvPr id="1" name=""/>
+        <p:cNvGrpSpPr/>
+        <p:nvPr/>
+      </p:nvGrpSpPr>
+      <p:grpSpPr>
+        <a:xfrm>
+          <a:off x="0" y="0"/>
+          <a:ext cx="0" cy="0"/>
+          <a:chOff x="0" y="0"/>
+          <a:chExt cx="0" cy="0"/>
+        </a:xfrm>
+      </p:grpSpPr>
+      <p:sp>
+        <p:nvSpPr>
+          <p:cNvPr id="2" name="Slide Image Placeholder 1"/>
+          <p:cNvSpPr>
+            <a:spLocks noGrp="1" noRot="1" noChangeAspect="1"/>
+          </p:cNvSpPr>
+          <p:nvPr>
+            <p:ph type="sldImg"/>
+          </p:nvPr>
+        </p:nvSpPr>
+        <p:spPr/>
+      </p:sp>
+      <p:sp>
+        <p:nvSpPr>
+          <p:cNvPr id="3" name="Notes Placeholder 2"/>
+          <p:cNvSpPr>
+            <a:spLocks noGrp="1"/>
+          </p:cNvSpPr>
+          <p:nvPr>
+            <p:ph type="body" idx="1"/>
+          </p:nvPr>
+        </p:nvSpPr>
+        <p:spPr/>
+        <p:txBody>
+          <a:bodyPr/>
+          <a:lstStyle/>
+          <a:p>
+            <a:pPr marL="0" algn="r" defTabSz="914400" rtl="1" eaLnBrk="1" latinLnBrk="0" hangingPunct="1"/>
+            <a:endParaRPr lang="en-IL" dirty="0"/>
+          </a:p>
+        </p:txBody>
+      </p:sp>
+      <p:sp>
+        <p:nvSpPr>
+          <p:cNvPr id="4" name="Slide Number Placeholder 3"/>
+          <p:cNvSpPr>
+            <a:spLocks noGrp="1"/>
+          </p:cNvSpPr>
+          <p:nvPr>
+            <p:ph type="sldNum" sz="quarter" idx="5"/>
+          </p:nvPr>
+        </p:nvSpPr>
+        <p:spPr/>
+        <p:txBody>
+          <a:bodyPr/>
+          <a:lstStyle/>
+          <a:p>
+            <a:fld id="{C2E715B0-74F3-B64E-A730-C7F3E6BEB915}" type="slidenum">
+              <a:rPr lang="en-IL" smtClean="0"/>
+              <a:t>15</a:t>
+            </a:fld>
+            <a:endParaRPr lang="en-IL"/>
+          </a:p>
+        </p:txBody>
+      </p:sp>
+    </p:spTree>
+    <p:extLst>
+      <p:ext uri="{BB962C8B-B14F-4D97-AF65-F5344CB8AC3E}">
+        <p14:creationId xmlns:p14="http://schemas.microsoft.com/office/powerpoint/2010/main" val="2869464736"/>
+      </p:ext>
+    </p:extLst>
+  </p:cSld>
+  <p:clrMapOvr>
+    <a:masterClrMapping/>
+  </p:clrMapOvr>
+</p:notes>
+</file>
+
 <file path=ppt/notesSlides/notesSlide2.xml><?xml version="1.0" encoding="utf-8"?>
 <p:notes xmlns:a="http://schemas.openxmlformats.org/drawingml/2006/main" xmlns:r="http://schemas.openxmlformats.org/officeDocument/2006/relationships" xmlns:p="http://schemas.openxmlformats.org/presentationml/2006/main">
   <p:cSld>
@@ -636,7 +734,7 @@
     </p:spTree>
     <p:extLst>
       <p:ext uri="{BB962C8B-B14F-4D97-AF65-F5344CB8AC3E}">
-        <p14:creationId xmlns:p14="http://schemas.microsoft.com/office/powerpoint/2010/main" val="444414202"/>
+        <p14:creationId xmlns:p14="http://schemas.microsoft.com/office/powerpoint/2010/main" val="2362776658"/>
       </p:ext>
     </p:extLst>
   </p:cSld>
@@ -691,20 +789,15 @@
           <a:lstStyle/>
           <a:p>
             <a:r>
-              <a:rPr lang="en-US" dirty="0"/>
-              <a:t>vol – </a:t>
-            </a:r>
-            <a:r>
               <a:rPr lang="en-US" dirty="0" err="1"/>
-              <a:t>pslist</a:t>
-            </a:r>
-            <a:r>
-              <a:rPr lang="en-US" dirty="0"/>
-              <a:t>, scan, </a:t>
-            </a:r>
+              <a:t>fls</a:t>
+            </a:r>
+            <a:endParaRPr lang="en-US" dirty="0"/>
+          </a:p>
+          <a:p>
             <a:r>
               <a:rPr lang="en-US" dirty="0" err="1"/>
-              <a:t>cmdline</a:t>
+              <a:t>icat</a:t>
             </a:r>
             <a:endParaRPr lang="en-US" dirty="0"/>
           </a:p>
@@ -727,7 +820,7 @@
           <a:p>
             <a:fld id="{C2E715B0-74F3-B64E-A730-C7F3E6BEB915}" type="slidenum">
               <a:rPr lang="en-IL" smtClean="0"/>
-              <a:t>6</a:t>
+              <a:t>7</a:t>
             </a:fld>
             <a:endParaRPr lang="en-IL"/>
           </a:p>
@@ -736,7 +829,7 @@
     </p:spTree>
     <p:extLst>
       <p:ext uri="{BB962C8B-B14F-4D97-AF65-F5344CB8AC3E}">
-        <p14:creationId xmlns:p14="http://schemas.microsoft.com/office/powerpoint/2010/main" val="676002868"/>
+        <p14:creationId xmlns:p14="http://schemas.microsoft.com/office/powerpoint/2010/main" val="1493139317"/>
       </p:ext>
     </p:extLst>
   </p:cSld>
@@ -790,17 +883,6 @@
           <a:bodyPr/>
           <a:lstStyle/>
           <a:p>
-            <a:r>
-              <a:rPr lang="en-US" dirty="0" err="1"/>
-              <a:t>fls</a:t>
-            </a:r>
-            <a:endParaRPr lang="en-US" dirty="0"/>
-          </a:p>
-          <a:p>
-            <a:r>
-              <a:rPr lang="en-US" dirty="0" err="1"/>
-              <a:t>icat</a:t>
-            </a:r>
             <a:endParaRPr lang="en-US" dirty="0"/>
           </a:p>
         </p:txBody>
@@ -831,7 +913,7 @@
     </p:spTree>
     <p:extLst>
       <p:ext uri="{BB962C8B-B14F-4D97-AF65-F5344CB8AC3E}">
-        <p14:creationId xmlns:p14="http://schemas.microsoft.com/office/powerpoint/2010/main" val="1493139317"/>
+        <p14:creationId xmlns:p14="http://schemas.microsoft.com/office/powerpoint/2010/main" val="4204015782"/>
       </p:ext>
     </p:extLst>
   </p:cSld>
@@ -885,7 +967,26 @@
           <a:bodyPr/>
           <a:lstStyle/>
           <a:p>
-            <a:endParaRPr lang="en-US" dirty="0"/>
+            <a:r>
+              <a:rPr lang="en-US" dirty="0"/>
+              <a:t>Just open </a:t>
+            </a:r>
+            <a:r>
+              <a:rPr lang="en-US" dirty="0" err="1"/>
+              <a:t>wireshark</a:t>
+            </a:r>
+            <a:r>
+              <a:rPr lang="en-US" dirty="0"/>
+              <a:t> and follow </a:t>
+            </a:r>
+            <a:r>
+              <a:rPr lang="en-US" dirty="0" err="1"/>
+              <a:t>tcp</a:t>
+            </a:r>
+            <a:r>
+              <a:rPr lang="en-US" dirty="0"/>
+              <a:t> stream</a:t>
+            </a:r>
           </a:p>
         </p:txBody>
       </p:sp>
@@ -915,7 +1016,7 @@
     </p:spTree>
     <p:extLst>
       <p:ext uri="{BB962C8B-B14F-4D97-AF65-F5344CB8AC3E}">
-        <p14:creationId xmlns:p14="http://schemas.microsoft.com/office/powerpoint/2010/main" val="4204015782"/>
+        <p14:creationId xmlns:p14="http://schemas.microsoft.com/office/powerpoint/2010/main" val="2841557454"/>
       </p:ext>
     </p:extLst>
   </p:cSld>
@@ -969,26 +1070,24 @@
           <a:bodyPr/>
           <a:lstStyle/>
           <a:p>
-            <a:r>
-              <a:rPr lang="en-US" dirty="0"/>
-              <a:t>Just open </a:t>
-            </a:r>
-            <a:r>
-              <a:rPr lang="en-US" dirty="0" err="1"/>
-              <a:t>wireshark</a:t>
-            </a:r>
-            <a:r>
-              <a:rPr lang="en-US" dirty="0"/>
-              <a:t> and follow </a:t>
-            </a:r>
-            <a:r>
-              <a:rPr lang="en-US" dirty="0" err="1"/>
-              <a:t>tcp</a:t>
-            </a:r>
-            <a:r>
-              <a:rPr lang="en-US" dirty="0"/>
-              <a:t> stream</a:t>
-            </a:r>
+            <a:pPr marL="0" marR="0" lvl="0" indent="0" algn="l" defTabSz="914400" rtl="0" eaLnBrk="1" fontAlgn="auto" latinLnBrk="0" hangingPunct="1">
+              <a:lnSpc>
+                <a:spcPct val="100000"/>
+              </a:lnSpc>
+              <a:spcBef>
+                <a:spcPts val="0"/>
+              </a:spcBef>
+              <a:spcAft>
+                <a:spcPts val="0"/>
+              </a:spcAft>
+              <a:buClrTx/>
+              <a:buSzTx/>
+              <a:buFontTx/>
+              <a:buNone/>
+              <a:tabLst/>
+              <a:defRPr/>
+            </a:pPr>
+            <a:endParaRPr lang="en-US" dirty="0"/>
           </a:p>
         </p:txBody>
       </p:sp>
@@ -1018,7 +1117,7 @@
     </p:spTree>
     <p:extLst>
       <p:ext uri="{BB962C8B-B14F-4D97-AF65-F5344CB8AC3E}">
-        <p14:creationId xmlns:p14="http://schemas.microsoft.com/office/powerpoint/2010/main" val="2841557454"/>
+        <p14:creationId xmlns:p14="http://schemas.microsoft.com/office/powerpoint/2010/main" val="444414202"/>
       </p:ext>
     </p:extLst>
   </p:cSld>
@@ -1074,8 +1173,92 @@
           <a:p>
             <a:r>
               <a:rPr lang="en-US" dirty="0"/>
-              <a:t>MSB script</a:t>
-            </a:r>
+              <a:t>Find profiles (we’re given the output of </a:t>
+            </a:r>
+            <a:r>
+              <a:rPr lang="en-US" dirty="0" err="1"/>
+              <a:t>imageinfo</a:t>
+            </a:r>
+            <a:r>
+              <a:rPr lang="en-US" dirty="0"/>
+              <a:t> already, but good to know. Note that this uses volatility2): python2 ~/volatility/vol.py -f flounder-pc-</a:t>
+            </a:r>
+            <a:r>
+              <a:rPr lang="en-US" dirty="0" err="1"/>
+              <a:t>memdump.elf</a:t>
+            </a:r>
+            <a:r>
+              <a:rPr lang="en-US" dirty="0"/>
+              <a:t> </a:t>
+            </a:r>
+            <a:r>
+              <a:rPr lang="en-US" dirty="0" err="1"/>
+              <a:t>imageinfo</a:t>
+            </a:r>
+            <a:endParaRPr lang="en-US" dirty="0"/>
+          </a:p>
+          <a:p>
+            <a:r>
+              <a:rPr lang="en-US" dirty="0"/>
+              <a:t>Find running processes: python3 ~/volatility3/vol.py -f flounder-pc-</a:t>
+            </a:r>
+            <a:r>
+              <a:rPr lang="en-US" dirty="0" err="1"/>
+              <a:t>memdump.elf</a:t>
+            </a:r>
+            <a:r>
+              <a:rPr lang="en-US" dirty="0"/>
+              <a:t> </a:t>
+            </a:r>
+            <a:r>
+              <a:rPr lang="en-US" dirty="0" err="1"/>
+              <a:t>windows.pslist</a:t>
+            </a:r>
+            <a:endParaRPr lang="en-US" dirty="0"/>
+          </a:p>
+          <a:p>
+            <a:pPr marL="0" marR="0" lvl="0" indent="0" algn="l" defTabSz="914400" rtl="0" eaLnBrk="1" fontAlgn="auto" latinLnBrk="0" hangingPunct="1">
+              <a:lnSpc>
+                <a:spcPct val="100000"/>
+              </a:lnSpc>
+              <a:spcBef>
+                <a:spcPts val="0"/>
+              </a:spcBef>
+              <a:spcAft>
+                <a:spcPts val="0"/>
+              </a:spcAft>
+              <a:buClrTx/>
+              <a:buSzTx/>
+              <a:buFontTx/>
+              <a:buNone/>
+              <a:tabLst/>
+              <a:defRPr/>
+            </a:pPr>
+            <a:r>
+              <a:rPr lang="en-US" dirty="0"/>
+              <a:t>Find </a:t>
+            </a:r>
+            <a:r>
+              <a:rPr lang="en-US" dirty="0" err="1"/>
+              <a:t>cmdline</a:t>
+            </a:r>
+            <a:r>
+              <a:rPr lang="en-US" dirty="0"/>
+              <a:t> (that was used to run the process): python3 ~/volatility3/vol.py -f flounder-pc-</a:t>
+            </a:r>
+            <a:r>
+              <a:rPr lang="en-US" dirty="0" err="1"/>
+              <a:t>memdump.elf</a:t>
+            </a:r>
+            <a:r>
+              <a:rPr lang="en-US" dirty="0"/>
+              <a:t> </a:t>
+            </a:r>
+            <a:r>
+              <a:rPr lang="en-US" dirty="0" err="1"/>
+              <a:t>windows.cmdline</a:t>
+            </a:r>
+            <a:endParaRPr lang="en-US" dirty="0"/>
           </a:p>
         </p:txBody>
       </p:sp>
@@ -1096,7 +1279,7 @@
           <a:p>
             <a:fld id="{C2E715B0-74F3-B64E-A730-C7F3E6BEB915}" type="slidenum">
               <a:rPr lang="en-IL" smtClean="0"/>
-              <a:t>12</a:t>
+              <a:t>11</a:t>
             </a:fld>
             <a:endParaRPr lang="en-IL"/>
           </a:p>
@@ -1105,7 +1288,7 @@
     </p:spTree>
     <p:extLst>
       <p:ext uri="{BB962C8B-B14F-4D97-AF65-F5344CB8AC3E}">
-        <p14:creationId xmlns:p14="http://schemas.microsoft.com/office/powerpoint/2010/main" val="3915691541"/>
+        <p14:creationId xmlns:p14="http://schemas.microsoft.com/office/powerpoint/2010/main" val="676002868"/>
       </p:ext>
     </p:extLst>
   </p:cSld>
@@ -1159,8 +1342,94 @@
           <a:bodyPr/>
           <a:lstStyle/>
           <a:p>
-            <a:pPr marL="0" algn="r" defTabSz="914400" rtl="1" eaLnBrk="1" latinLnBrk="0" hangingPunct="1"/>
-            <a:endParaRPr lang="en-IL" dirty="0"/>
+            <a:r>
+              <a:rPr lang="en-US" dirty="0"/>
+              <a:t>Find profiles (we’re given the output of </a:t>
+            </a:r>
+            <a:r>
+              <a:rPr lang="en-US" dirty="0" err="1"/>
+              <a:t>imageinfo</a:t>
+            </a:r>
+            <a:r>
+              <a:rPr lang="en-US" dirty="0"/>
+              <a:t> already, but good to know. Note that this uses volatility2): python2 ~/volatility/vol.py -f flounder-pc-</a:t>
+            </a:r>
+            <a:r>
+              <a:rPr lang="en-US" dirty="0" err="1"/>
+              <a:t>memdump.elf</a:t>
+            </a:r>
+            <a:r>
+              <a:rPr lang="en-US" dirty="0"/>
+              <a:t> </a:t>
+            </a:r>
+            <a:r>
+              <a:rPr lang="en-US" dirty="0" err="1"/>
+              <a:t>imageinfo</a:t>
+            </a:r>
+            <a:endParaRPr lang="en-US" dirty="0"/>
+          </a:p>
+          <a:p>
+            <a:r>
+              <a:rPr lang="en-US" dirty="0"/>
+              <a:t>Find running processes: python3 ~/volatility3/vol.py -f flounder-pc-</a:t>
+            </a:r>
+            <a:r>
+              <a:rPr lang="en-US" dirty="0" err="1"/>
+              <a:t>memdump.elf</a:t>
+            </a:r>
+            <a:r>
+              <a:rPr lang="en-US" dirty="0"/>
+              <a:t> </a:t>
+            </a:r>
+            <a:r>
+              <a:rPr lang="en-US" dirty="0" err="1"/>
+              <a:t>windows.pslist</a:t>
+            </a:r>
+            <a:endParaRPr lang="en-US" dirty="0"/>
+          </a:p>
+          <a:p>
+            <a:pPr marL="0" marR="0" lvl="0" indent="0" algn="l" defTabSz="914400" rtl="0" eaLnBrk="1" fontAlgn="auto" latinLnBrk="0" hangingPunct="1">
+              <a:lnSpc>
+                <a:spcPct val="100000"/>
+              </a:lnSpc>
+              <a:spcBef>
+                <a:spcPts val="0"/>
+              </a:spcBef>
+              <a:spcAft>
+                <a:spcPts val="0"/>
+              </a:spcAft>
+              <a:buClrTx/>
+              <a:buSzTx/>
+              <a:buFontTx/>
+              <a:buNone/>
+              <a:tabLst/>
+              <a:defRPr/>
+            </a:pPr>
+            <a:r>
+              <a:rPr lang="en-US" dirty="0"/>
+              <a:t>Find </a:t>
+            </a:r>
+            <a:r>
+              <a:rPr lang="en-US" dirty="0" err="1"/>
+              <a:t>cmdline</a:t>
+            </a:r>
+            <a:r>
+              <a:rPr lang="en-US" dirty="0"/>
+              <a:t> (that was used to run the process): python3 ~/volatility3/vol.py -f flounder-pc-</a:t>
+            </a:r>
+            <a:r>
+              <a:rPr lang="en-US" dirty="0" err="1"/>
+              <a:t>memdump.elf</a:t>
+            </a:r>
+            <a:r>
+              <a:rPr lang="en-US" dirty="0"/>
+              <a:t> </a:t>
+            </a:r>
+            <a:r>
+              <a:rPr lang="en-US" dirty="0" err="1"/>
+              <a:t>windows.cmdline</a:t>
+            </a:r>
+            <a:endParaRPr lang="en-US" dirty="0"/>
           </a:p>
         </p:txBody>
       </p:sp>
@@ -1190,7 +1459,7 @@
     </p:spTree>
     <p:extLst>
       <p:ext uri="{BB962C8B-B14F-4D97-AF65-F5344CB8AC3E}">
-        <p14:creationId xmlns:p14="http://schemas.microsoft.com/office/powerpoint/2010/main" val="927417906"/>
+        <p14:creationId xmlns:p14="http://schemas.microsoft.com/office/powerpoint/2010/main" val="897884457"/>
       </p:ext>
     </p:extLst>
   </p:cSld>
@@ -1275,7 +1544,7 @@
     </p:spTree>
     <p:extLst>
       <p:ext uri="{BB962C8B-B14F-4D97-AF65-F5344CB8AC3E}">
-        <p14:creationId xmlns:p14="http://schemas.microsoft.com/office/powerpoint/2010/main" val="2869464736"/>
+        <p14:creationId xmlns:p14="http://schemas.microsoft.com/office/powerpoint/2010/main" val="927417906"/>
       </p:ext>
     </p:extLst>
   </p:cSld>
@@ -1434,7 +1703,7 @@
           <a:p>
             <a:fld id="{01F9F28E-B300-B343-AE70-8AAEBE22BCA3}" type="datetimeFigureOut">
               <a:rPr lang="en-IL" smtClean="0"/>
-              <a:t>12/24/2024</a:t>
+              <a:t>05/19/2025</a:t>
             </a:fld>
             <a:endParaRPr lang="en-IL"/>
           </a:p>
@@ -1634,7 +1903,7 @@
           <a:p>
             <a:fld id="{01F9F28E-B300-B343-AE70-8AAEBE22BCA3}" type="datetimeFigureOut">
               <a:rPr lang="en-IL" smtClean="0"/>
-              <a:t>12/24/2024</a:t>
+              <a:t>05/19/2025</a:t>
             </a:fld>
             <a:endParaRPr lang="en-IL"/>
           </a:p>
@@ -1844,7 +2113,7 @@
           <a:p>
             <a:fld id="{01F9F28E-B300-B343-AE70-8AAEBE22BCA3}" type="datetimeFigureOut">
               <a:rPr lang="en-IL" smtClean="0"/>
-              <a:t>12/24/2024</a:t>
+              <a:t>05/19/2025</a:t>
             </a:fld>
             <a:endParaRPr lang="en-IL"/>
           </a:p>
@@ -2044,7 +2313,7 @@
           <a:p>
             <a:fld id="{01F9F28E-B300-B343-AE70-8AAEBE22BCA3}" type="datetimeFigureOut">
               <a:rPr lang="en-IL" smtClean="0"/>
-              <a:t>12/24/2024</a:t>
+              <a:t>05/19/2025</a:t>
             </a:fld>
             <a:endParaRPr lang="en-IL"/>
           </a:p>
@@ -2320,7 +2589,7 @@
           <a:p>
             <a:fld id="{01F9F28E-B300-B343-AE70-8AAEBE22BCA3}" type="datetimeFigureOut">
               <a:rPr lang="en-IL" smtClean="0"/>
-              <a:t>12/24/2024</a:t>
+              <a:t>05/19/2025</a:t>
             </a:fld>
             <a:endParaRPr lang="en-IL"/>
           </a:p>
@@ -2588,7 +2857,7 @@
           <a:p>
             <a:fld id="{01F9F28E-B300-B343-AE70-8AAEBE22BCA3}" type="datetimeFigureOut">
               <a:rPr lang="en-IL" smtClean="0"/>
-              <a:t>12/24/2024</a:t>
+              <a:t>05/19/2025</a:t>
             </a:fld>
             <a:endParaRPr lang="en-IL"/>
           </a:p>
@@ -3003,7 +3272,7 @@
           <a:p>
             <a:fld id="{01F9F28E-B300-B343-AE70-8AAEBE22BCA3}" type="datetimeFigureOut">
               <a:rPr lang="en-IL" smtClean="0"/>
-              <a:t>12/24/2024</a:t>
+              <a:t>05/19/2025</a:t>
             </a:fld>
             <a:endParaRPr lang="en-IL"/>
           </a:p>
@@ -3145,7 +3414,7 @@
           <a:p>
             <a:fld id="{01F9F28E-B300-B343-AE70-8AAEBE22BCA3}" type="datetimeFigureOut">
               <a:rPr lang="en-IL" smtClean="0"/>
-              <a:t>12/24/2024</a:t>
+              <a:t>05/19/2025</a:t>
             </a:fld>
             <a:endParaRPr lang="en-IL"/>
           </a:p>
@@ -3258,7 +3527,7 @@
           <a:p>
             <a:fld id="{01F9F28E-B300-B343-AE70-8AAEBE22BCA3}" type="datetimeFigureOut">
               <a:rPr lang="en-IL" smtClean="0"/>
-              <a:t>12/24/2024</a:t>
+              <a:t>05/19/2025</a:t>
             </a:fld>
             <a:endParaRPr lang="en-IL"/>
           </a:p>
@@ -3571,7 +3840,7 @@
           <a:p>
             <a:fld id="{01F9F28E-B300-B343-AE70-8AAEBE22BCA3}" type="datetimeFigureOut">
               <a:rPr lang="en-IL" smtClean="0"/>
-              <a:t>12/24/2024</a:t>
+              <a:t>05/19/2025</a:t>
             </a:fld>
             <a:endParaRPr lang="en-IL"/>
           </a:p>
@@ -3864,7 +4133,7 @@
           <a:p>
             <a:fld id="{01F9F28E-B300-B343-AE70-8AAEBE22BCA3}" type="datetimeFigureOut">
               <a:rPr lang="en-IL" smtClean="0"/>
-              <a:t>12/24/2024</a:t>
+              <a:t>05/19/2025</a:t>
             </a:fld>
             <a:endParaRPr lang="en-IL"/>
           </a:p>
@@ -4107,7 +4376,7 @@
           <a:p>
             <a:fld id="{01F9F28E-B300-B343-AE70-8AAEBE22BCA3}" type="datetimeFigureOut">
               <a:rPr lang="en-IL" smtClean="0"/>
-              <a:t>12/24/2024</a:t>
+              <a:t>05/19/2025</a:t>
             </a:fld>
             <a:endParaRPr lang="en-IL"/>
           </a:p>
@@ -4799,7 +5068,7 @@
                 <a:latin typeface="Miriam Libre" pitchFamily="2" charset="-79"/>
                 <a:cs typeface="Miriam Libre" pitchFamily="2" charset="-79"/>
               </a:rPr>
-              <a:t>Winter 24/25</a:t>
+              <a:t>Spring 24/25</a:t>
             </a:r>
             <a:endParaRPr lang="he-IL" dirty="0">
               <a:solidFill>
@@ -5028,76 +5297,27 @@
                 <a:solidFill>
                   <a:srgbClr val="24272C"/>
                 </a:solidFill>
-                <a:latin typeface="Miriam Libre" pitchFamily="2" charset="-79"/>
-                <a:cs typeface="Miriam Libre" pitchFamily="2" charset="-79"/>
-              </a:rPr>
-              <a:t>Network</a:t>
+                <a:effectLst/>
+                <a:latin typeface="Miriam Libre" pitchFamily="2" charset="-79"/>
+                <a:cs typeface="Miriam Libre" pitchFamily="2" charset="-79"/>
+              </a:rPr>
+              <a:t>Memory </a:t>
             </a:r>
             <a:r>
               <a:rPr lang="en-US" sz="3200" b="1" dirty="0">
                 <a:solidFill>
                   <a:srgbClr val="24272C"/>
                 </a:solidFill>
-                <a:effectLst/>
-                <a:latin typeface="Miriam Libre" pitchFamily="2" charset="-79"/>
-                <a:cs typeface="Miriam Libre" pitchFamily="2" charset="-79"/>
-              </a:rPr>
-              <a:t> forensics - example</a:t>
+                <a:latin typeface="Miriam Libre" pitchFamily="2" charset="-79"/>
+                <a:cs typeface="Miriam Libre" pitchFamily="2" charset="-79"/>
+              </a:rPr>
+              <a:t>forensics</a:t>
             </a:r>
             <a:endParaRPr lang="he-IL" sz="3200" b="1" dirty="0">
               <a:solidFill>
                 <a:srgbClr val="24272C"/>
               </a:solidFill>
               <a:effectLst/>
-              <a:latin typeface="Miriam Libre" pitchFamily="2" charset="-79"/>
-              <a:cs typeface="Miriam Libre" pitchFamily="2" charset="-79"/>
-            </a:endParaRPr>
-          </a:p>
-        </p:txBody>
-      </p:sp>
-      <p:sp>
-        <p:nvSpPr>
-          <p:cNvPr id="8" name="TextBox 7">
-            <a:extLst>
-              <a:ext uri="{FF2B5EF4-FFF2-40B4-BE49-F238E27FC236}">
-                <a16:creationId xmlns:a16="http://schemas.microsoft.com/office/drawing/2014/main" id="{0A5D91F2-EE24-3166-CD6C-BAFBC797325C}"/>
-              </a:ext>
-            </a:extLst>
-          </p:cNvPr>
-          <p:cNvSpPr txBox="1"/>
-          <p:nvPr/>
-        </p:nvSpPr>
-        <p:spPr>
-          <a:xfrm>
-            <a:off x="292971" y="6365895"/>
-            <a:ext cx="6097218" cy="253916"/>
-          </a:xfrm>
-          <a:prstGeom prst="rect">
-            <a:avLst/>
-          </a:prstGeom>
-          <a:noFill/>
-        </p:spPr>
-        <p:txBody>
-          <a:bodyPr wrap="square">
-            <a:spAutoFit/>
-          </a:bodyPr>
-          <a:lstStyle/>
-          <a:p>
-            <a:pPr marL="0" defTabSz="914400" eaLnBrk="1" latinLnBrk="0" hangingPunct="1"/>
-            <a:r>
-              <a:rPr lang="en-US" sz="1000" dirty="0">
-                <a:solidFill>
-                  <a:schemeClr val="bg1"/>
-                </a:solidFill>
-                <a:latin typeface="Miriam Libre" pitchFamily="2" charset="-79"/>
-                <a:cs typeface="Miriam Libre" pitchFamily="2" charset="-79"/>
-              </a:rPr>
-              <a:t>Memory forensics - example</a:t>
-            </a:r>
-            <a:endParaRPr lang="en-IL" sz="1000" dirty="0">
-              <a:solidFill>
-                <a:schemeClr val="bg1"/>
-              </a:solidFill>
               <a:latin typeface="Miriam Libre" pitchFamily="2" charset="-79"/>
               <a:cs typeface="Miriam Libre" pitchFamily="2" charset="-79"/>
             </a:endParaRPr>
@@ -5135,10 +5355,10 @@
       </p:pic>
       <p:sp>
         <p:nvSpPr>
-          <p:cNvPr id="12" name="TextBox 11">
-            <a:extLst>
-              <a:ext uri="{FF2B5EF4-FFF2-40B4-BE49-F238E27FC236}">
-                <a16:creationId xmlns:a16="http://schemas.microsoft.com/office/drawing/2014/main" id="{8B202E12-9199-4F4E-A4AD-A994ECFF6381}"/>
+          <p:cNvPr id="11" name="TextBox 10">
+            <a:extLst>
+              <a:ext uri="{FF2B5EF4-FFF2-40B4-BE49-F238E27FC236}">
+                <a16:creationId xmlns:a16="http://schemas.microsoft.com/office/drawing/2014/main" id="{F0AE44DD-9F90-453E-830F-60E9D499845F}"/>
               </a:ext>
             </a:extLst>
           </p:cNvPr>
@@ -5147,8 +5367,8 @@
         </p:nvSpPr>
         <p:spPr>
           <a:xfrm>
-            <a:off x="363850" y="3044279"/>
-            <a:ext cx="11444790" cy="769441"/>
+            <a:off x="292971" y="1167186"/>
+            <a:ext cx="11444790" cy="5043688"/>
           </a:xfrm>
           <a:prstGeom prst="rect">
             <a:avLst/>
@@ -5161,7 +5381,7 @@
           </a:bodyPr>
           <a:lstStyle/>
           <a:p>
-            <a:pPr marL="457200" indent="-457200" algn="ctr">
+            <a:pPr marL="342900" indent="-342900">
               <a:lnSpc>
                 <a:spcPct val="150000"/>
               </a:lnSpc>
@@ -5169,17 +5389,190 @@
               <a:buChar char="•"/>
             </a:pPr>
             <a:r>
-              <a:rPr lang="en-US" sz="3200" dirty="0">
+              <a:rPr lang="en-US" dirty="0">
                 <a:solidFill>
                   <a:schemeClr val="bg1"/>
                 </a:solidFill>
                 <a:latin typeface="Miriam Libre" pitchFamily="2" charset="-79"/>
                 <a:cs typeface="Miriam Libre" pitchFamily="2" charset="-79"/>
+              </a:rPr>
+              <a:t>The RAM holds a snapshot of what the system was doing at a given moment — running processes, network connections, clipboard data, and more.</a:t>
+            </a:r>
+          </a:p>
+          <a:p>
+            <a:pPr marL="342900" indent="-342900">
+              <a:lnSpc>
+                <a:spcPct val="150000"/>
+              </a:lnSpc>
+              <a:buFont typeface="Arial" panose="020B0604020202020204" pitchFamily="34" charset="0"/>
+              <a:buChar char="•"/>
+            </a:pPr>
+            <a:r>
+              <a:rPr lang="en-US" dirty="0">
+                <a:solidFill>
+                  <a:schemeClr val="bg1"/>
+                </a:solidFill>
+                <a:latin typeface="Miriam Libre" pitchFamily="2" charset="-79"/>
+                <a:cs typeface="Miriam Libre" pitchFamily="2" charset="-79"/>
+              </a:rPr>
+              <a:t>Memory dumps capture this snapshot and can contain some of the most valuable traces of user activity.</a:t>
+            </a:r>
+          </a:p>
+          <a:p>
+            <a:pPr marL="342900" indent="-342900">
+              <a:lnSpc>
+                <a:spcPct val="150000"/>
+              </a:lnSpc>
+              <a:buFont typeface="Arial" panose="020B0604020202020204" pitchFamily="34" charset="0"/>
+              <a:buChar char="•"/>
+            </a:pPr>
+            <a:r>
+              <a:rPr lang="en-US" dirty="0">
+                <a:solidFill>
+                  <a:schemeClr val="bg1"/>
+                </a:solidFill>
+                <a:latin typeface="Miriam Libre" pitchFamily="2" charset="-79"/>
+                <a:cs typeface="Miriam Libre" pitchFamily="2" charset="-79"/>
+              </a:rPr>
+              <a:t>These dumps of data are often very large, but can be analyzed using a tool called Volatility. Volatility uses predefined OS memory layouts to extract useful information from the big blob of memory.</a:t>
+            </a:r>
+          </a:p>
+          <a:p>
+            <a:pPr marL="342900" indent="-342900">
+              <a:lnSpc>
+                <a:spcPct val="150000"/>
+              </a:lnSpc>
+              <a:buFont typeface="Arial" panose="020B0604020202020204" pitchFamily="34" charset="0"/>
+              <a:buChar char="•"/>
+            </a:pPr>
+            <a:r>
+              <a:rPr lang="en-US" dirty="0">
+                <a:solidFill>
+                  <a:schemeClr val="bg1"/>
+                </a:solidFill>
+                <a:latin typeface="Miriam Libre" pitchFamily="2" charset="-79"/>
+                <a:cs typeface="Miriam Libre" pitchFamily="2" charset="-79"/>
+              </a:rPr>
+              <a:t>Some common commands:</a:t>
+            </a:r>
+          </a:p>
+          <a:p>
+            <a:pPr marL="800100" lvl="1" indent="-342900">
+              <a:lnSpc>
+                <a:spcPct val="150000"/>
+              </a:lnSpc>
+              <a:buFont typeface="Arial" panose="020B0604020202020204" pitchFamily="34" charset="0"/>
+              <a:buChar char="•"/>
+            </a:pPr>
+            <a:r>
+              <a:rPr lang="en-US" b="1" dirty="0" err="1">
+                <a:solidFill>
+                  <a:schemeClr val="bg1"/>
+                </a:solidFill>
+                <a:latin typeface="Miriam Libre" pitchFamily="2" charset="-79"/>
+                <a:cs typeface="Miriam Libre" pitchFamily="2" charset="-79"/>
+              </a:rPr>
+              <a:t>imageinfo</a:t>
+            </a:r>
+            <a:r>
+              <a:rPr lang="en-US" dirty="0">
+                <a:solidFill>
+                  <a:schemeClr val="bg1"/>
+                </a:solidFill>
+                <a:latin typeface="Miriam Libre" pitchFamily="2" charset="-79"/>
+                <a:cs typeface="Miriam Libre" pitchFamily="2" charset="-79"/>
+              </a:rPr>
+              <a:t> – display general information about snapshot</a:t>
+            </a:r>
+          </a:p>
+          <a:p>
+            <a:pPr marL="800100" lvl="1" indent="-342900">
+              <a:lnSpc>
+                <a:spcPct val="150000"/>
+              </a:lnSpc>
+              <a:buFont typeface="Arial" panose="020B0604020202020204" pitchFamily="34" charset="0"/>
+              <a:buChar char="•"/>
+            </a:pPr>
+            <a:r>
+              <a:rPr lang="en-US" b="1" dirty="0" err="1">
+                <a:solidFill>
+                  <a:schemeClr val="bg1"/>
+                </a:solidFill>
+                <a:latin typeface="Miriam Libre" pitchFamily="2" charset="-79"/>
+                <a:cs typeface="Miriam Libre" pitchFamily="2" charset="-79"/>
+              </a:rPr>
+              <a:t>pslist</a:t>
+            </a:r>
+            <a:r>
+              <a:rPr lang="en-US" dirty="0">
+                <a:solidFill>
+                  <a:schemeClr val="bg1"/>
+                </a:solidFill>
+                <a:latin typeface="Miriam Libre" pitchFamily="2" charset="-79"/>
+                <a:cs typeface="Miriam Libre" pitchFamily="2" charset="-79"/>
+              </a:rPr>
+              <a:t> – live processes list during the snapshot</a:t>
+            </a:r>
+          </a:p>
+          <a:p>
+            <a:pPr marL="800100" lvl="1" indent="-342900">
+              <a:lnSpc>
+                <a:spcPct val="150000"/>
+              </a:lnSpc>
+              <a:buFont typeface="Arial" panose="020B0604020202020204" pitchFamily="34" charset="0"/>
+              <a:buChar char="•"/>
+            </a:pPr>
+            <a:r>
+              <a:rPr lang="en-US" b="1" dirty="0" err="1">
+                <a:solidFill>
+                  <a:schemeClr val="bg1"/>
+                </a:solidFill>
+                <a:latin typeface="Miriam Libre" pitchFamily="2" charset="-79"/>
+                <a:cs typeface="Miriam Libre" pitchFamily="2" charset="-79"/>
+              </a:rPr>
+              <a:t>netscan</a:t>
+            </a:r>
+            <a:r>
+              <a:rPr lang="en-US" dirty="0">
+                <a:solidFill>
+                  <a:schemeClr val="bg1"/>
+                </a:solidFill>
+                <a:latin typeface="Miriam Libre" pitchFamily="2" charset="-79"/>
+                <a:cs typeface="Miriam Libre" pitchFamily="2" charset="-79"/>
+              </a:rPr>
+              <a:t> – live connections during the snapshot</a:t>
+            </a:r>
+          </a:p>
+          <a:p>
+            <a:pPr marL="342900" indent="-342900">
+              <a:lnSpc>
+                <a:spcPct val="150000"/>
+              </a:lnSpc>
+              <a:buFont typeface="Arial" panose="020B0604020202020204" pitchFamily="34" charset="0"/>
+              <a:buChar char="•"/>
+            </a:pPr>
+            <a:r>
+              <a:rPr lang="en-US" dirty="0">
+                <a:solidFill>
+                  <a:schemeClr val="bg1"/>
+                </a:solidFill>
+                <a:latin typeface="Miriam Libre" pitchFamily="2" charset="-79"/>
+                <a:cs typeface="Miriam Libre" pitchFamily="2" charset="-79"/>
+              </a:rPr>
+              <a:t>Example: </a:t>
+            </a:r>
+            <a:r>
+              <a:rPr lang="en-US" dirty="0">
+                <a:solidFill>
+                  <a:schemeClr val="bg1"/>
+                </a:solidFill>
+                <a:latin typeface="Miriam Libre" pitchFamily="2" charset="-79"/>
+                <a:cs typeface="Miriam Libre" pitchFamily="2" charset="-79"/>
                 <a:hlinkClick r:id="rId5"/>
               </a:rPr>
-              <a:t>https://play.picoctf.org/practice/challenge/30</a:t>
-            </a:r>
-            <a:endParaRPr lang="en-US" sz="3200" dirty="0">
+              <a:t>https://app.hackthebox.com/challenges/Reminiscent</a:t>
+            </a:r>
+            <a:endParaRPr lang="en-US" dirty="0">
               <a:solidFill>
                 <a:schemeClr val="bg1"/>
               </a:solidFill>
@@ -5192,7 +5585,7 @@
     </p:spTree>
     <p:extLst>
       <p:ext uri="{BB962C8B-B14F-4D97-AF65-F5344CB8AC3E}">
-        <p14:creationId xmlns:p14="http://schemas.microsoft.com/office/powerpoint/2010/main" val="3642940522"/>
+        <p14:creationId xmlns:p14="http://schemas.microsoft.com/office/powerpoint/2010/main" val="1236571923"/>
       </p:ext>
     </p:extLst>
   </p:cSld>
@@ -5234,7 +5627,7 @@
           <p:nvPr/>
         </p:nvPicPr>
         <p:blipFill>
-          <a:blip r:embed="rId2"/>
+          <a:blip r:embed="rId3"/>
           <a:srcRect/>
           <a:stretch/>
         </p:blipFill>
@@ -5379,7 +5772,7 @@
                 <a:latin typeface="Miriam Libre" pitchFamily="2" charset="-79"/>
                 <a:cs typeface="Miriam Libre" pitchFamily="2" charset="-79"/>
               </a:rPr>
-              <a:t>Steganography</a:t>
+              <a:t>Memory forensics - example</a:t>
             </a:r>
             <a:endParaRPr lang="he-IL" sz="3200" b="1" dirty="0">
               <a:solidFill>
@@ -5392,12 +5785,41 @@
           </a:p>
         </p:txBody>
       </p:sp>
-      <p:sp>
-        <p:nvSpPr>
-          <p:cNvPr id="8" name="TextBox 7">
-            <a:extLst>
-              <a:ext uri="{FF2B5EF4-FFF2-40B4-BE49-F238E27FC236}">
-                <a16:creationId xmlns:a16="http://schemas.microsoft.com/office/drawing/2014/main" id="{0A5D91F2-EE24-3166-CD6C-BAFBC797325C}"/>
+      <p:pic>
+        <p:nvPicPr>
+          <p:cNvPr id="10" name="Picture 9">
+            <a:extLst>
+              <a:ext uri="{FF2B5EF4-FFF2-40B4-BE49-F238E27FC236}">
+                <a16:creationId xmlns:a16="http://schemas.microsoft.com/office/drawing/2014/main" id="{9F67AEC4-71D1-89EA-5D3E-E83882E2C956}"/>
+              </a:ext>
+            </a:extLst>
+          </p:cNvPr>
+          <p:cNvPicPr>
+            <a:picLocks noChangeAspect="1"/>
+          </p:cNvPicPr>
+          <p:nvPr/>
+        </p:nvPicPr>
+        <p:blipFill>
+          <a:blip r:embed="rId4"/>
+          <a:srcRect/>
+          <a:stretch/>
+        </p:blipFill>
+        <p:spPr>
+          <a:xfrm>
+            <a:off x="9000489" y="6377732"/>
+            <a:ext cx="2717380" cy="221561"/>
+          </a:xfrm>
+          <a:prstGeom prst="rect">
+            <a:avLst/>
+          </a:prstGeom>
+        </p:spPr>
+      </p:pic>
+      <p:sp>
+        <p:nvSpPr>
+          <p:cNvPr id="12" name="TextBox 11">
+            <a:extLst>
+              <a:ext uri="{FF2B5EF4-FFF2-40B4-BE49-F238E27FC236}">
+                <a16:creationId xmlns:a16="http://schemas.microsoft.com/office/drawing/2014/main" id="{8B202E12-9199-4F4E-A4AD-A994ECFF6381}"/>
               </a:ext>
             </a:extLst>
           </p:cNvPr>
@@ -5406,8 +5828,8 @@
         </p:nvSpPr>
         <p:spPr>
           <a:xfrm>
-            <a:off x="292971" y="6365895"/>
-            <a:ext cx="6097218" cy="253916"/>
+            <a:off x="363850" y="3044279"/>
+            <a:ext cx="11444790" cy="769441"/>
           </a:xfrm>
           <a:prstGeom prst="rect">
             <a:avLst/>
@@ -5420,18 +5842,25 @@
           </a:bodyPr>
           <a:lstStyle/>
           <a:p>
-            <a:pPr marL="0" defTabSz="914400" eaLnBrk="1" latinLnBrk="0" hangingPunct="1"/>
-            <a:r>
-              <a:rPr lang="en-US" sz="1000" dirty="0">
+            <a:pPr marL="457200" indent="-457200" algn="ctr">
+              <a:lnSpc>
+                <a:spcPct val="150000"/>
+              </a:lnSpc>
+              <a:buFont typeface="Arial" panose="020B0604020202020204" pitchFamily="34" charset="0"/>
+              <a:buChar char="•"/>
+            </a:pPr>
+            <a:r>
+              <a:rPr lang="en-US" sz="3200" dirty="0">
                 <a:solidFill>
                   <a:schemeClr val="bg1"/>
                 </a:solidFill>
                 <a:latin typeface="Miriam Libre" pitchFamily="2" charset="-79"/>
                 <a:cs typeface="Miriam Libre" pitchFamily="2" charset="-79"/>
-              </a:rPr>
-              <a:t>Memory forensics</a:t>
-            </a:r>
-            <a:endParaRPr lang="en-IL" sz="1000" dirty="0">
+                <a:hlinkClick r:id="rId5"/>
+              </a:rPr>
+              <a:t>https://app.hackthebox.com/challenges/Reminiscent</a:t>
+            </a:r>
+            <a:endParaRPr lang="en-US" sz="3200" dirty="0">
               <a:solidFill>
                 <a:schemeClr val="bg1"/>
               </a:solidFill>
@@ -5441,380 +5870,10 @@
           </a:p>
         </p:txBody>
       </p:sp>
-      <p:pic>
-        <p:nvPicPr>
-          <p:cNvPr id="10" name="Picture 9">
-            <a:extLst>
-              <a:ext uri="{FF2B5EF4-FFF2-40B4-BE49-F238E27FC236}">
-                <a16:creationId xmlns:a16="http://schemas.microsoft.com/office/drawing/2014/main" id="{9F67AEC4-71D1-89EA-5D3E-E83882E2C956}"/>
-              </a:ext>
-            </a:extLst>
-          </p:cNvPr>
-          <p:cNvPicPr>
-            <a:picLocks noChangeAspect="1"/>
-          </p:cNvPicPr>
-          <p:nvPr/>
-        </p:nvPicPr>
-        <p:blipFill>
-          <a:blip r:embed="rId3"/>
-          <a:srcRect/>
-          <a:stretch/>
-        </p:blipFill>
-        <p:spPr>
-          <a:xfrm>
-            <a:off x="9000489" y="6377732"/>
-            <a:ext cx="2717380" cy="221561"/>
-          </a:xfrm>
-          <a:prstGeom prst="rect">
-            <a:avLst/>
-          </a:prstGeom>
-        </p:spPr>
-      </p:pic>
-      <p:sp>
-        <p:nvSpPr>
-          <p:cNvPr id="11" name="TextBox 10">
-            <a:extLst>
-              <a:ext uri="{FF2B5EF4-FFF2-40B4-BE49-F238E27FC236}">
-                <a16:creationId xmlns:a16="http://schemas.microsoft.com/office/drawing/2014/main" id="{F0AE44DD-9F90-453E-830F-60E9D499845F}"/>
-              </a:ext>
-            </a:extLst>
-          </p:cNvPr>
-          <p:cNvSpPr txBox="1"/>
-          <p:nvPr/>
-        </p:nvSpPr>
-        <p:spPr>
-          <a:xfrm>
-            <a:off x="292971" y="1167186"/>
-            <a:ext cx="11444790" cy="6055504"/>
-          </a:xfrm>
-          <a:prstGeom prst="rect">
-            <a:avLst/>
-          </a:prstGeom>
-          <a:noFill/>
-        </p:spPr>
-        <p:txBody>
-          <a:bodyPr wrap="square">
-            <a:spAutoFit/>
-          </a:bodyPr>
-          <a:lstStyle/>
-          <a:p>
-            <a:pPr marL="342900" indent="-342900">
-              <a:lnSpc>
-                <a:spcPct val="150000"/>
-              </a:lnSpc>
-              <a:buFont typeface="Arial" panose="020B0604020202020204" pitchFamily="34" charset="0"/>
-              <a:buChar char="•"/>
-            </a:pPr>
-            <a:r>
-              <a:rPr lang="en-US" sz="2000" dirty="0">
-                <a:solidFill>
-                  <a:schemeClr val="bg1"/>
-                </a:solidFill>
-                <a:latin typeface="Miriam Libre" pitchFamily="2" charset="-79"/>
-                <a:cs typeface="Miriam Libre" pitchFamily="2" charset="-79"/>
-              </a:rPr>
-              <a:t>Steganography is the practice of concealing messages or information within other non-secret text or data. Fun fact: Sometimes this sub-category gets it’s own category in CTFs.</a:t>
-            </a:r>
-          </a:p>
-          <a:p>
-            <a:pPr marL="342900" indent="-342900">
-              <a:lnSpc>
-                <a:spcPct val="150000"/>
-              </a:lnSpc>
-              <a:buFont typeface="Arial" panose="020B0604020202020204" pitchFamily="34" charset="0"/>
-              <a:buChar char="•"/>
-            </a:pPr>
-            <a:r>
-              <a:rPr lang="en-US" sz="2000" dirty="0">
-                <a:solidFill>
-                  <a:schemeClr val="bg1"/>
-                </a:solidFill>
-                <a:latin typeface="Miriam Libre" pitchFamily="2" charset="-79"/>
-                <a:cs typeface="Miriam Libre" pitchFamily="2" charset="-79"/>
-              </a:rPr>
-              <a:t>This files can include basically any file type. Images, documents, video/audio files, etc.</a:t>
-            </a:r>
-          </a:p>
-          <a:p>
-            <a:pPr marL="342900" indent="-342900">
-              <a:lnSpc>
-                <a:spcPct val="150000"/>
-              </a:lnSpc>
-              <a:buFont typeface="Arial" panose="020B0604020202020204" pitchFamily="34" charset="0"/>
-              <a:buChar char="•"/>
-            </a:pPr>
-            <a:r>
-              <a:rPr lang="en-US" sz="2000" dirty="0">
-                <a:solidFill>
-                  <a:schemeClr val="bg1"/>
-                </a:solidFill>
-                <a:latin typeface="Miriam Libre" pitchFamily="2" charset="-79"/>
-                <a:cs typeface="Miriam Libre" pitchFamily="2" charset="-79"/>
-              </a:rPr>
-              <a:t>Some useful tools:</a:t>
-            </a:r>
-          </a:p>
-          <a:p>
-            <a:pPr marL="800100" lvl="1" indent="-342900">
-              <a:lnSpc>
-                <a:spcPct val="150000"/>
-              </a:lnSpc>
-              <a:buFont typeface="Arial" panose="020B0604020202020204" pitchFamily="34" charset="0"/>
-              <a:buChar char="•"/>
-            </a:pPr>
-            <a:r>
-              <a:rPr lang="en-US" sz="2000" dirty="0">
-                <a:solidFill>
-                  <a:schemeClr val="bg1"/>
-                </a:solidFill>
-                <a:latin typeface="Miriam Libre" pitchFamily="2" charset="-79"/>
-                <a:cs typeface="Miriam Libre" pitchFamily="2" charset="-79"/>
-              </a:rPr>
-              <a:t>The ones in the </a:t>
-            </a:r>
-            <a:r>
-              <a:rPr lang="en-US" sz="2000" b="1" dirty="0">
-                <a:solidFill>
-                  <a:schemeClr val="bg1"/>
-                </a:solidFill>
-                <a:latin typeface="Miriam Libre" pitchFamily="2" charset="-79"/>
-                <a:cs typeface="Miriam Libre" pitchFamily="2" charset="-79"/>
-              </a:rPr>
-              <a:t>initial</a:t>
-            </a:r>
-            <a:r>
-              <a:rPr lang="en-US" sz="2000" dirty="0">
-                <a:solidFill>
-                  <a:schemeClr val="bg1"/>
-                </a:solidFill>
-                <a:latin typeface="Miriam Libre" pitchFamily="2" charset="-79"/>
-                <a:cs typeface="Miriam Libre" pitchFamily="2" charset="-79"/>
-              </a:rPr>
-              <a:t> slide are a good start.</a:t>
-            </a:r>
-          </a:p>
-          <a:p>
-            <a:pPr marL="800100" lvl="1" indent="-342900">
-              <a:lnSpc>
-                <a:spcPct val="150000"/>
-              </a:lnSpc>
-              <a:buFont typeface="Arial" panose="020B0604020202020204" pitchFamily="34" charset="0"/>
-              <a:buChar char="•"/>
-            </a:pPr>
-            <a:r>
-              <a:rPr lang="en-US" sz="2000" dirty="0" err="1">
-                <a:solidFill>
-                  <a:schemeClr val="bg1"/>
-                </a:solidFill>
-                <a:latin typeface="Miriam Libre" pitchFamily="2" charset="-79"/>
-                <a:cs typeface="Miriam Libre" pitchFamily="2" charset="-79"/>
-              </a:rPr>
-              <a:t>pngcheck</a:t>
-            </a:r>
-            <a:r>
-              <a:rPr lang="en-US" sz="2000" dirty="0">
-                <a:solidFill>
-                  <a:schemeClr val="bg1"/>
-                </a:solidFill>
-                <a:latin typeface="Miriam Libre" pitchFamily="2" charset="-79"/>
-                <a:cs typeface="Miriam Libre" pitchFamily="2" charset="-79"/>
-              </a:rPr>
-              <a:t> to check for the integrity of a </a:t>
-            </a:r>
-            <a:r>
-              <a:rPr lang="en-US" sz="2000" dirty="0" err="1">
-                <a:solidFill>
-                  <a:schemeClr val="bg1"/>
-                </a:solidFill>
-                <a:latin typeface="Miriam Libre" pitchFamily="2" charset="-79"/>
-                <a:cs typeface="Miriam Libre" pitchFamily="2" charset="-79"/>
-              </a:rPr>
-              <a:t>png</a:t>
-            </a:r>
-            <a:r>
-              <a:rPr lang="en-US" sz="2000" dirty="0">
-                <a:solidFill>
-                  <a:schemeClr val="bg1"/>
-                </a:solidFill>
-                <a:latin typeface="Miriam Libre" pitchFamily="2" charset="-79"/>
-                <a:cs typeface="Miriam Libre" pitchFamily="2" charset="-79"/>
-              </a:rPr>
-              <a:t> file.</a:t>
-            </a:r>
-          </a:p>
-          <a:p>
-            <a:pPr marL="800100" lvl="1" indent="-342900">
-              <a:lnSpc>
-                <a:spcPct val="150000"/>
-              </a:lnSpc>
-              <a:buFont typeface="Arial" panose="020B0604020202020204" pitchFamily="34" charset="0"/>
-              <a:buChar char="•"/>
-            </a:pPr>
-            <a:r>
-              <a:rPr lang="en-US" sz="2000" dirty="0" err="1">
-                <a:solidFill>
-                  <a:schemeClr val="bg1"/>
-                </a:solidFill>
-                <a:latin typeface="Miriam Libre" pitchFamily="2" charset="-79"/>
-                <a:cs typeface="Miriam Libre" pitchFamily="2" charset="-79"/>
-              </a:rPr>
-              <a:t>steghide</a:t>
-            </a:r>
-            <a:r>
-              <a:rPr lang="en-US" sz="2000" dirty="0">
-                <a:solidFill>
-                  <a:schemeClr val="bg1"/>
-                </a:solidFill>
-                <a:latin typeface="Miriam Libre" pitchFamily="2" charset="-79"/>
-                <a:cs typeface="Miriam Libre" pitchFamily="2" charset="-79"/>
-              </a:rPr>
-              <a:t> – Embed or extract hidden data within image or audio files while preserving their apparent content.</a:t>
-            </a:r>
-          </a:p>
-          <a:p>
-            <a:pPr marL="800100" lvl="1" indent="-342900">
-              <a:lnSpc>
-                <a:spcPct val="150000"/>
-              </a:lnSpc>
-              <a:buFont typeface="Arial" panose="020B0604020202020204" pitchFamily="34" charset="0"/>
-              <a:buChar char="•"/>
-            </a:pPr>
-            <a:r>
-              <a:rPr lang="en-US" sz="2000" dirty="0" err="1">
-                <a:solidFill>
-                  <a:schemeClr val="bg1"/>
-                </a:solidFill>
-                <a:latin typeface="Miriam Libre" pitchFamily="2" charset="-79"/>
-                <a:cs typeface="Miriam Libre" pitchFamily="2" charset="-79"/>
-              </a:rPr>
-              <a:t>zsteg</a:t>
-            </a:r>
-            <a:r>
-              <a:rPr lang="en-US" sz="2000" dirty="0">
-                <a:solidFill>
-                  <a:schemeClr val="bg1"/>
-                </a:solidFill>
-                <a:latin typeface="Miriam Libre" pitchFamily="2" charset="-79"/>
-                <a:cs typeface="Miriam Libre" pitchFamily="2" charset="-79"/>
-              </a:rPr>
-              <a:t> – like </a:t>
-            </a:r>
-            <a:r>
-              <a:rPr lang="en-US" sz="2000" dirty="0" err="1">
-                <a:solidFill>
-                  <a:schemeClr val="bg1"/>
-                </a:solidFill>
-                <a:latin typeface="Miriam Libre" pitchFamily="2" charset="-79"/>
-                <a:cs typeface="Miriam Libre" pitchFamily="2" charset="-79"/>
-              </a:rPr>
-              <a:t>steghide</a:t>
-            </a:r>
-            <a:r>
-              <a:rPr lang="en-US" sz="2000" dirty="0">
-                <a:solidFill>
-                  <a:schemeClr val="bg1"/>
-                </a:solidFill>
-                <a:latin typeface="Miriam Libre" pitchFamily="2" charset="-79"/>
-                <a:cs typeface="Miriam Libre" pitchFamily="2" charset="-79"/>
-              </a:rPr>
-              <a:t> but mainly for images</a:t>
-            </a:r>
-          </a:p>
-          <a:p>
-            <a:pPr marL="800100" lvl="1" indent="-342900">
-              <a:lnSpc>
-                <a:spcPct val="150000"/>
-              </a:lnSpc>
-              <a:buFont typeface="Arial" panose="020B0604020202020204" pitchFamily="34" charset="0"/>
-              <a:buChar char="•"/>
-            </a:pPr>
-            <a:r>
-              <a:rPr lang="en-US" sz="2000" dirty="0">
-                <a:solidFill>
-                  <a:schemeClr val="bg1"/>
-                </a:solidFill>
-                <a:latin typeface="Miriam Libre" pitchFamily="2" charset="-79"/>
-                <a:cs typeface="Miriam Libre" pitchFamily="2" charset="-79"/>
-                <a:hlinkClick r:id="rId4"/>
-              </a:rPr>
-              <a:t>https://georgeom.net/StegOnline</a:t>
-            </a:r>
-            <a:endParaRPr lang="en-US" sz="2000" dirty="0">
-              <a:solidFill>
-                <a:schemeClr val="bg1"/>
-              </a:solidFill>
-              <a:latin typeface="Miriam Libre" pitchFamily="2" charset="-79"/>
-              <a:cs typeface="Miriam Libre" pitchFamily="2" charset="-79"/>
-            </a:endParaRPr>
-          </a:p>
-          <a:p>
-            <a:pPr marL="800100" lvl="1" indent="-342900">
-              <a:lnSpc>
-                <a:spcPct val="150000"/>
-              </a:lnSpc>
-              <a:buFont typeface="Arial" panose="020B0604020202020204" pitchFamily="34" charset="0"/>
-              <a:buChar char="•"/>
-            </a:pPr>
-            <a:r>
-              <a:rPr lang="en-US" sz="2000" dirty="0">
-                <a:solidFill>
-                  <a:schemeClr val="bg1"/>
-                </a:solidFill>
-                <a:latin typeface="Miriam Libre" pitchFamily="2" charset="-79"/>
-                <a:cs typeface="Miriam Libre" pitchFamily="2" charset="-79"/>
-                <a:hlinkClick r:id="rId5"/>
-              </a:rPr>
-              <a:t>https://www.aperisolve.com/</a:t>
-            </a:r>
-            <a:r>
-              <a:rPr lang="en-US" sz="2000" dirty="0">
-                <a:solidFill>
-                  <a:schemeClr val="bg1"/>
-                </a:solidFill>
-                <a:latin typeface="Miriam Libre" pitchFamily="2" charset="-79"/>
-                <a:cs typeface="Miriam Libre" pitchFamily="2" charset="-79"/>
-              </a:rPr>
-              <a:t> - Runs many different check steganography tools</a:t>
-            </a:r>
-          </a:p>
-          <a:p>
-            <a:pPr marL="800100" lvl="1" indent="-342900">
-              <a:lnSpc>
-                <a:spcPct val="150000"/>
-              </a:lnSpc>
-              <a:buFont typeface="Arial" panose="020B0604020202020204" pitchFamily="34" charset="0"/>
-              <a:buChar char="•"/>
-            </a:pPr>
-            <a:endParaRPr lang="en-US" sz="2000" dirty="0">
-              <a:solidFill>
-                <a:schemeClr val="bg1"/>
-              </a:solidFill>
-              <a:latin typeface="Miriam Libre" pitchFamily="2" charset="-79"/>
-              <a:cs typeface="Miriam Libre" pitchFamily="2" charset="-79"/>
-            </a:endParaRPr>
-          </a:p>
-          <a:p>
-            <a:pPr marL="342900" indent="-342900">
-              <a:lnSpc>
-                <a:spcPct val="150000"/>
-              </a:lnSpc>
-              <a:buFont typeface="Arial" panose="020B0604020202020204" pitchFamily="34" charset="0"/>
-              <a:buChar char="•"/>
-            </a:pPr>
-            <a:endParaRPr lang="en-US" sz="2000" dirty="0">
-              <a:solidFill>
-                <a:schemeClr val="bg1"/>
-              </a:solidFill>
-              <a:latin typeface="Miriam Libre" pitchFamily="2" charset="-79"/>
-              <a:cs typeface="Miriam Libre" pitchFamily="2" charset="-79"/>
-            </a:endParaRPr>
-          </a:p>
-        </p:txBody>
-      </p:sp>
     </p:spTree>
     <p:extLst>
       <p:ext uri="{BB962C8B-B14F-4D97-AF65-F5344CB8AC3E}">
-        <p14:creationId xmlns:p14="http://schemas.microsoft.com/office/powerpoint/2010/main" val="2378643271"/>
+        <p14:creationId xmlns:p14="http://schemas.microsoft.com/office/powerpoint/2010/main" val="1431196577"/>
       </p:ext>
     </p:extLst>
   </p:cSld>
@@ -5856,7 +5915,7 @@
           <p:nvPr/>
         </p:nvPicPr>
         <p:blipFill>
-          <a:blip r:embed="rId3"/>
+          <a:blip r:embed="rId2"/>
           <a:srcRect/>
           <a:stretch/>
         </p:blipFill>
@@ -6001,7 +6060,7 @@
                 <a:latin typeface="Miriam Libre" pitchFamily="2" charset="-79"/>
                 <a:cs typeface="Miriam Libre" pitchFamily="2" charset="-79"/>
               </a:rPr>
-              <a:t>Steganography- example</a:t>
+              <a:t>Steganography</a:t>
             </a:r>
             <a:endParaRPr lang="he-IL" sz="3200" b="1" dirty="0">
               <a:solidFill>
@@ -6014,12 +6073,41 @@
           </a:p>
         </p:txBody>
       </p:sp>
-      <p:sp>
-        <p:nvSpPr>
-          <p:cNvPr id="8" name="TextBox 7">
-            <a:extLst>
-              <a:ext uri="{FF2B5EF4-FFF2-40B4-BE49-F238E27FC236}">
-                <a16:creationId xmlns:a16="http://schemas.microsoft.com/office/drawing/2014/main" id="{0A5D91F2-EE24-3166-CD6C-BAFBC797325C}"/>
+      <p:pic>
+        <p:nvPicPr>
+          <p:cNvPr id="10" name="Picture 9">
+            <a:extLst>
+              <a:ext uri="{FF2B5EF4-FFF2-40B4-BE49-F238E27FC236}">
+                <a16:creationId xmlns:a16="http://schemas.microsoft.com/office/drawing/2014/main" id="{9F67AEC4-71D1-89EA-5D3E-E83882E2C956}"/>
+              </a:ext>
+            </a:extLst>
+          </p:cNvPr>
+          <p:cNvPicPr>
+            <a:picLocks noChangeAspect="1"/>
+          </p:cNvPicPr>
+          <p:nvPr/>
+        </p:nvPicPr>
+        <p:blipFill>
+          <a:blip r:embed="rId3"/>
+          <a:srcRect/>
+          <a:stretch/>
+        </p:blipFill>
+        <p:spPr>
+          <a:xfrm>
+            <a:off x="9000489" y="6377732"/>
+            <a:ext cx="2717380" cy="221561"/>
+          </a:xfrm>
+          <a:prstGeom prst="rect">
+            <a:avLst/>
+          </a:prstGeom>
+        </p:spPr>
+      </p:pic>
+      <p:sp>
+        <p:nvSpPr>
+          <p:cNvPr id="11" name="TextBox 10">
+            <a:extLst>
+              <a:ext uri="{FF2B5EF4-FFF2-40B4-BE49-F238E27FC236}">
+                <a16:creationId xmlns:a16="http://schemas.microsoft.com/office/drawing/2014/main" id="{F0AE44DD-9F90-453E-830F-60E9D499845F}"/>
               </a:ext>
             </a:extLst>
           </p:cNvPr>
@@ -6028,8 +6116,8 @@
         </p:nvSpPr>
         <p:spPr>
           <a:xfrm>
-            <a:off x="292971" y="6365895"/>
-            <a:ext cx="6097218" cy="253916"/>
+            <a:off x="143867" y="1125173"/>
+            <a:ext cx="11593893" cy="5593839"/>
           </a:xfrm>
           <a:prstGeom prst="rect">
             <a:avLst/>
@@ -6042,18 +6130,209 @@
           </a:bodyPr>
           <a:lstStyle/>
           <a:p>
-            <a:pPr marL="0" defTabSz="914400" eaLnBrk="1" latinLnBrk="0" hangingPunct="1"/>
-            <a:r>
-              <a:rPr lang="en-US" sz="1000" dirty="0">
+            <a:pPr marL="342900" indent="-342900">
+              <a:lnSpc>
+                <a:spcPct val="150000"/>
+              </a:lnSpc>
+              <a:buFont typeface="Arial" panose="020B0604020202020204" pitchFamily="34" charset="0"/>
+              <a:buChar char="•"/>
+            </a:pPr>
+            <a:r>
+              <a:rPr lang="en-US" sz="2000" dirty="0">
                 <a:solidFill>
                   <a:schemeClr val="bg1"/>
                 </a:solidFill>
                 <a:latin typeface="Miriam Libre" pitchFamily="2" charset="-79"/>
                 <a:cs typeface="Miriam Libre" pitchFamily="2" charset="-79"/>
               </a:rPr>
-              <a:t>Memory forensics - example</a:t>
-            </a:r>
-            <a:endParaRPr lang="en-IL" sz="1000" dirty="0">
+              <a:t>Steganography is the practice of concealing messages or information within other non-secret text or data. </a:t>
+            </a:r>
+          </a:p>
+          <a:p>
+            <a:pPr marL="342900" indent="-342900">
+              <a:lnSpc>
+                <a:spcPct val="150000"/>
+              </a:lnSpc>
+              <a:buFont typeface="Arial" panose="020B0604020202020204" pitchFamily="34" charset="0"/>
+              <a:buChar char="•"/>
+            </a:pPr>
+            <a:r>
+              <a:rPr lang="en-US" sz="2000" dirty="0">
+                <a:solidFill>
+                  <a:schemeClr val="bg1"/>
+                </a:solidFill>
+                <a:latin typeface="Miriam Libre" pitchFamily="2" charset="-79"/>
+                <a:cs typeface="Miriam Libre" pitchFamily="2" charset="-79"/>
+              </a:rPr>
+              <a:t>These files can include basically any file type. Images, documents, video/audio files, etc.</a:t>
+            </a:r>
+          </a:p>
+          <a:p>
+            <a:pPr marL="342900" indent="-342900">
+              <a:lnSpc>
+                <a:spcPct val="150000"/>
+              </a:lnSpc>
+              <a:buFont typeface="Arial" panose="020B0604020202020204" pitchFamily="34" charset="0"/>
+              <a:buChar char="•"/>
+            </a:pPr>
+            <a:r>
+              <a:rPr lang="en-US" sz="2000" dirty="0">
+                <a:solidFill>
+                  <a:schemeClr val="bg1"/>
+                </a:solidFill>
+                <a:latin typeface="Miriam Libre" pitchFamily="2" charset="-79"/>
+                <a:cs typeface="Miriam Libre" pitchFamily="2" charset="-79"/>
+              </a:rPr>
+              <a:t>Some useful tools (there are many, many more):</a:t>
+            </a:r>
+          </a:p>
+          <a:p>
+            <a:pPr marL="800100" lvl="1" indent="-342900">
+              <a:lnSpc>
+                <a:spcPct val="150000"/>
+              </a:lnSpc>
+              <a:buFont typeface="Arial" panose="020B0604020202020204" pitchFamily="34" charset="0"/>
+              <a:buChar char="•"/>
+            </a:pPr>
+            <a:r>
+              <a:rPr lang="en-US" sz="2000" dirty="0" err="1">
+                <a:solidFill>
+                  <a:schemeClr val="bg1"/>
+                </a:solidFill>
+                <a:latin typeface="Miriam Libre" pitchFamily="2" charset="-79"/>
+                <a:cs typeface="Miriam Libre" pitchFamily="2" charset="-79"/>
+              </a:rPr>
+              <a:t>pngcheck</a:t>
+            </a:r>
+            <a:r>
+              <a:rPr lang="en-US" sz="2000" dirty="0">
+                <a:solidFill>
+                  <a:schemeClr val="bg1"/>
+                </a:solidFill>
+                <a:latin typeface="Miriam Libre" pitchFamily="2" charset="-79"/>
+                <a:cs typeface="Miriam Libre" pitchFamily="2" charset="-79"/>
+              </a:rPr>
+              <a:t> to check for the integrity of a </a:t>
+            </a:r>
+            <a:r>
+              <a:rPr lang="en-US" sz="2000" dirty="0" err="1">
+                <a:solidFill>
+                  <a:schemeClr val="bg1"/>
+                </a:solidFill>
+                <a:latin typeface="Miriam Libre" pitchFamily="2" charset="-79"/>
+                <a:cs typeface="Miriam Libre" pitchFamily="2" charset="-79"/>
+              </a:rPr>
+              <a:t>png</a:t>
+            </a:r>
+            <a:r>
+              <a:rPr lang="en-US" sz="2000" dirty="0">
+                <a:solidFill>
+                  <a:schemeClr val="bg1"/>
+                </a:solidFill>
+                <a:latin typeface="Miriam Libre" pitchFamily="2" charset="-79"/>
+                <a:cs typeface="Miriam Libre" pitchFamily="2" charset="-79"/>
+              </a:rPr>
+              <a:t> file.</a:t>
+            </a:r>
+          </a:p>
+          <a:p>
+            <a:pPr marL="800100" lvl="1" indent="-342900">
+              <a:lnSpc>
+                <a:spcPct val="150000"/>
+              </a:lnSpc>
+              <a:buFont typeface="Arial" panose="020B0604020202020204" pitchFamily="34" charset="0"/>
+              <a:buChar char="•"/>
+            </a:pPr>
+            <a:r>
+              <a:rPr lang="en-US" sz="2000" dirty="0" err="1">
+                <a:solidFill>
+                  <a:schemeClr val="bg1"/>
+                </a:solidFill>
+                <a:latin typeface="Miriam Libre" pitchFamily="2" charset="-79"/>
+                <a:cs typeface="Miriam Libre" pitchFamily="2" charset="-79"/>
+              </a:rPr>
+              <a:t>steghide</a:t>
+            </a:r>
+            <a:r>
+              <a:rPr lang="en-US" sz="2000" dirty="0">
+                <a:solidFill>
+                  <a:schemeClr val="bg1"/>
+                </a:solidFill>
+                <a:latin typeface="Miriam Libre" pitchFamily="2" charset="-79"/>
+                <a:cs typeface="Miriam Libre" pitchFamily="2" charset="-79"/>
+              </a:rPr>
+              <a:t> – Embed or extract hidden data within image or audio files while preserving their apparent content.</a:t>
+            </a:r>
+          </a:p>
+          <a:p>
+            <a:pPr marL="800100" lvl="1" indent="-342900">
+              <a:lnSpc>
+                <a:spcPct val="150000"/>
+              </a:lnSpc>
+              <a:buFont typeface="Arial" panose="020B0604020202020204" pitchFamily="34" charset="0"/>
+              <a:buChar char="•"/>
+            </a:pPr>
+            <a:r>
+              <a:rPr lang="en-US" sz="2000" dirty="0" err="1">
+                <a:solidFill>
+                  <a:schemeClr val="bg1"/>
+                </a:solidFill>
+                <a:latin typeface="Miriam Libre" pitchFamily="2" charset="-79"/>
+                <a:cs typeface="Miriam Libre" pitchFamily="2" charset="-79"/>
+              </a:rPr>
+              <a:t>zsteg</a:t>
+            </a:r>
+            <a:r>
+              <a:rPr lang="en-US" sz="2000" dirty="0">
+                <a:solidFill>
+                  <a:schemeClr val="bg1"/>
+                </a:solidFill>
+                <a:latin typeface="Miriam Libre" pitchFamily="2" charset="-79"/>
+                <a:cs typeface="Miriam Libre" pitchFamily="2" charset="-79"/>
+              </a:rPr>
+              <a:t> – like </a:t>
+            </a:r>
+            <a:r>
+              <a:rPr lang="en-US" sz="2000" dirty="0" err="1">
+                <a:solidFill>
+                  <a:schemeClr val="bg1"/>
+                </a:solidFill>
+                <a:latin typeface="Miriam Libre" pitchFamily="2" charset="-79"/>
+                <a:cs typeface="Miriam Libre" pitchFamily="2" charset="-79"/>
+              </a:rPr>
+              <a:t>steghide</a:t>
+            </a:r>
+            <a:r>
+              <a:rPr lang="en-US" sz="2000" dirty="0">
+                <a:solidFill>
+                  <a:schemeClr val="bg1"/>
+                </a:solidFill>
+                <a:latin typeface="Miriam Libre" pitchFamily="2" charset="-79"/>
+                <a:cs typeface="Miriam Libre" pitchFamily="2" charset="-79"/>
+              </a:rPr>
+              <a:t> but mainly for images.</a:t>
+            </a:r>
+          </a:p>
+          <a:p>
+            <a:pPr marL="800100" lvl="1" indent="-342900">
+              <a:lnSpc>
+                <a:spcPct val="150000"/>
+              </a:lnSpc>
+              <a:buFont typeface="Arial" panose="020B0604020202020204" pitchFamily="34" charset="0"/>
+              <a:buChar char="•"/>
+            </a:pPr>
+            <a:r>
+              <a:rPr lang="en-US" sz="2000" dirty="0">
+                <a:solidFill>
+                  <a:schemeClr val="bg1"/>
+                </a:solidFill>
+                <a:latin typeface="Miriam Libre" pitchFamily="2" charset="-79"/>
+                <a:cs typeface="Miriam Libre" pitchFamily="2" charset="-79"/>
+                <a:hlinkClick r:id="rId4"/>
+              </a:rPr>
+              <a:t>https://georgeom.net/StegOnline</a:t>
+            </a:r>
+            <a:endParaRPr lang="en-US" sz="2000" dirty="0">
               <a:solidFill>
                 <a:schemeClr val="bg1"/>
               </a:solidFill>
@@ -6061,66 +6340,8 @@
               <a:cs typeface="Miriam Libre" pitchFamily="2" charset="-79"/>
             </a:endParaRPr>
           </a:p>
-        </p:txBody>
-      </p:sp>
-      <p:pic>
-        <p:nvPicPr>
-          <p:cNvPr id="10" name="Picture 9">
-            <a:extLst>
-              <a:ext uri="{FF2B5EF4-FFF2-40B4-BE49-F238E27FC236}">
-                <a16:creationId xmlns:a16="http://schemas.microsoft.com/office/drawing/2014/main" id="{9F67AEC4-71D1-89EA-5D3E-E83882E2C956}"/>
-              </a:ext>
-            </a:extLst>
-          </p:cNvPr>
-          <p:cNvPicPr>
-            <a:picLocks noChangeAspect="1"/>
-          </p:cNvPicPr>
-          <p:nvPr/>
-        </p:nvPicPr>
-        <p:blipFill>
-          <a:blip r:embed="rId4"/>
-          <a:srcRect/>
-          <a:stretch/>
-        </p:blipFill>
-        <p:spPr>
-          <a:xfrm>
-            <a:off x="9000489" y="6377732"/>
-            <a:ext cx="2717380" cy="221561"/>
-          </a:xfrm>
-          <a:prstGeom prst="rect">
-            <a:avLst/>
-          </a:prstGeom>
-        </p:spPr>
-      </p:pic>
-      <p:sp>
-        <p:nvSpPr>
-          <p:cNvPr id="12" name="TextBox 11">
-            <a:extLst>
-              <a:ext uri="{FF2B5EF4-FFF2-40B4-BE49-F238E27FC236}">
-                <a16:creationId xmlns:a16="http://schemas.microsoft.com/office/drawing/2014/main" id="{8B202E12-9199-4F4E-A4AD-A994ECFF6381}"/>
-              </a:ext>
-            </a:extLst>
-          </p:cNvPr>
-          <p:cNvSpPr txBox="1"/>
-          <p:nvPr/>
-        </p:nvSpPr>
-        <p:spPr>
-          <a:xfrm>
-            <a:off x="363850" y="3044279"/>
-            <a:ext cx="11444790" cy="769441"/>
-          </a:xfrm>
-          <a:prstGeom prst="rect">
-            <a:avLst/>
-          </a:prstGeom>
-          <a:noFill/>
-        </p:spPr>
-        <p:txBody>
-          <a:bodyPr wrap="square">
-            <a:spAutoFit/>
-          </a:bodyPr>
-          <a:lstStyle/>
-          <a:p>
-            <a:pPr marL="457200" indent="-457200" algn="ctr">
+          <a:p>
+            <a:pPr marL="800100" lvl="1" indent="-342900">
               <a:lnSpc>
                 <a:spcPct val="150000"/>
               </a:lnSpc>
@@ -6128,7 +6349,7 @@
               <a:buChar char="•"/>
             </a:pPr>
             <a:r>
-              <a:rPr lang="en-US" sz="3200" dirty="0">
+              <a:rPr lang="en-US" sz="2000" dirty="0">
                 <a:solidFill>
                   <a:schemeClr val="bg1"/>
                 </a:solidFill>
@@ -6136,9 +6357,28 @@
                 <a:cs typeface="Miriam Libre" pitchFamily="2" charset="-79"/>
                 <a:hlinkClick r:id="rId5"/>
               </a:rPr>
-              <a:t>https://play.picoctf.org/practice/challenge/359</a:t>
-            </a:r>
-            <a:endParaRPr lang="en-US" sz="3200" dirty="0">
+              <a:t>https://www.aperisolve.com/</a:t>
+            </a:r>
+            <a:r>
+              <a:rPr lang="en-US" sz="2000" dirty="0">
+                <a:solidFill>
+                  <a:schemeClr val="bg1"/>
+                </a:solidFill>
+                <a:latin typeface="Miriam Libre" pitchFamily="2" charset="-79"/>
+                <a:cs typeface="Miriam Libre" pitchFamily="2" charset="-79"/>
+              </a:rPr>
+              <a:t> - Runs many different steganography tools</a:t>
+            </a:r>
+          </a:p>
+          <a:p>
+            <a:pPr marL="800100" lvl="1" indent="-342900">
+              <a:lnSpc>
+                <a:spcPct val="150000"/>
+              </a:lnSpc>
+              <a:buFont typeface="Arial" panose="020B0604020202020204" pitchFamily="34" charset="0"/>
+              <a:buChar char="•"/>
+            </a:pPr>
+            <a:endParaRPr lang="en-US" sz="2000" dirty="0">
               <a:solidFill>
                 <a:schemeClr val="bg1"/>
               </a:solidFill>
@@ -6146,12 +6386,28 @@
               <a:cs typeface="Miriam Libre" pitchFamily="2" charset="-79"/>
             </a:endParaRPr>
           </a:p>
+          <a:p>
+            <a:pPr marL="342900" indent="-342900">
+              <a:lnSpc>
+                <a:spcPct val="150000"/>
+              </a:lnSpc>
+              <a:buFont typeface="Arial" panose="020B0604020202020204" pitchFamily="34" charset="0"/>
+              <a:buChar char="•"/>
+            </a:pPr>
+            <a:endParaRPr lang="en-US" sz="2000" dirty="0">
+              <a:solidFill>
+                <a:schemeClr val="bg1"/>
+              </a:solidFill>
+              <a:latin typeface="Miriam Libre" pitchFamily="2" charset="-79"/>
+              <a:cs typeface="Miriam Libre" pitchFamily="2" charset="-79"/>
+            </a:endParaRPr>
+          </a:p>
         </p:txBody>
       </p:sp>
     </p:spTree>
     <p:extLst>
       <p:ext uri="{BB962C8B-B14F-4D97-AF65-F5344CB8AC3E}">
-        <p14:creationId xmlns:p14="http://schemas.microsoft.com/office/powerpoint/2010/main" val="1851542981"/>
+        <p14:creationId xmlns:p14="http://schemas.microsoft.com/office/powerpoint/2010/main" val="2378643271"/>
       </p:ext>
     </p:extLst>
   </p:cSld>
@@ -6183,7 +6439,7 @@
           <p:cNvPr id="5" name="Picture 4">
             <a:extLst>
               <a:ext uri="{FF2B5EF4-FFF2-40B4-BE49-F238E27FC236}">
-                <a16:creationId xmlns:a16="http://schemas.microsoft.com/office/drawing/2014/main" id="{C5B5E059-5994-DBF7-AC04-B767191E9B5D}"/>
+                <a16:creationId xmlns:a16="http://schemas.microsoft.com/office/drawing/2014/main" id="{C2FC6D6F-4E9C-868A-98B1-1DA0DDA1F996}"/>
               </a:ext>
             </a:extLst>
           </p:cNvPr>
@@ -6194,9 +6450,8 @@
         </p:nvPicPr>
         <p:blipFill>
           <a:blip r:embed="rId3"/>
-          <a:stretch>
-            <a:fillRect/>
-          </a:stretch>
+          <a:srcRect/>
+          <a:stretch/>
         </p:blipFill>
         <p:spPr>
           <a:xfrm>
@@ -6210,10 +6465,103 @@
       </p:pic>
       <p:sp>
         <p:nvSpPr>
-          <p:cNvPr id="10" name="TextBox 9">
-            <a:extLst>
-              <a:ext uri="{FF2B5EF4-FFF2-40B4-BE49-F238E27FC236}">
-                <a16:creationId xmlns:a16="http://schemas.microsoft.com/office/drawing/2014/main" id="{41D002C8-CC40-FE0D-6F22-238967E65159}"/>
+          <p:cNvPr id="6" name="Rectangle 5">
+            <a:extLst>
+              <a:ext uri="{FF2B5EF4-FFF2-40B4-BE49-F238E27FC236}">
+                <a16:creationId xmlns:a16="http://schemas.microsoft.com/office/drawing/2014/main" id="{3311EF23-F64A-C782-28EA-1A8D297A9F1D}"/>
+              </a:ext>
+            </a:extLst>
+          </p:cNvPr>
+          <p:cNvSpPr/>
+          <p:nvPr/>
+        </p:nvSpPr>
+        <p:spPr>
+          <a:xfrm>
+            <a:off x="124358" y="138988"/>
+            <a:ext cx="11923775" cy="1028198"/>
+          </a:xfrm>
+          <a:prstGeom prst="rect">
+            <a:avLst/>
+          </a:prstGeom>
+          <a:solidFill>
+            <a:srgbClr val="E2FE21"/>
+          </a:solidFill>
+          <a:ln>
+            <a:noFill/>
+          </a:ln>
+        </p:spPr>
+        <p:style>
+          <a:lnRef idx="2">
+            <a:schemeClr val="accent1">
+              <a:shade val="15000"/>
+            </a:schemeClr>
+          </a:lnRef>
+          <a:fillRef idx="1">
+            <a:schemeClr val="accent1"/>
+          </a:fillRef>
+          <a:effectRef idx="0">
+            <a:schemeClr val="accent1"/>
+          </a:effectRef>
+          <a:fontRef idx="minor">
+            <a:schemeClr val="lt1"/>
+          </a:fontRef>
+        </p:style>
+        <p:txBody>
+          <a:bodyPr rtlCol="0" anchor="ctr"/>
+          <a:lstStyle/>
+          <a:p>
+            <a:pPr marL="0" algn="ctr" defTabSz="914400" rtl="0" eaLnBrk="1" latinLnBrk="0" hangingPunct="1"/>
+            <a:endParaRPr lang="en-IL" dirty="0"/>
+          </a:p>
+        </p:txBody>
+      </p:sp>
+      <p:cxnSp>
+        <p:nvCxnSpPr>
+          <p:cNvPr id="9" name="Straight Connector 8">
+            <a:extLst>
+              <a:ext uri="{FF2B5EF4-FFF2-40B4-BE49-F238E27FC236}">
+                <a16:creationId xmlns:a16="http://schemas.microsoft.com/office/drawing/2014/main" id="{E480B6B1-9BD0-C14D-6C35-046B181B096E}"/>
+              </a:ext>
+            </a:extLst>
+          </p:cNvPr>
+          <p:cNvCxnSpPr/>
+          <p:nvPr/>
+        </p:nvCxnSpPr>
+        <p:spPr>
+          <a:xfrm>
+            <a:off x="124358" y="6217920"/>
+            <a:ext cx="11923775" cy="73152"/>
+          </a:xfrm>
+          <a:prstGeom prst="line">
+            <a:avLst/>
+          </a:prstGeom>
+          <a:ln>
+            <a:solidFill>
+              <a:schemeClr val="bg1"/>
+            </a:solidFill>
+          </a:ln>
+        </p:spPr>
+        <p:style>
+          <a:lnRef idx="1">
+            <a:schemeClr val="accent1"/>
+          </a:lnRef>
+          <a:fillRef idx="0">
+            <a:schemeClr val="accent1"/>
+          </a:fillRef>
+          <a:effectRef idx="0">
+            <a:schemeClr val="accent1"/>
+          </a:effectRef>
+          <a:fontRef idx="minor">
+            <a:schemeClr val="tx1"/>
+          </a:fontRef>
+        </p:style>
+      </p:cxnSp>
+      <p:sp>
+        <p:nvSpPr>
+          <p:cNvPr id="2" name="TextBox 1">
+            <a:extLst>
+              <a:ext uri="{FF2B5EF4-FFF2-40B4-BE49-F238E27FC236}">
+                <a16:creationId xmlns:a16="http://schemas.microsoft.com/office/drawing/2014/main" id="{3F1EB014-87E6-D8D7-1B7F-97DEF5C4AB55}"/>
               </a:ext>
             </a:extLst>
           </p:cNvPr>
@@ -6222,8 +6570,8 @@
         </p:nvSpPr>
         <p:spPr>
           <a:xfrm>
-            <a:off x="2965094" y="4337270"/>
-            <a:ext cx="6261812" cy="919482"/>
+            <a:off x="292971" y="403620"/>
+            <a:ext cx="7850011" cy="584775"/>
           </a:xfrm>
           <a:prstGeom prst="rect">
             <a:avLst/>
@@ -6236,24 +6584,21 @@
           </a:bodyPr>
           <a:lstStyle/>
           <a:p>
-            <a:pPr marL="0" algn="ctr" defTabSz="914400" rtl="0" eaLnBrk="1" latinLnBrk="0" hangingPunct="1">
-              <a:lnSpc>
-                <a:spcPts val="6000"/>
-              </a:lnSpc>
-            </a:pPr>
-            <a:r>
-              <a:rPr lang="en-US" sz="6500" b="1" dirty="0">
-                <a:solidFill>
-                  <a:schemeClr val="bg1"/>
-                </a:solidFill>
-                <a:latin typeface="Miriam Libre" pitchFamily="2" charset="-79"/>
-                <a:cs typeface="Miriam Libre" pitchFamily="2" charset="-79"/>
-              </a:rPr>
-              <a:t>Practice time</a:t>
-            </a:r>
-            <a:endParaRPr lang="he-IL" sz="6500" b="1" dirty="0">
+            <a:pPr algn="l"/>
+            <a:r>
+              <a:rPr lang="en-US" sz="3200" b="1" dirty="0">
+                <a:solidFill>
+                  <a:srgbClr val="24272C"/>
+                </a:solidFill>
+                <a:effectLst/>
+                <a:latin typeface="Miriam Libre" pitchFamily="2" charset="-79"/>
+                <a:cs typeface="Miriam Libre" pitchFamily="2" charset="-79"/>
+              </a:rPr>
+              <a:t>Steganography - example</a:t>
+            </a:r>
+            <a:endParaRPr lang="he-IL" sz="3200" b="1" dirty="0">
               <a:solidFill>
-                <a:schemeClr val="bg1"/>
+                <a:srgbClr val="24272C"/>
               </a:solidFill>
               <a:effectLst/>
               <a:latin typeface="Miriam Libre" pitchFamily="2" charset="-79"/>
@@ -6264,10 +6609,10 @@
       </p:sp>
       <p:pic>
         <p:nvPicPr>
-          <p:cNvPr id="20" name="Picture 19">
-            <a:extLst>
-              <a:ext uri="{FF2B5EF4-FFF2-40B4-BE49-F238E27FC236}">
-                <a16:creationId xmlns:a16="http://schemas.microsoft.com/office/drawing/2014/main" id="{8D4E373E-2B45-DD01-4EC1-69D14129ED2F}"/>
+          <p:cNvPr id="10" name="Picture 9">
+            <a:extLst>
+              <a:ext uri="{FF2B5EF4-FFF2-40B4-BE49-F238E27FC236}">
+                <a16:creationId xmlns:a16="http://schemas.microsoft.com/office/drawing/2014/main" id="{9F67AEC4-71D1-89EA-5D3E-E83882E2C956}"/>
               </a:ext>
             </a:extLst>
           </p:cNvPr>
@@ -6278,83 +6623,79 @@
         </p:nvPicPr>
         <p:blipFill>
           <a:blip r:embed="rId4"/>
-          <a:stretch>
-            <a:fillRect/>
-          </a:stretch>
+          <a:srcRect/>
+          <a:stretch/>
         </p:blipFill>
         <p:spPr>
           <a:xfrm>
-            <a:off x="-52426" y="6698054"/>
-            <a:ext cx="12296852" cy="166519"/>
+            <a:off x="9000489" y="6377732"/>
+            <a:ext cx="2717380" cy="221561"/>
           </a:xfrm>
           <a:prstGeom prst="rect">
             <a:avLst/>
           </a:prstGeom>
         </p:spPr>
       </p:pic>
-      <p:pic>
-        <p:nvPicPr>
-          <p:cNvPr id="2" name="Picture 1">
-            <a:extLst>
-              <a:ext uri="{FF2B5EF4-FFF2-40B4-BE49-F238E27FC236}">
-                <a16:creationId xmlns:a16="http://schemas.microsoft.com/office/drawing/2014/main" id="{74EDE1B2-AA06-4838-05EB-AC57A1D6F4EF}"/>
-              </a:ext>
-            </a:extLst>
-          </p:cNvPr>
-          <p:cNvPicPr>
-            <a:picLocks noChangeAspect="1"/>
-          </p:cNvPicPr>
+      <p:sp>
+        <p:nvSpPr>
+          <p:cNvPr id="12" name="TextBox 11">
+            <a:extLst>
+              <a:ext uri="{FF2B5EF4-FFF2-40B4-BE49-F238E27FC236}">
+                <a16:creationId xmlns:a16="http://schemas.microsoft.com/office/drawing/2014/main" id="{8B202E12-9199-4F4E-A4AD-A994ECFF6381}"/>
+              </a:ext>
+            </a:extLst>
+          </p:cNvPr>
+          <p:cNvSpPr txBox="1"/>
           <p:nvPr/>
-        </p:nvPicPr>
-        <p:blipFill>
-          <a:blip r:embed="rId5"/>
-          <a:srcRect/>
-          <a:stretch/>
-        </p:blipFill>
-        <p:spPr>
-          <a:xfrm>
-            <a:off x="819301" y="524291"/>
-            <a:ext cx="10585095" cy="520900"/>
+        </p:nvSpPr>
+        <p:spPr>
+          <a:xfrm>
+            <a:off x="363850" y="3044279"/>
+            <a:ext cx="11444790" cy="769441"/>
           </a:xfrm>
           <a:prstGeom prst="rect">
             <a:avLst/>
           </a:prstGeom>
-        </p:spPr>
-      </p:pic>
-      <p:pic>
-        <p:nvPicPr>
-          <p:cNvPr id="4" name="Picture 3">
-            <a:extLst>
-              <a:ext uri="{FF2B5EF4-FFF2-40B4-BE49-F238E27FC236}">
-                <a16:creationId xmlns:a16="http://schemas.microsoft.com/office/drawing/2014/main" id="{C9E494CD-45EB-20D5-25E7-31FAD1644ECD}"/>
-              </a:ext>
-            </a:extLst>
-          </p:cNvPr>
-          <p:cNvPicPr>
-            <a:picLocks noChangeAspect="1"/>
-          </p:cNvPicPr>
-          <p:nvPr/>
-        </p:nvPicPr>
-        <p:blipFill>
-          <a:blip r:embed="rId6"/>
-          <a:stretch>
-            <a:fillRect/>
-          </a:stretch>
-        </p:blipFill>
-        <p:spPr>
-          <a:xfrm>
-            <a:off x="5429250" y="2171772"/>
-            <a:ext cx="1333500" cy="1803400"/>
-          </a:xfrm>
-          <a:prstGeom prst="rect">
-            <a:avLst/>
-          </a:prstGeom>
-        </p:spPr>
-      </p:pic>
+          <a:noFill/>
+        </p:spPr>
+        <p:txBody>
+          <a:bodyPr wrap="square">
+            <a:spAutoFit/>
+          </a:bodyPr>
+          <a:lstStyle/>
+          <a:p>
+            <a:pPr marL="457200" indent="-457200" algn="ctr">
+              <a:lnSpc>
+                <a:spcPct val="150000"/>
+              </a:lnSpc>
+              <a:buFont typeface="Arial" panose="020B0604020202020204" pitchFamily="34" charset="0"/>
+              <a:buChar char="•"/>
+            </a:pPr>
+            <a:r>
+              <a:rPr lang="en-US" sz="3200" dirty="0">
+                <a:solidFill>
+                  <a:schemeClr val="bg1"/>
+                </a:solidFill>
+                <a:latin typeface="Miriam Libre" pitchFamily="2" charset="-79"/>
+                <a:cs typeface="Miriam Libre" pitchFamily="2" charset="-79"/>
+                <a:hlinkClick r:id="rId5"/>
+              </a:rPr>
+              <a:t>https://ctflearn.com/challenge/894</a:t>
+            </a:r>
+            <a:endParaRPr lang="en-US" sz="3200" dirty="0">
+              <a:solidFill>
+                <a:schemeClr val="bg1"/>
+              </a:solidFill>
+              <a:latin typeface="Miriam Libre" pitchFamily="2" charset="-79"/>
+              <a:cs typeface="Miriam Libre" pitchFamily="2" charset="-79"/>
+            </a:endParaRPr>
+          </a:p>
+        </p:txBody>
+      </p:sp>
     </p:spTree>
     <p:extLst>
       <p:ext uri="{BB962C8B-B14F-4D97-AF65-F5344CB8AC3E}">
-        <p14:creationId xmlns:p14="http://schemas.microsoft.com/office/powerpoint/2010/main" val="1060426137"/>
+        <p14:creationId xmlns:p14="http://schemas.microsoft.com/office/powerpoint/2010/main" val="357701873"/>
       </p:ext>
     </p:extLst>
   </p:cSld>
@@ -6425,8 +6766,211 @@
         </p:nvSpPr>
         <p:spPr>
           <a:xfrm>
-            <a:off x="99667" y="875186"/>
-            <a:ext cx="12024361" cy="5878532"/>
+            <a:off x="2965094" y="4337270"/>
+            <a:ext cx="6261812" cy="919482"/>
+          </a:xfrm>
+          <a:prstGeom prst="rect">
+            <a:avLst/>
+          </a:prstGeom>
+          <a:noFill/>
+        </p:spPr>
+        <p:txBody>
+          <a:bodyPr wrap="square" rtlCol="0">
+            <a:spAutoFit/>
+          </a:bodyPr>
+          <a:lstStyle/>
+          <a:p>
+            <a:pPr marL="0" algn="ctr" defTabSz="914400" rtl="0" eaLnBrk="1" latinLnBrk="0" hangingPunct="1">
+              <a:lnSpc>
+                <a:spcPts val="6000"/>
+              </a:lnSpc>
+            </a:pPr>
+            <a:r>
+              <a:rPr lang="en-US" sz="6500" b="1" dirty="0">
+                <a:solidFill>
+                  <a:schemeClr val="bg1"/>
+                </a:solidFill>
+                <a:latin typeface="Miriam Libre" pitchFamily="2" charset="-79"/>
+                <a:cs typeface="Miriam Libre" pitchFamily="2" charset="-79"/>
+              </a:rPr>
+              <a:t>Practice time</a:t>
+            </a:r>
+            <a:endParaRPr lang="he-IL" sz="6500" b="1" dirty="0">
+              <a:solidFill>
+                <a:schemeClr val="bg1"/>
+              </a:solidFill>
+              <a:effectLst/>
+              <a:latin typeface="Miriam Libre" pitchFamily="2" charset="-79"/>
+              <a:cs typeface="Miriam Libre" pitchFamily="2" charset="-79"/>
+            </a:endParaRPr>
+          </a:p>
+        </p:txBody>
+      </p:sp>
+      <p:pic>
+        <p:nvPicPr>
+          <p:cNvPr id="20" name="Picture 19">
+            <a:extLst>
+              <a:ext uri="{FF2B5EF4-FFF2-40B4-BE49-F238E27FC236}">
+                <a16:creationId xmlns:a16="http://schemas.microsoft.com/office/drawing/2014/main" id="{8D4E373E-2B45-DD01-4EC1-69D14129ED2F}"/>
+              </a:ext>
+            </a:extLst>
+          </p:cNvPr>
+          <p:cNvPicPr>
+            <a:picLocks noChangeAspect="1"/>
+          </p:cNvPicPr>
+          <p:nvPr/>
+        </p:nvPicPr>
+        <p:blipFill>
+          <a:blip r:embed="rId4"/>
+          <a:stretch>
+            <a:fillRect/>
+          </a:stretch>
+        </p:blipFill>
+        <p:spPr>
+          <a:xfrm>
+            <a:off x="-52426" y="6698054"/>
+            <a:ext cx="12296852" cy="166519"/>
+          </a:xfrm>
+          <a:prstGeom prst="rect">
+            <a:avLst/>
+          </a:prstGeom>
+        </p:spPr>
+      </p:pic>
+      <p:pic>
+        <p:nvPicPr>
+          <p:cNvPr id="2" name="Picture 1">
+            <a:extLst>
+              <a:ext uri="{FF2B5EF4-FFF2-40B4-BE49-F238E27FC236}">
+                <a16:creationId xmlns:a16="http://schemas.microsoft.com/office/drawing/2014/main" id="{74EDE1B2-AA06-4838-05EB-AC57A1D6F4EF}"/>
+              </a:ext>
+            </a:extLst>
+          </p:cNvPr>
+          <p:cNvPicPr>
+            <a:picLocks noChangeAspect="1"/>
+          </p:cNvPicPr>
+          <p:nvPr/>
+        </p:nvPicPr>
+        <p:blipFill>
+          <a:blip r:embed="rId5"/>
+          <a:srcRect/>
+          <a:stretch/>
+        </p:blipFill>
+        <p:spPr>
+          <a:xfrm>
+            <a:off x="819301" y="524291"/>
+            <a:ext cx="10585095" cy="520900"/>
+          </a:xfrm>
+          <a:prstGeom prst="rect">
+            <a:avLst/>
+          </a:prstGeom>
+        </p:spPr>
+      </p:pic>
+      <p:pic>
+        <p:nvPicPr>
+          <p:cNvPr id="4" name="Picture 3">
+            <a:extLst>
+              <a:ext uri="{FF2B5EF4-FFF2-40B4-BE49-F238E27FC236}">
+                <a16:creationId xmlns:a16="http://schemas.microsoft.com/office/drawing/2014/main" id="{C9E494CD-45EB-20D5-25E7-31FAD1644ECD}"/>
+              </a:ext>
+            </a:extLst>
+          </p:cNvPr>
+          <p:cNvPicPr>
+            <a:picLocks noChangeAspect="1"/>
+          </p:cNvPicPr>
+          <p:nvPr/>
+        </p:nvPicPr>
+        <p:blipFill>
+          <a:blip r:embed="rId6"/>
+          <a:stretch>
+            <a:fillRect/>
+          </a:stretch>
+        </p:blipFill>
+        <p:spPr>
+          <a:xfrm>
+            <a:off x="5429250" y="2171772"/>
+            <a:ext cx="1333500" cy="1803400"/>
+          </a:xfrm>
+          <a:prstGeom prst="rect">
+            <a:avLst/>
+          </a:prstGeom>
+        </p:spPr>
+      </p:pic>
+    </p:spTree>
+    <p:extLst>
+      <p:ext uri="{BB962C8B-B14F-4D97-AF65-F5344CB8AC3E}">
+        <p14:creationId xmlns:p14="http://schemas.microsoft.com/office/powerpoint/2010/main" val="1060426137"/>
+      </p:ext>
+    </p:extLst>
+  </p:cSld>
+  <p:clrMapOvr>
+    <a:masterClrMapping/>
+  </p:clrMapOvr>
+</p:sld>
+</file>
+
+<file path=ppt/slides/slide15.xml><?xml version="1.0" encoding="utf-8"?>
+<p:sld xmlns:a="http://schemas.openxmlformats.org/drawingml/2006/main" xmlns:r="http://schemas.openxmlformats.org/officeDocument/2006/relationships" xmlns:p="http://schemas.openxmlformats.org/presentationml/2006/main">
+  <p:cSld>
+    <p:spTree>
+      <p:nvGrpSpPr>
+        <p:cNvPr id="1" name=""/>
+        <p:cNvGrpSpPr/>
+        <p:nvPr/>
+      </p:nvGrpSpPr>
+      <p:grpSpPr>
+        <a:xfrm>
+          <a:off x="0" y="0"/>
+          <a:ext cx="0" cy="0"/>
+          <a:chOff x="0" y="0"/>
+          <a:chExt cx="0" cy="0"/>
+        </a:xfrm>
+      </p:grpSpPr>
+      <p:pic>
+        <p:nvPicPr>
+          <p:cNvPr id="5" name="Picture 4">
+            <a:extLst>
+              <a:ext uri="{FF2B5EF4-FFF2-40B4-BE49-F238E27FC236}">
+                <a16:creationId xmlns:a16="http://schemas.microsoft.com/office/drawing/2014/main" id="{C5B5E059-5994-DBF7-AC04-B767191E9B5D}"/>
+              </a:ext>
+            </a:extLst>
+          </p:cNvPr>
+          <p:cNvPicPr>
+            <a:picLocks noChangeAspect="1"/>
+          </p:cNvPicPr>
+          <p:nvPr/>
+        </p:nvPicPr>
+        <p:blipFill>
+          <a:blip r:embed="rId3"/>
+          <a:stretch>
+            <a:fillRect/>
+          </a:stretch>
+        </p:blipFill>
+        <p:spPr>
+          <a:xfrm>
+            <a:off x="0" y="0"/>
+            <a:ext cx="12192000" cy="6858000"/>
+          </a:xfrm>
+          <a:prstGeom prst="rect">
+            <a:avLst/>
+          </a:prstGeom>
+        </p:spPr>
+      </p:pic>
+      <p:sp>
+        <p:nvSpPr>
+          <p:cNvPr id="10" name="TextBox 9">
+            <a:extLst>
+              <a:ext uri="{FF2B5EF4-FFF2-40B4-BE49-F238E27FC236}">
+                <a16:creationId xmlns:a16="http://schemas.microsoft.com/office/drawing/2014/main" id="{41D002C8-CC40-FE0D-6F22-238967E65159}"/>
+              </a:ext>
+            </a:extLst>
+          </p:cNvPr>
+          <p:cNvSpPr txBox="1"/>
+          <p:nvPr/>
+        </p:nvSpPr>
+        <p:spPr>
+          <a:xfrm>
+            <a:off x="193852" y="1074703"/>
+            <a:ext cx="12024361" cy="5593839"/>
           </a:xfrm>
           <a:prstGeom prst="rect">
             <a:avLst/>
@@ -6445,14 +6989,14 @@
               </a:lnSpc>
             </a:pPr>
             <a:r>
-              <a:rPr lang="en-US" sz="2200" b="1" dirty="0">
+              <a:rPr lang="en-US" sz="2000" b="1" dirty="0">
                 <a:solidFill>
                   <a:schemeClr val="bg1"/>
                 </a:solidFill>
                 <a:latin typeface="Miriam Libre" pitchFamily="2" charset="-79"/>
                 <a:cs typeface="Miriam Libre" pitchFamily="2" charset="-79"/>
               </a:rPr>
-              <a:t>Class challenges (sorted by most recommended):</a:t>
+              <a:t>Class practice:</a:t>
             </a:r>
           </a:p>
           <a:p>
@@ -6462,7 +7006,7 @@
               </a:lnSpc>
             </a:pPr>
             <a:r>
-              <a:rPr lang="en-US" sz="1600" b="1" dirty="0">
+              <a:rPr lang="en-US" sz="2000" b="1" dirty="0">
                 <a:solidFill>
                   <a:schemeClr val="bg1"/>
                 </a:solidFill>
@@ -6473,7 +7017,7 @@
               <a:t>https://play.picoctf.org/classrooms/8492</a:t>
             </a:r>
             <a:r>
-              <a:rPr lang="en-US" sz="1600" b="1" dirty="0">
+              <a:rPr lang="en-US" sz="2000" b="1" dirty="0">
                 <a:solidFill>
                   <a:schemeClr val="bg1"/>
                 </a:solidFill>
@@ -6483,7 +7027,7 @@
               <a:t> - Our </a:t>
             </a:r>
             <a:r>
-              <a:rPr lang="en-US" sz="1600" b="1" dirty="0" err="1">
+              <a:rPr lang="en-US" sz="2000" b="1" dirty="0" err="1">
                 <a:solidFill>
                   <a:schemeClr val="bg1"/>
                 </a:solidFill>
@@ -6493,7 +7037,7 @@
               <a:t>picoCTF</a:t>
             </a:r>
             <a:r>
-              <a:rPr lang="en-US" sz="1600" b="1" dirty="0">
+              <a:rPr lang="en-US" sz="2000" b="1" dirty="0">
                 <a:solidFill>
                   <a:schemeClr val="bg1"/>
                 </a:solidFill>
@@ -6510,7 +7054,7 @@
               </a:lnSpc>
             </a:pPr>
             <a:r>
-              <a:rPr lang="en-US" sz="1600" b="1" dirty="0">
+              <a:rPr lang="en-US" sz="2000" b="1" dirty="0">
                 <a:solidFill>
                   <a:schemeClr val="bg1"/>
                 </a:solidFill>
@@ -6518,37 +7062,17 @@
                 <a:cs typeface="Miriam Libre" pitchFamily="2" charset="-79"/>
                 <a:hlinkClick r:id="rId5"/>
               </a:rPr>
-              <a:t>https://cyberdefenders.org/blueteam-ctf-challenges</a:t>
-            </a:r>
-            <a:r>
-              <a:rPr lang="en-US" sz="1600" b="1" dirty="0">
+              <a:t>https://ctflearn.com/challenge/1/browse</a:t>
+            </a:r>
+            <a:r>
+              <a:rPr lang="en-US" sz="2000" b="1" dirty="0">
                 <a:solidFill>
                   <a:schemeClr val="bg1"/>
                 </a:solidFill>
                 <a:latin typeface="Miriam Libre" pitchFamily="2" charset="-79"/>
                 <a:cs typeface="Miriam Libre" pitchFamily="2" charset="-79"/>
               </a:rPr>
-              <a:t> - a lot of forensics labs. I suggest starting with </a:t>
-            </a:r>
-            <a:r>
-              <a:rPr lang="en-US" sz="1600" b="1" dirty="0" err="1">
-                <a:solidFill>
-                  <a:schemeClr val="bg1"/>
-                </a:solidFill>
-                <a:latin typeface="Miriam Libre" pitchFamily="2" charset="-79"/>
-                <a:cs typeface="Miriam Libre" pitchFamily="2" charset="-79"/>
-              </a:rPr>
-              <a:t>DumpMe</a:t>
-            </a:r>
-            <a:r>
-              <a:rPr lang="en-US" sz="1600" b="1" dirty="0">
-                <a:solidFill>
-                  <a:schemeClr val="bg1"/>
-                </a:solidFill>
-                <a:latin typeface="Miriam Libre" pitchFamily="2" charset="-79"/>
-                <a:cs typeface="Miriam Libre" pitchFamily="2" charset="-79"/>
-              </a:rPr>
-              <a:t>, it’s about memory forensics.</a:t>
+              <a:t> - Challenges with rating &gt; 4.5.</a:t>
             </a:r>
           </a:p>
           <a:p>
@@ -6558,7 +7082,7 @@
               </a:lnSpc>
             </a:pPr>
             <a:r>
-              <a:rPr lang="en-US" sz="1600" b="1" dirty="0">
+              <a:rPr lang="en-US" sz="2000" b="1" dirty="0">
                 <a:solidFill>
                   <a:schemeClr val="bg1"/>
                 </a:solidFill>
@@ -6566,9 +7090,26 @@
                 <a:cs typeface="Miriam Libre" pitchFamily="2" charset="-79"/>
                 <a:hlinkClick r:id="rId6"/>
               </a:rPr>
-              <a:t>app.hackthebox.com</a:t>
-            </a:r>
-            <a:endParaRPr lang="en-US" sz="1600" b="1" dirty="0">
+              <a:t>https://cyberdefenders.org/blueteam-ctf-challenges/</a:t>
+            </a:r>
+            <a:r>
+              <a:rPr lang="en-US" sz="2000" b="1" dirty="0">
+                <a:solidFill>
+                  <a:schemeClr val="bg1"/>
+                </a:solidFill>
+                <a:latin typeface="Miriam Libre" pitchFamily="2" charset="-79"/>
+                <a:cs typeface="Miriam Libre" pitchFamily="2" charset="-79"/>
+              </a:rPr>
+              <a:t> - “Endpoint forensics” for labs about Memory forensics like we learned.</a:t>
+            </a:r>
+          </a:p>
+          <a:p>
+            <a:pPr>
+              <a:lnSpc>
+                <a:spcPct val="150000"/>
+              </a:lnSpc>
+            </a:pPr>
+            <a:endParaRPr lang="en-US" sz="2000" b="1" dirty="0">
               <a:solidFill>
                 <a:schemeClr val="bg1"/>
               </a:solidFill>
@@ -6583,85 +7124,14 @@
               </a:lnSpc>
             </a:pPr>
             <a:r>
-              <a:rPr lang="en-US" sz="1600" b="1" dirty="0">
+              <a:rPr lang="en-US" sz="2000" b="1" dirty="0">
                 <a:solidFill>
                   <a:schemeClr val="bg1"/>
                 </a:solidFill>
                 <a:latin typeface="Miriam Libre" pitchFamily="2" charset="-79"/>
                 <a:cs typeface="Miriam Libre" pitchFamily="2" charset="-79"/>
-                <a:hlinkClick r:id="rId7"/>
-              </a:rPr>
-              <a:t>https://ctf.hackthebox.com/event/1434</a:t>
-            </a:r>
-            <a:r>
-              <a:rPr lang="en-US" sz="1600" b="1" dirty="0">
-                <a:solidFill>
-                  <a:schemeClr val="bg1"/>
-                </a:solidFill>
-                <a:latin typeface="Miriam Libre" pitchFamily="2" charset="-79"/>
-                <a:cs typeface="Miriam Libre" pitchFamily="2" charset="-79"/>
-              </a:rPr>
-              <a:t> - </a:t>
-            </a:r>
-            <a:r>
-              <a:rPr lang="en-US" sz="1600" b="1" dirty="0" err="1">
-                <a:solidFill>
-                  <a:schemeClr val="bg1"/>
-                </a:solidFill>
-                <a:latin typeface="Miriam Libre" pitchFamily="2" charset="-79"/>
-                <a:cs typeface="Miriam Libre" pitchFamily="2" charset="-79"/>
-              </a:rPr>
-              <a:t>apparentally</a:t>
-            </a:r>
-            <a:r>
-              <a:rPr lang="en-US" sz="1600" b="1" dirty="0">
-                <a:solidFill>
-                  <a:schemeClr val="bg1"/>
-                </a:solidFill>
-                <a:latin typeface="Miriam Libre" pitchFamily="2" charset="-79"/>
-                <a:cs typeface="Miriam Libre" pitchFamily="2" charset="-79"/>
-              </a:rPr>
-              <a:t> </a:t>
-            </a:r>
-            <a:r>
-              <a:rPr lang="en-US" sz="1600" b="1" dirty="0" err="1">
-                <a:solidFill>
-                  <a:schemeClr val="bg1"/>
-                </a:solidFill>
-                <a:latin typeface="Miriam Libre" pitchFamily="2" charset="-79"/>
-                <a:cs typeface="Miriam Libre" pitchFamily="2" charset="-79"/>
-              </a:rPr>
-              <a:t>hackthebox</a:t>
-            </a:r>
-            <a:r>
-              <a:rPr lang="en-US" sz="1600" b="1" dirty="0">
-                <a:solidFill>
-                  <a:schemeClr val="bg1"/>
-                </a:solidFill>
-                <a:latin typeface="Miriam Libre" pitchFamily="2" charset="-79"/>
-                <a:cs typeface="Miriam Libre" pitchFamily="2" charset="-79"/>
-              </a:rPr>
-              <a:t> offers an all year round </a:t>
-            </a:r>
-            <a:r>
-              <a:rPr lang="en-US" sz="1600" b="1" dirty="0" err="1">
-                <a:solidFill>
-                  <a:schemeClr val="bg1"/>
-                </a:solidFill>
-                <a:latin typeface="Miriam Libre" pitchFamily="2" charset="-79"/>
-                <a:cs typeface="Miriam Libre" pitchFamily="2" charset="-79"/>
-              </a:rPr>
-              <a:t>ctf</a:t>
-            </a:r>
-            <a:r>
-              <a:rPr lang="en-US" sz="1600" b="1" dirty="0">
-                <a:solidFill>
-                  <a:schemeClr val="bg1"/>
-                </a:solidFill>
-                <a:latin typeface="Miriam Libre" pitchFamily="2" charset="-79"/>
-                <a:cs typeface="Miriam Libre" pitchFamily="2" charset="-79"/>
-              </a:rPr>
-              <a:t> try-out contests, where it offers VIP challenges (normally inaccessible).</a:t>
+              </a:rPr>
+              <a:t>Some resources:</a:t>
             </a:r>
           </a:p>
           <a:p>
@@ -6671,25 +7141,25 @@
               </a:lnSpc>
             </a:pPr>
             <a:r>
-              <a:rPr lang="en-US" sz="1600" b="1" dirty="0">
+              <a:rPr lang="en-US" sz="2000" b="1" dirty="0">
                 <a:solidFill>
                   <a:schemeClr val="bg1"/>
                 </a:solidFill>
                 <a:latin typeface="Miriam Libre" pitchFamily="2" charset="-79"/>
                 <a:cs typeface="Miriam Libre" pitchFamily="2" charset="-79"/>
-                <a:hlinkClick r:id="rId8"/>
-              </a:rPr>
-              <a:t>ctflearn.com</a:t>
-            </a:r>
-            <a:r>
-              <a:rPr lang="en-US" sz="1600" b="1" dirty="0">
+                <a:hlinkClick r:id="rId7"/>
+              </a:rPr>
+              <a:t>https://cugu.github.io/awesome-forensics/</a:t>
+            </a:r>
+            <a:r>
+              <a:rPr lang="en-US" sz="2000" b="1" dirty="0">
                 <a:solidFill>
                   <a:schemeClr val="bg1"/>
                 </a:solidFill>
                 <a:latin typeface="Miriam Libre" pitchFamily="2" charset="-79"/>
                 <a:cs typeface="Miriam Libre" pitchFamily="2" charset="-79"/>
               </a:rPr>
-              <a:t> – A lot of forensics challenges. Pick the ones with good rating.</a:t>
+              <a:t> - basically all the info you’ll ever need about forensics.</a:t>
             </a:r>
           </a:p>
           <a:p>
@@ -6699,17 +7169,17 @@
               </a:lnSpc>
             </a:pPr>
             <a:r>
-              <a:rPr lang="en-US" sz="1600" b="1" dirty="0">
+              <a:rPr lang="en-US" sz="2000" b="1" dirty="0">
                 <a:solidFill>
                   <a:schemeClr val="bg1"/>
                 </a:solidFill>
                 <a:latin typeface="Miriam Libre" pitchFamily="2" charset="-79"/>
                 <a:cs typeface="Miriam Libre" pitchFamily="2" charset="-79"/>
-                <a:hlinkClick r:id="rId9"/>
-              </a:rPr>
-              <a:t>https://ctf.first.org/challenges</a:t>
-            </a:r>
-            <a:endParaRPr lang="en-US" sz="1600" b="1" dirty="0">
+                <a:hlinkClick r:id="rId8"/>
+              </a:rPr>
+              <a:t>https://github.com/uppusaikiran/awesome-ctf-cheatsheet</a:t>
+            </a:r>
+            <a:endParaRPr lang="en-US" sz="2000" b="1" dirty="0">
               <a:solidFill>
                 <a:schemeClr val="bg1"/>
               </a:solidFill>
@@ -6724,90 +7194,17 @@
               </a:lnSpc>
             </a:pPr>
             <a:r>
-              <a:rPr lang="en-US" sz="1600" b="1" dirty="0">
+              <a:rPr lang="en-US" sz="2000" b="1" dirty="0">
                 <a:solidFill>
                   <a:schemeClr val="bg1"/>
                 </a:solidFill>
                 <a:latin typeface="Miriam Libre" pitchFamily="2" charset="-79"/>
                 <a:cs typeface="Miriam Libre" pitchFamily="2" charset="-79"/>
-                <a:hlinkClick r:id="rId10"/>
-              </a:rPr>
-              <a:t>https://www.root-me.org/fr/Challenges/Forensic/</a:t>
-            </a:r>
-            <a:r>
-              <a:rPr lang="en-US" sz="1600" b="1" dirty="0">
-                <a:solidFill>
-                  <a:schemeClr val="bg1"/>
-                </a:solidFill>
-                <a:latin typeface="Miriam Libre" pitchFamily="2" charset="-79"/>
-                <a:cs typeface="Miriam Libre" pitchFamily="2" charset="-79"/>
-              </a:rPr>
-              <a:t> (Hard)</a:t>
-            </a:r>
-          </a:p>
-          <a:p>
-            <a:pPr>
-              <a:lnSpc>
-                <a:spcPct val="150000"/>
-              </a:lnSpc>
-            </a:pPr>
-            <a:r>
-              <a:rPr lang="en-US" sz="2200" b="1" dirty="0">
-                <a:solidFill>
-                  <a:schemeClr val="bg1"/>
-                </a:solidFill>
-                <a:latin typeface="Miriam Libre" pitchFamily="2" charset="-79"/>
-                <a:cs typeface="Miriam Libre" pitchFamily="2" charset="-79"/>
-              </a:rPr>
-              <a:t>Other resources:</a:t>
-            </a:r>
-          </a:p>
-          <a:p>
-            <a:pPr>
-              <a:lnSpc>
-                <a:spcPct val="150000"/>
-              </a:lnSpc>
-            </a:pPr>
-            <a:r>
-              <a:rPr lang="en-US" sz="1600" b="1" dirty="0">
-                <a:solidFill>
-                  <a:schemeClr val="bg1"/>
-                </a:solidFill>
-                <a:latin typeface="Miriam Libre" pitchFamily="2" charset="-79"/>
-                <a:cs typeface="Miriam Libre" pitchFamily="2" charset="-79"/>
-                <a:hlinkClick r:id="rId11"/>
-              </a:rPr>
-              <a:t>https://cugu.github.io/awesome-forensics/</a:t>
-            </a:r>
-            <a:r>
-              <a:rPr lang="en-US" sz="1600" b="1" dirty="0">
-                <a:solidFill>
-                  <a:schemeClr val="bg1"/>
-                </a:solidFill>
-                <a:latin typeface="Miriam Libre" pitchFamily="2" charset="-79"/>
-                <a:cs typeface="Miriam Libre" pitchFamily="2" charset="-79"/>
-              </a:rPr>
-              <a:t> - basically all the info you’ll ever need about forensics.</a:t>
-            </a:r>
-          </a:p>
-          <a:p>
-            <a:pPr>
-              <a:lnSpc>
-                <a:spcPct val="150000"/>
-              </a:lnSpc>
-            </a:pPr>
-            <a:r>
-              <a:rPr lang="en-US" sz="1600" b="1" dirty="0">
-                <a:solidFill>
-                  <a:schemeClr val="bg1"/>
-                </a:solidFill>
-                <a:latin typeface="Miriam Libre" pitchFamily="2" charset="-79"/>
-                <a:cs typeface="Miriam Libre" pitchFamily="2" charset="-79"/>
-                <a:hlinkClick r:id="rId12"/>
-              </a:rPr>
-              <a:t>https://github.com/uppusaikiran/awesome-ctf-cheatsheet</a:t>
-            </a:r>
-            <a:endParaRPr lang="en-US" sz="1600" b="1" dirty="0">
+                <a:hlinkClick r:id="rId9"/>
+              </a:rPr>
+              <a:t>https://forensics.wiki/</a:t>
+            </a:r>
+            <a:endParaRPr lang="en-US" sz="2000" b="1" dirty="0">
               <a:solidFill>
                 <a:schemeClr val="bg1"/>
               </a:solidFill>
@@ -6815,48 +7212,6 @@
               <a:cs typeface="Miriam Libre" pitchFamily="2" charset="-79"/>
             </a:endParaRPr>
           </a:p>
-          <a:p>
-            <a:pPr>
-              <a:lnSpc>
-                <a:spcPct val="150000"/>
-              </a:lnSpc>
-            </a:pPr>
-            <a:r>
-              <a:rPr lang="en-US" sz="1600" b="1" dirty="0">
-                <a:solidFill>
-                  <a:schemeClr val="bg1"/>
-                </a:solidFill>
-                <a:latin typeface="Miriam Libre" pitchFamily="2" charset="-79"/>
-                <a:cs typeface="Miriam Libre" pitchFamily="2" charset="-79"/>
-                <a:hlinkClick r:id="rId13"/>
-              </a:rPr>
-              <a:t>https://forensics.wiki/</a:t>
-            </a:r>
-            <a:endParaRPr lang="en-US" sz="1600" b="1" dirty="0">
-              <a:solidFill>
-                <a:schemeClr val="bg1"/>
-              </a:solidFill>
-              <a:latin typeface="Miriam Libre" pitchFamily="2" charset="-79"/>
-              <a:cs typeface="Miriam Libre" pitchFamily="2" charset="-79"/>
-            </a:endParaRPr>
-          </a:p>
-          <a:p>
-            <a:pPr>
-              <a:lnSpc>
-                <a:spcPct val="150000"/>
-              </a:lnSpc>
-            </a:pPr>
-            <a:r>
-              <a:rPr lang="en-US" sz="1600" b="1" dirty="0">
-                <a:solidFill>
-                  <a:schemeClr val="bg1"/>
-                </a:solidFill>
-                <a:latin typeface="Miriam Libre" pitchFamily="2" charset="-79"/>
-                <a:cs typeface="Miriam Libre" pitchFamily="2" charset="-79"/>
-              </a:rPr>
-              <a:t>More resources in the challenge type-specific slides</a:t>
-            </a:r>
-          </a:p>
         </p:txBody>
       </p:sp>
       <p:pic>
@@ -6874,7 +7229,7 @@
           <p:nvPr/>
         </p:nvPicPr>
         <p:blipFill>
-          <a:blip r:embed="rId14"/>
+          <a:blip r:embed="rId10"/>
           <a:stretch>
             <a:fillRect/>
           </a:stretch>
@@ -6904,7 +7259,7 @@
           <p:nvPr/>
         </p:nvPicPr>
         <p:blipFill>
-          <a:blip r:embed="rId15"/>
+          <a:blip r:embed="rId11"/>
           <a:srcRect/>
           <a:stretch/>
         </p:blipFill>
@@ -7136,8 +7491,8 @@
         </p:nvSpPr>
         <p:spPr>
           <a:xfrm>
-            <a:off x="292971" y="1580082"/>
-            <a:ext cx="11755162" cy="4769254"/>
+            <a:off x="292971" y="1441094"/>
+            <a:ext cx="11755162" cy="4832092"/>
           </a:xfrm>
           <a:prstGeom prst="rect">
             <a:avLst/>
@@ -7151,14 +7506,11 @@
           <a:lstStyle/>
           <a:p>
             <a:pPr marL="285750" indent="-285750">
-              <a:lnSpc>
-                <a:spcPts val="2560"/>
-              </a:lnSpc>
               <a:buFont typeface="Arial" panose="020B0604020202020204" pitchFamily="34" charset="0"/>
               <a:buChar char="•"/>
             </a:pPr>
             <a:r>
-              <a:rPr lang="en-US" sz="2400" dirty="0">
+              <a:rPr lang="en-US" sz="2200" dirty="0">
                 <a:solidFill>
                   <a:srgbClr val="24272B"/>
                 </a:solidFill>
@@ -7166,16 +7518,25 @@
                 <a:latin typeface="Miriam Libre" pitchFamily="2" charset="-79"/>
                 <a:cs typeface="Miriam Libre" pitchFamily="2" charset="-79"/>
               </a:rPr>
-              <a:t>Forensics is the process of uncovering the digital traces left on a computer.</a:t>
-            </a:r>
-          </a:p>
-          <a:p>
-            <a:pPr>
-              <a:lnSpc>
-                <a:spcPts val="2560"/>
-              </a:lnSpc>
+              <a:t>Forensics is the process of uncovering the digital traces left on a computer. </a:t>
+            </a:r>
+            <a:r>
+              <a:rPr lang="en-US" sz="2200" dirty="0">
+                <a:solidFill>
+                  <a:srgbClr val="24272B"/>
+                </a:solidFill>
+                <a:latin typeface="Miriam Libre" pitchFamily="2" charset="-79"/>
+                <a:cs typeface="Miriam Libre" pitchFamily="2" charset="-79"/>
+              </a:rPr>
+              <a:t>It involves finding hidden information in various types of files, from simple logs to entire disk images.</a:t>
+            </a:r>
+          </a:p>
+          <a:p>
+            <a:pPr marL="285750" indent="-285750">
+              <a:buFont typeface="Arial" panose="020B0604020202020204" pitchFamily="34" charset="0"/>
+              <a:buChar char="•"/>
             </a:pPr>
-            <a:endParaRPr lang="en-US" sz="2400" dirty="0">
+            <a:endParaRPr lang="en-US" sz="2200" dirty="0">
               <a:solidFill>
                 <a:srgbClr val="24272B"/>
               </a:solidFill>
@@ -7185,32 +7546,138 @@
           </a:p>
           <a:p>
             <a:pPr marL="285750" indent="-285750">
-              <a:lnSpc>
-                <a:spcPts val="2560"/>
-              </a:lnSpc>
               <a:buFont typeface="Arial" panose="020B0604020202020204" pitchFamily="34" charset="0"/>
               <a:buChar char="•"/>
             </a:pPr>
             <a:r>
-              <a:rPr lang="en-US" sz="2400" dirty="0">
+              <a:rPr lang="en-US" sz="2200" dirty="0">
                 <a:solidFill>
                   <a:srgbClr val="24272B"/>
                 </a:solidFill>
                 <a:latin typeface="Miriam Libre" pitchFamily="2" charset="-79"/>
                 <a:cs typeface="Miriam Libre" pitchFamily="2" charset="-79"/>
               </a:rPr>
-              <a:t>It involves finding hidden information in various types of files, from simple logs to entire disk images.</a:t>
-            </a:r>
-          </a:p>
-          <a:p>
-            <a:pPr marL="285750" indent="-285750">
-              <a:lnSpc>
-                <a:spcPts val="2560"/>
-              </a:lnSpc>
+              <a:t>In CTFs, forensics usually means:</a:t>
+            </a:r>
+          </a:p>
+          <a:p>
+            <a:pPr marL="742950" lvl="1" indent="-285750">
               <a:buFont typeface="Arial" panose="020B0604020202020204" pitchFamily="34" charset="0"/>
               <a:buChar char="•"/>
             </a:pPr>
-            <a:endParaRPr lang="en-US" sz="2400" dirty="0">
+            <a:r>
+              <a:rPr lang="en-US" sz="2200" dirty="0">
+                <a:solidFill>
+                  <a:srgbClr val="24272B"/>
+                </a:solidFill>
+                <a:latin typeface="Miriam Libre" pitchFamily="2" charset="-79"/>
+                <a:cs typeface="Miriam Libre" pitchFamily="2" charset="-79"/>
+              </a:rPr>
+              <a:t>You get a file (or a few).</a:t>
+            </a:r>
+          </a:p>
+          <a:p>
+            <a:pPr marL="742950" lvl="1" indent="-285750">
+              <a:buFont typeface="Arial" panose="020B0604020202020204" pitchFamily="34" charset="0"/>
+              <a:buChar char="•"/>
+            </a:pPr>
+            <a:r>
+              <a:rPr lang="en-US" sz="2200" dirty="0">
+                <a:solidFill>
+                  <a:srgbClr val="24272B"/>
+                </a:solidFill>
+                <a:latin typeface="Miriam Libre" pitchFamily="2" charset="-79"/>
+                <a:cs typeface="Miriam Libre" pitchFamily="2" charset="-79"/>
+              </a:rPr>
+              <a:t>Maybe a background story.</a:t>
+            </a:r>
+          </a:p>
+          <a:p>
+            <a:pPr marL="285750" indent="-285750">
+              <a:buFont typeface="Arial" panose="020B0604020202020204" pitchFamily="34" charset="0"/>
+              <a:buChar char="•"/>
+            </a:pPr>
+            <a:r>
+              <a:rPr lang="en-US" sz="2200" dirty="0">
+                <a:solidFill>
+                  <a:srgbClr val="24272B"/>
+                </a:solidFill>
+                <a:latin typeface="Miriam Libre" pitchFamily="2" charset="-79"/>
+                <a:cs typeface="Miriam Libre" pitchFamily="2" charset="-79"/>
+              </a:rPr>
+              <a:t>And you should:	</a:t>
+            </a:r>
+          </a:p>
+          <a:p>
+            <a:pPr marL="742950" lvl="1" indent="-285750">
+              <a:buFont typeface="Arial" panose="020B0604020202020204" pitchFamily="34" charset="0"/>
+              <a:buChar char="•"/>
+            </a:pPr>
+            <a:r>
+              <a:rPr lang="en-US" sz="2200" dirty="0">
+                <a:solidFill>
+                  <a:srgbClr val="24272B"/>
+                </a:solidFill>
+                <a:latin typeface="Miriam Libre" pitchFamily="2" charset="-79"/>
+                <a:cs typeface="Miriam Libre" pitchFamily="2" charset="-79"/>
+              </a:rPr>
+              <a:t>Identify what file type(s) you are working with.</a:t>
+            </a:r>
+          </a:p>
+          <a:p>
+            <a:pPr marL="742950" lvl="1" indent="-285750">
+              <a:buFont typeface="Arial" panose="020B0604020202020204" pitchFamily="34" charset="0"/>
+              <a:buChar char="•"/>
+            </a:pPr>
+            <a:r>
+              <a:rPr lang="en-US" sz="2200" dirty="0">
+                <a:solidFill>
+                  <a:srgbClr val="24272B"/>
+                </a:solidFill>
+                <a:latin typeface="Miriam Libre" pitchFamily="2" charset="-79"/>
+                <a:cs typeface="Miriam Libre" pitchFamily="2" charset="-79"/>
+              </a:rPr>
+              <a:t>Find relevant tools.</a:t>
+            </a:r>
+          </a:p>
+          <a:p>
+            <a:pPr marL="742950" lvl="1" indent="-285750">
+              <a:buFont typeface="Arial" panose="020B0604020202020204" pitchFamily="34" charset="0"/>
+              <a:buChar char="•"/>
+            </a:pPr>
+            <a:r>
+              <a:rPr lang="en-US" sz="2200" dirty="0">
+                <a:solidFill>
+                  <a:srgbClr val="24272B"/>
+                </a:solidFill>
+                <a:latin typeface="Miriam Libre" pitchFamily="2" charset="-79"/>
+                <a:cs typeface="Miriam Libre" pitchFamily="2" charset="-79"/>
+              </a:rPr>
+              <a:t>Investigate deeply.</a:t>
+            </a:r>
+          </a:p>
+          <a:p>
+            <a:pPr marL="742950" lvl="1" indent="-285750">
+              <a:buFont typeface="Arial" panose="020B0604020202020204" pitchFamily="34" charset="0"/>
+              <a:buChar char="•"/>
+            </a:pPr>
+            <a:r>
+              <a:rPr lang="en-US" sz="2200" dirty="0">
+                <a:solidFill>
+                  <a:srgbClr val="24272B"/>
+                </a:solidFill>
+                <a:latin typeface="Miriam Libre" pitchFamily="2" charset="-79"/>
+                <a:cs typeface="Miriam Libre" pitchFamily="2" charset="-79"/>
+              </a:rPr>
+              <a:t>Extract the flag.</a:t>
+            </a:r>
+          </a:p>
+          <a:p>
+            <a:pPr marL="742950" lvl="1" indent="-285750">
+              <a:buFont typeface="Arial" panose="020B0604020202020204" pitchFamily="34" charset="0"/>
+              <a:buChar char="•"/>
+            </a:pPr>
+            <a:endParaRPr lang="en-US" sz="2200" dirty="0">
               <a:solidFill>
                 <a:srgbClr val="24272B"/>
               </a:solidFill>
@@ -7220,197 +7687,19 @@
           </a:p>
           <a:p>
             <a:pPr marL="285750" indent="-285750">
-              <a:lnSpc>
-                <a:spcPts val="2560"/>
-              </a:lnSpc>
               <a:buFont typeface="Arial" panose="020B0604020202020204" pitchFamily="34" charset="0"/>
               <a:buChar char="•"/>
             </a:pPr>
             <a:r>
-              <a:rPr lang="en-US" sz="2400" dirty="0">
+              <a:rPr lang="en-US" sz="2200" dirty="0">
                 <a:solidFill>
                   <a:srgbClr val="24272B"/>
                 </a:solidFill>
-                <a:latin typeface="Miriam Libre" pitchFamily="2" charset="-79"/>
-                <a:cs typeface="Miriam Libre" pitchFamily="2" charset="-79"/>
-              </a:rPr>
-              <a:t>In CTFs, forensics challenge usually just provide a file or a couple of files with no further comments, and our mission is to:</a:t>
-            </a:r>
-          </a:p>
-          <a:p>
-            <a:pPr marL="742950" lvl="1" indent="-285750">
-              <a:lnSpc>
-                <a:spcPts val="2560"/>
-              </a:lnSpc>
-              <a:buFont typeface="Arial" panose="020B0604020202020204" pitchFamily="34" charset="0"/>
-              <a:buChar char="•"/>
-            </a:pPr>
-            <a:r>
-              <a:rPr lang="en-US" sz="2400" dirty="0">
-                <a:solidFill>
-                  <a:srgbClr val="24272B"/>
-                </a:solidFill>
                 <a:effectLst/>
                 <a:latin typeface="Miriam Libre" pitchFamily="2" charset="-79"/>
                 <a:cs typeface="Miriam Libre" pitchFamily="2" charset="-79"/>
               </a:rPr>
-              <a:t>Identify the type of this file and determine how to approach/tackle it.</a:t>
-            </a:r>
-          </a:p>
-          <a:p>
-            <a:pPr marL="742950" lvl="1" indent="-285750">
-              <a:lnSpc>
-                <a:spcPts val="2560"/>
-              </a:lnSpc>
-              <a:buFont typeface="Arial" panose="020B0604020202020204" pitchFamily="34" charset="0"/>
-              <a:buChar char="•"/>
-            </a:pPr>
-            <a:r>
-              <a:rPr lang="en-US" sz="2400" dirty="0">
-                <a:solidFill>
-                  <a:srgbClr val="24272B"/>
-                </a:solidFill>
-                <a:latin typeface="Miriam Libre" pitchFamily="2" charset="-79"/>
-                <a:cs typeface="Miriam Libre" pitchFamily="2" charset="-79"/>
-              </a:rPr>
-              <a:t>Find out what tools are relevant to use when examining this file.</a:t>
-            </a:r>
-          </a:p>
-          <a:p>
-            <a:pPr marL="742950" lvl="1" indent="-285750">
-              <a:lnSpc>
-                <a:spcPts val="2560"/>
-              </a:lnSpc>
-              <a:buFont typeface="Arial" panose="020B0604020202020204" pitchFamily="34" charset="0"/>
-              <a:buChar char="•"/>
-            </a:pPr>
-            <a:r>
-              <a:rPr lang="en-US" sz="2400" dirty="0">
-                <a:solidFill>
-                  <a:srgbClr val="24272B"/>
-                </a:solidFill>
-                <a:latin typeface="Miriam Libre" pitchFamily="2" charset="-79"/>
-                <a:cs typeface="Miriam Libre" pitchFamily="2" charset="-79"/>
-              </a:rPr>
-              <a:t>Try out different options until one works</a:t>
-            </a:r>
-          </a:p>
-          <a:p>
-            <a:pPr marL="742950" lvl="1" indent="-285750">
-              <a:lnSpc>
-                <a:spcPts val="2560"/>
-              </a:lnSpc>
-              <a:buFont typeface="Arial" panose="020B0604020202020204" pitchFamily="34" charset="0"/>
-              <a:buChar char="•"/>
-            </a:pPr>
-            <a:r>
-              <a:rPr lang="en-US" sz="2400" dirty="0">
-                <a:solidFill>
-                  <a:srgbClr val="24272B"/>
-                </a:solidFill>
-                <a:latin typeface="Miriam Libre" pitchFamily="2" charset="-79"/>
-                <a:cs typeface="Miriam Libre" pitchFamily="2" charset="-79"/>
-              </a:rPr>
-              <a:t>???</a:t>
-            </a:r>
-          </a:p>
-          <a:p>
-            <a:pPr marL="742950" lvl="1" indent="-285750">
-              <a:lnSpc>
-                <a:spcPts val="2560"/>
-              </a:lnSpc>
-              <a:buFont typeface="Arial" panose="020B0604020202020204" pitchFamily="34" charset="0"/>
-              <a:buChar char="•"/>
-            </a:pPr>
-            <a:r>
-              <a:rPr lang="en-US" sz="2400" dirty="0">
-                <a:solidFill>
-                  <a:srgbClr val="24272B"/>
-                </a:solidFill>
-                <a:latin typeface="Miriam Libre" pitchFamily="2" charset="-79"/>
-                <a:cs typeface="Miriam Libre" pitchFamily="2" charset="-79"/>
-              </a:rPr>
-              <a:t>Find the flag (^_^) </a:t>
-            </a:r>
-          </a:p>
-          <a:p>
-            <a:pPr marL="742950" lvl="1" indent="-285750">
-              <a:lnSpc>
-                <a:spcPts val="2560"/>
-              </a:lnSpc>
-              <a:buFont typeface="Arial" panose="020B0604020202020204" pitchFamily="34" charset="0"/>
-              <a:buChar char="•"/>
-            </a:pPr>
-            <a:endParaRPr lang="en-US" sz="2400" dirty="0">
-              <a:solidFill>
-                <a:srgbClr val="24272B"/>
-              </a:solidFill>
-              <a:effectLst/>
-              <a:latin typeface="Miriam Libre" pitchFamily="2" charset="-79"/>
-              <a:cs typeface="Miriam Libre" pitchFamily="2" charset="-79"/>
-            </a:endParaRPr>
-          </a:p>
-          <a:p>
-            <a:pPr marL="285750" indent="-285750">
-              <a:lnSpc>
-                <a:spcPts val="2560"/>
-              </a:lnSpc>
-              <a:buFont typeface="Arial" panose="020B0604020202020204" pitchFamily="34" charset="0"/>
-              <a:buChar char="•"/>
-            </a:pPr>
-            <a:r>
-              <a:rPr lang="en-US" sz="2400" dirty="0">
-                <a:solidFill>
-                  <a:srgbClr val="24272B"/>
-                </a:solidFill>
-                <a:effectLst/>
-                <a:latin typeface="Miriam Libre" pitchFamily="2" charset="-79"/>
-                <a:cs typeface="Miriam Libre" pitchFamily="2" charset="-79"/>
-              </a:rPr>
               <a:t>Flags can be hidden in the darkest and most obscure places!</a:t>
-            </a:r>
-          </a:p>
-        </p:txBody>
-      </p:sp>
-      <p:sp>
-        <p:nvSpPr>
-          <p:cNvPr id="15" name="TextBox 14">
-            <a:extLst>
-              <a:ext uri="{FF2B5EF4-FFF2-40B4-BE49-F238E27FC236}">
-                <a16:creationId xmlns:a16="http://schemas.microsoft.com/office/drawing/2014/main" id="{CF7FC9B7-76F8-4846-6AE9-F8E9111011E1}"/>
-              </a:ext>
-            </a:extLst>
-          </p:cNvPr>
-          <p:cNvSpPr txBox="1"/>
-          <p:nvPr/>
-        </p:nvSpPr>
-        <p:spPr>
-          <a:xfrm>
-            <a:off x="292971" y="6353304"/>
-            <a:ext cx="6097218" cy="276999"/>
-          </a:xfrm>
-          <a:prstGeom prst="rect">
-            <a:avLst/>
-          </a:prstGeom>
-          <a:noFill/>
-        </p:spPr>
-        <p:txBody>
-          <a:bodyPr wrap="square">
-            <a:spAutoFit/>
-          </a:bodyPr>
-          <a:lstStyle/>
-          <a:p>
-            <a:pPr marL="0" defTabSz="914400" eaLnBrk="1" latinLnBrk="0" hangingPunct="1"/>
-            <a:r>
-              <a:rPr lang="en-US" sz="1200" spc="30" dirty="0">
-                <a:solidFill>
-                  <a:srgbClr val="24272B"/>
-                </a:solidFill>
-                <a:effectLst/>
-                <a:latin typeface="Handjet Square Single" pitchFamily="2" charset="0"/>
-                <a:cs typeface="Handjet Square Single" pitchFamily="2" charset="0"/>
-              </a:rPr>
-              <a:t>Forensics - introduction</a:t>
             </a:r>
           </a:p>
         </p:txBody>
@@ -7646,49 +7935,6 @@
           </a:p>
         </p:txBody>
       </p:sp>
-      <p:sp>
-        <p:nvSpPr>
-          <p:cNvPr id="8" name="TextBox 7">
-            <a:extLst>
-              <a:ext uri="{FF2B5EF4-FFF2-40B4-BE49-F238E27FC236}">
-                <a16:creationId xmlns:a16="http://schemas.microsoft.com/office/drawing/2014/main" id="{0A5D91F2-EE24-3166-CD6C-BAFBC797325C}"/>
-              </a:ext>
-            </a:extLst>
-          </p:cNvPr>
-          <p:cNvSpPr txBox="1"/>
-          <p:nvPr/>
-        </p:nvSpPr>
-        <p:spPr>
-          <a:xfrm>
-            <a:off x="292971" y="6365895"/>
-            <a:ext cx="6097218" cy="253916"/>
-          </a:xfrm>
-          <a:prstGeom prst="rect">
-            <a:avLst/>
-          </a:prstGeom>
-          <a:noFill/>
-        </p:spPr>
-        <p:txBody>
-          <a:bodyPr wrap="square">
-            <a:spAutoFit/>
-          </a:bodyPr>
-          <a:lstStyle/>
-          <a:p>
-            <a:pPr marL="0" defTabSz="914400" eaLnBrk="1" latinLnBrk="0" hangingPunct="1"/>
-            <a:r>
-              <a:rPr lang="en-US" sz="1000" dirty="0">
-                <a:solidFill>
-                  <a:schemeClr val="bg1"/>
-                </a:solidFill>
-                <a:effectLst/>
-                <a:latin typeface="Miriam Libre" pitchFamily="2" charset="-79"/>
-                <a:cs typeface="Miriam Libre" pitchFamily="2" charset="-79"/>
-              </a:rPr>
-              <a:t>Forensics challenges in CTFs</a:t>
-            </a:r>
-          </a:p>
-        </p:txBody>
-      </p:sp>
       <p:pic>
         <p:nvPicPr>
           <p:cNvPr id="10" name="Picture 9">
@@ -7733,7 +7979,7 @@
         <p:spPr>
           <a:xfrm>
             <a:off x="292971" y="1545612"/>
-            <a:ext cx="11444790" cy="4620496"/>
+            <a:ext cx="11444790" cy="4154984"/>
           </a:xfrm>
           <a:prstGeom prst="rect">
             <a:avLst/>
@@ -7747,9 +7993,6 @@
           <a:lstStyle/>
           <a:p>
             <a:pPr marL="342900" indent="-342900">
-              <a:lnSpc>
-                <a:spcPct val="150000"/>
-              </a:lnSpc>
               <a:buFont typeface="Arial" panose="020B0604020202020204" pitchFamily="34" charset="0"/>
               <a:buChar char="•"/>
             </a:pPr>
@@ -7762,8 +8005,14 @@
                 <a:latin typeface="Miriam Libre" pitchFamily="2" charset="-79"/>
                 <a:cs typeface="Miriam Libre" pitchFamily="2" charset="-79"/>
               </a:rPr>
-              <a:t>As said before, in CTFs, forensics challenges usually provide you with a file/files and that’s it.</a:t>
-            </a:r>
+              <a:t>Most forensics challenges just hand you one or more files. Your job is to figure out what they are and what’s hidden inside.</a:t>
+            </a:r>
+          </a:p>
+          <a:p>
+            <a:pPr marL="342900" indent="-342900">
+              <a:buFont typeface="Arial" panose="020B0604020202020204" pitchFamily="34" charset="0"/>
+              <a:buChar char="•"/>
+            </a:pPr>
             <a:endParaRPr lang="en-US" sz="2200" dirty="0">
               <a:solidFill>
                 <a:schemeClr val="bg1"/>
@@ -7774,9 +8023,6 @@
           </a:p>
           <a:p>
             <a:pPr marL="342900" indent="-342900">
-              <a:lnSpc>
-                <a:spcPct val="150000"/>
-              </a:lnSpc>
               <a:buFont typeface="Arial" panose="020B0604020202020204" pitchFamily="34" charset="0"/>
               <a:buChar char="•"/>
             </a:pPr>
@@ -7788,18 +8034,25 @@
                 <a:latin typeface="Miriam Libre" pitchFamily="2" charset="-79"/>
                 <a:cs typeface="Miriam Libre" pitchFamily="2" charset="-79"/>
               </a:rPr>
-              <a:t>Some types commonly seen in CTFs:</a:t>
+              <a:t>Common challenges include:</a:t>
             </a:r>
           </a:p>
           <a:p>
             <a:pPr marL="800100" lvl="1" indent="-342900">
-              <a:lnSpc>
-                <a:spcPct val="150000"/>
-              </a:lnSpc>
               <a:buFont typeface="Arial" panose="020B0604020202020204" pitchFamily="34" charset="0"/>
               <a:buChar char="•"/>
             </a:pPr>
             <a:r>
+              <a:rPr lang="en-US" sz="2200" b="1" dirty="0">
+                <a:solidFill>
+                  <a:schemeClr val="bg1"/>
+                </a:solidFill>
+                <a:latin typeface="Miriam Libre" pitchFamily="2" charset="-79"/>
+                <a:cs typeface="Miriam Libre" pitchFamily="2" charset="-79"/>
+              </a:rPr>
+              <a:t>System snapshots: </a:t>
+            </a:r>
+            <a:r>
               <a:rPr lang="en-US" sz="2200" dirty="0">
                 <a:solidFill>
                   <a:schemeClr val="bg1"/>
@@ -7807,26 +8060,43 @@
                 <a:latin typeface="Miriam Libre" pitchFamily="2" charset="-79"/>
                 <a:cs typeface="Miriam Libre" pitchFamily="2" charset="-79"/>
               </a:rPr>
-              <a:t>Memory dumps</a:t>
+              <a:t>Full memory dump or virtual machine states.</a:t>
             </a:r>
           </a:p>
           <a:p>
             <a:pPr marL="800100" lvl="1" indent="-342900">
-              <a:lnSpc>
-                <a:spcPct val="150000"/>
-              </a:lnSpc>
               <a:buFont typeface="Arial" panose="020B0604020202020204" pitchFamily="34" charset="0"/>
               <a:buChar char="•"/>
             </a:pPr>
             <a:r>
-              <a:rPr lang="en-US" sz="2200" dirty="0" err="1">
+              <a:rPr lang="en-US" sz="2200" b="1" dirty="0">
                 <a:solidFill>
                   <a:schemeClr val="bg1"/>
                 </a:solidFill>
                 <a:latin typeface="Miriam Libre" pitchFamily="2" charset="-79"/>
                 <a:cs typeface="Miriam Libre" pitchFamily="2" charset="-79"/>
               </a:rPr>
-              <a:t>Pacture</a:t>
+              <a:t>Packet captures (.</a:t>
+            </a:r>
+            <a:r>
+              <a:rPr lang="en-US" sz="2200" b="1" dirty="0" err="1">
+                <a:solidFill>
+                  <a:schemeClr val="bg1"/>
+                </a:solidFill>
+                <a:latin typeface="Miriam Libre" pitchFamily="2" charset="-79"/>
+                <a:cs typeface="Miriam Libre" pitchFamily="2" charset="-79"/>
+              </a:rPr>
+              <a:t>pcap</a:t>
+            </a:r>
+            <a:r>
+              <a:rPr lang="en-US" sz="2200" b="1" dirty="0">
+                <a:solidFill>
+                  <a:schemeClr val="bg1"/>
+                </a:solidFill>
+                <a:latin typeface="Miriam Libre" pitchFamily="2" charset="-79"/>
+                <a:cs typeface="Miriam Libre" pitchFamily="2" charset="-79"/>
+              </a:rPr>
+              <a:t>): </a:t>
             </a:r>
             <a:r>
               <a:rPr lang="en-US" sz="2200" dirty="0">
@@ -7836,77 +8106,41 @@
                 <a:latin typeface="Miriam Libre" pitchFamily="2" charset="-79"/>
                 <a:cs typeface="Miriam Libre" pitchFamily="2" charset="-79"/>
               </a:rPr>
-              <a:t> </a:t>
-            </a:r>
-            <a:r>
-              <a:rPr lang="en-US" sz="2200" dirty="0" err="1">
-                <a:solidFill>
-                  <a:schemeClr val="bg1"/>
-                </a:solidFill>
-                <a:latin typeface="Miriam Libre" pitchFamily="2" charset="-79"/>
-                <a:cs typeface="Miriam Libre" pitchFamily="2" charset="-79"/>
-              </a:rPr>
-              <a:t>pacture</a:t>
-            </a:r>
-            <a:r>
-              <a:rPr lang="en-US" sz="2200" dirty="0">
-                <a:solidFill>
-                  <a:schemeClr val="bg1"/>
-                </a:solidFill>
-                <a:latin typeface="Miriam Libre" pitchFamily="2" charset="-79"/>
-                <a:cs typeface="Miriam Libre" pitchFamily="2" charset="-79"/>
-              </a:rPr>
-              <a:t> (.</a:t>
-            </a:r>
-            <a:r>
-              <a:rPr lang="en-US" sz="2200" dirty="0" err="1">
-                <a:solidFill>
-                  <a:schemeClr val="bg1"/>
-                </a:solidFill>
-                <a:latin typeface="Miriam Libre" pitchFamily="2" charset="-79"/>
-                <a:cs typeface="Miriam Libre" pitchFamily="2" charset="-79"/>
-              </a:rPr>
-              <a:t>pcap</a:t>
-            </a:r>
-            <a:r>
-              <a:rPr lang="en-US" sz="2200" dirty="0">
-                <a:solidFill>
-                  <a:schemeClr val="bg1"/>
-                </a:solidFill>
-                <a:latin typeface="Miriam Libre" pitchFamily="2" charset="-79"/>
-                <a:cs typeface="Miriam Libre" pitchFamily="2" charset="-79"/>
-              </a:rPr>
-              <a:t>) files</a:t>
+              <a:t>Network traffic logs, used to trace communication or extract transferred data.</a:t>
             </a:r>
           </a:p>
           <a:p>
             <a:pPr marL="800100" lvl="1" indent="-342900">
-              <a:lnSpc>
-                <a:spcPct val="150000"/>
-              </a:lnSpc>
               <a:buFont typeface="Arial" panose="020B0604020202020204" pitchFamily="34" charset="0"/>
               <a:buChar char="•"/>
             </a:pPr>
             <a:r>
-              <a:rPr lang="en-US" sz="2200" dirty="0">
+              <a:rPr lang="en-US" sz="2200" b="1" dirty="0">
                 <a:solidFill>
                   <a:schemeClr val="bg1"/>
                 </a:solidFill>
                 <a:latin typeface="Miriam Libre" pitchFamily="2" charset="-79"/>
                 <a:cs typeface="Miriam Libre" pitchFamily="2" charset="-79"/>
               </a:rPr>
-              <a:t>Steganography</a:t>
+              <a:t>Disk images/file systems</a:t>
             </a:r>
           </a:p>
           <a:p>
             <a:pPr marL="800100" lvl="1" indent="-342900">
-              <a:lnSpc>
-                <a:spcPct val="150000"/>
-              </a:lnSpc>
               <a:buFont typeface="Arial" panose="020B0604020202020204" pitchFamily="34" charset="0"/>
               <a:buChar char="•"/>
             </a:pPr>
             <a:r>
+              <a:rPr lang="en-US" sz="2200" b="1" dirty="0">
+                <a:solidFill>
+                  <a:schemeClr val="bg1"/>
+                </a:solidFill>
+                <a:latin typeface="Miriam Libre" pitchFamily="2" charset="-79"/>
+                <a:cs typeface="Miriam Libre" pitchFamily="2" charset="-79"/>
+              </a:rPr>
+              <a:t>Steganography: </a:t>
+            </a:r>
+            <a:r>
               <a:rPr lang="en-US" sz="2200" dirty="0">
                 <a:solidFill>
                   <a:schemeClr val="bg1"/>
@@ -7914,57 +8148,41 @@
                 <a:latin typeface="Miriam Libre" pitchFamily="2" charset="-79"/>
                 <a:cs typeface="Miriam Libre" pitchFamily="2" charset="-79"/>
               </a:rPr>
-              <a:t>File system/image (.</a:t>
-            </a:r>
-            <a:r>
-              <a:rPr lang="en-US" sz="2200" dirty="0" err="1">
-                <a:solidFill>
-                  <a:schemeClr val="bg1"/>
-                </a:solidFill>
-                <a:latin typeface="Miriam Libre" pitchFamily="2" charset="-79"/>
-                <a:cs typeface="Miriam Libre" pitchFamily="2" charset="-79"/>
-              </a:rPr>
-              <a:t>img</a:t>
-            </a:r>
-            <a:r>
-              <a:rPr lang="en-US" sz="2200" dirty="0">
-                <a:solidFill>
-                  <a:schemeClr val="bg1"/>
-                </a:solidFill>
-                <a:latin typeface="Miriam Libre" pitchFamily="2" charset="-79"/>
-                <a:cs typeface="Miriam Libre" pitchFamily="2" charset="-79"/>
-              </a:rPr>
-              <a:t>) files</a:t>
+              <a:t>Innocent-looking media files hiding embedded data.</a:t>
             </a:r>
           </a:p>
           <a:p>
             <a:pPr marL="800100" lvl="1" indent="-342900">
-              <a:lnSpc>
-                <a:spcPct val="150000"/>
-              </a:lnSpc>
               <a:buFont typeface="Arial" panose="020B0604020202020204" pitchFamily="34" charset="0"/>
               <a:buChar char="•"/>
             </a:pPr>
             <a:r>
-              <a:rPr lang="en-US" sz="2200" dirty="0">
+              <a:rPr lang="en-US" sz="2200" b="1" dirty="0">
                 <a:solidFill>
                   <a:schemeClr val="bg1"/>
                 </a:solidFill>
                 <a:latin typeface="Miriam Libre" pitchFamily="2" charset="-79"/>
                 <a:cs typeface="Miriam Libre" pitchFamily="2" charset="-79"/>
               </a:rPr>
-              <a:t>Application logs/event files</a:t>
+              <a:t>Application/event logs</a:t>
             </a:r>
           </a:p>
           <a:p>
             <a:pPr marL="800100" lvl="1" indent="-342900">
-              <a:lnSpc>
-                <a:spcPct val="150000"/>
-              </a:lnSpc>
               <a:buFont typeface="Arial" panose="020B0604020202020204" pitchFamily="34" charset="0"/>
               <a:buChar char="•"/>
             </a:pPr>
             <a:r>
+              <a:rPr lang="en-US" sz="2200" b="1" dirty="0">
+                <a:solidFill>
+                  <a:schemeClr val="bg1"/>
+                </a:solidFill>
+                <a:latin typeface="Miriam Libre" pitchFamily="2" charset="-79"/>
+                <a:cs typeface="Miriam Libre" pitchFamily="2" charset="-79"/>
+              </a:rPr>
+              <a:t>Broken files</a:t>
+            </a:r>
+            <a:r>
               <a:rPr lang="en-US" sz="2200" dirty="0">
                 <a:solidFill>
                   <a:schemeClr val="bg1"/>
@@ -7972,7 +8190,7 @@
                 <a:latin typeface="Miriam Libre" pitchFamily="2" charset="-79"/>
                 <a:cs typeface="Miriam Libre" pitchFamily="2" charset="-79"/>
               </a:rPr>
-              <a:t>Broken files (of all types)</a:t>
+              <a:t>: file types like PDF or PNG that follow a very specific format, which been tempered with and don’t open normally.</a:t>
             </a:r>
           </a:p>
         </p:txBody>
@@ -8144,7 +8362,7 @@
         <p:spPr>
           <a:xfrm>
             <a:off x="292971" y="403620"/>
-            <a:ext cx="7850011" cy="584775"/>
+            <a:ext cx="9378930" cy="584775"/>
           </a:xfrm>
           <a:prstGeom prst="rect">
             <a:avLst/>
@@ -8167,62 +8385,13 @@
                 <a:latin typeface="Miriam Libre" pitchFamily="2" charset="-79"/>
                 <a:cs typeface="Miriam Libre" pitchFamily="2" charset="-79"/>
               </a:rPr>
-              <a:t>Initiation</a:t>
+              <a:t>First Steps in Any Forensics Challenge</a:t>
             </a:r>
             <a:endParaRPr lang="he-IL" sz="3200" b="1" dirty="0">
               <a:solidFill>
                 <a:srgbClr val="24272C"/>
               </a:solidFill>
               <a:effectLst/>
-              <a:latin typeface="Miriam Libre" pitchFamily="2" charset="-79"/>
-              <a:cs typeface="Miriam Libre" pitchFamily="2" charset="-79"/>
-            </a:endParaRPr>
-          </a:p>
-        </p:txBody>
-      </p:sp>
-      <p:sp>
-        <p:nvSpPr>
-          <p:cNvPr id="8" name="TextBox 7">
-            <a:extLst>
-              <a:ext uri="{FF2B5EF4-FFF2-40B4-BE49-F238E27FC236}">
-                <a16:creationId xmlns:a16="http://schemas.microsoft.com/office/drawing/2014/main" id="{0A5D91F2-EE24-3166-CD6C-BAFBC797325C}"/>
-              </a:ext>
-            </a:extLst>
-          </p:cNvPr>
-          <p:cNvSpPr txBox="1"/>
-          <p:nvPr/>
-        </p:nvSpPr>
-        <p:spPr>
-          <a:xfrm>
-            <a:off x="292971" y="6365895"/>
-            <a:ext cx="6097218" cy="253916"/>
-          </a:xfrm>
-          <a:prstGeom prst="rect">
-            <a:avLst/>
-          </a:prstGeom>
-          <a:noFill/>
-        </p:spPr>
-        <p:txBody>
-          <a:bodyPr wrap="square">
-            <a:spAutoFit/>
-          </a:bodyPr>
-          <a:lstStyle/>
-          <a:p>
-            <a:pPr marL="0" defTabSz="914400" eaLnBrk="1" latinLnBrk="0" hangingPunct="1"/>
-            <a:r>
-              <a:rPr lang="en-US" sz="1000" dirty="0">
-                <a:solidFill>
-                  <a:schemeClr val="bg1"/>
-                </a:solidFill>
-                <a:latin typeface="Miriam Libre" pitchFamily="2" charset="-79"/>
-                <a:cs typeface="Miriam Libre" pitchFamily="2" charset="-79"/>
-              </a:rPr>
-              <a:t>Initiation</a:t>
-            </a:r>
-            <a:endParaRPr lang="en-IL" sz="1000" dirty="0">
-              <a:solidFill>
-                <a:schemeClr val="bg1"/>
-              </a:solidFill>
               <a:latin typeface="Miriam Libre" pitchFamily="2" charset="-79"/>
               <a:cs typeface="Miriam Libre" pitchFamily="2" charset="-79"/>
             </a:endParaRPr>
@@ -8345,7 +8514,7 @@
                 <a:latin typeface="Miriam Libre" pitchFamily="2" charset="-79"/>
                 <a:cs typeface="Miriam Libre" pitchFamily="2" charset="-79"/>
               </a:rPr>
-              <a:t>No matter the specific type of forensics challenge, it is always helpful to gather some initial/general information about the file(s) given to us, or even achieve an easy solve. This can be thought of as a checklist.</a:t>
+              <a:t>Whatever file you're given, start with basic inspection. These steps can reveal useful info — or even solve the challenge right away.</a:t>
             </a:r>
           </a:p>
           <a:p>
@@ -8380,7 +8549,7 @@
                 <a:latin typeface="Miriam Libre" pitchFamily="2" charset="-79"/>
                 <a:cs typeface="Miriam Libre" pitchFamily="2" charset="-79"/>
               </a:rPr>
-              <a:t>Some useful tools/commands (there are many more, search up forensics CTF checklists):</a:t>
+              <a:t>Common first-line tools:</a:t>
             </a:r>
           </a:p>
           <a:p>
@@ -8392,15 +8561,24 @@
               <a:buChar char="•"/>
             </a:pPr>
             <a:r>
-              <a:rPr lang="en-US" sz="2000" b="1" dirty="0">
+              <a:rPr lang="en-US" sz="2000" dirty="0">
                 <a:solidFill>
                   <a:schemeClr val="bg1"/>
                 </a:solidFill>
                 <a:latin typeface="Miriam Libre" pitchFamily="2" charset="-79"/>
                 <a:cs typeface="Miriam Libre" pitchFamily="2" charset="-79"/>
               </a:rPr>
-              <a:t>file</a:t>
-            </a:r>
+              <a:t>file – Identify file type (not always reliable)</a:t>
+            </a:r>
+          </a:p>
+          <a:p>
+            <a:pPr marL="800100" lvl="1" indent="-342900">
+              <a:lnSpc>
+                <a:spcPct val="150000"/>
+              </a:lnSpc>
+              <a:buFont typeface="Arial" panose="020B0604020202020204" pitchFamily="34" charset="0"/>
+              <a:buChar char="•"/>
+            </a:pPr>
             <a:r>
               <a:rPr lang="en-US" sz="2000" dirty="0">
                 <a:solidFill>
@@ -8409,17 +8587,26 @@
                 <a:latin typeface="Miriam Libre" pitchFamily="2" charset="-79"/>
                 <a:cs typeface="Miriam Libre" pitchFamily="2" charset="-79"/>
               </a:rPr>
-              <a:t>:</a:t>
-            </a:r>
-            <a:r>
-              <a:rPr lang="en-US" sz="2000" b="1" dirty="0">
+              <a:t>strings | grep – Extract readable text and filter for flags, URLs, etc.</a:t>
+            </a:r>
+          </a:p>
+          <a:p>
+            <a:pPr marL="800100" lvl="1" indent="-342900">
+              <a:lnSpc>
+                <a:spcPct val="150000"/>
+              </a:lnSpc>
+              <a:buFont typeface="Arial" panose="020B0604020202020204" pitchFamily="34" charset="0"/>
+              <a:buChar char="•"/>
+            </a:pPr>
+            <a:r>
+              <a:rPr lang="en-US" sz="2000" dirty="0" err="1">
                 <a:solidFill>
                   <a:schemeClr val="bg1"/>
                 </a:solidFill>
                 <a:latin typeface="Miriam Libre" pitchFamily="2" charset="-79"/>
                 <a:cs typeface="Miriam Libre" pitchFamily="2" charset="-79"/>
               </a:rPr>
-              <a:t> </a:t>
+              <a:t>exiftool</a:t>
             </a:r>
             <a:r>
               <a:rPr lang="en-US" sz="2000" dirty="0">
@@ -8429,17 +8616,26 @@
                 <a:latin typeface="Miriam Libre" pitchFamily="2" charset="-79"/>
                 <a:cs typeface="Miriam Libre" pitchFamily="2" charset="-79"/>
               </a:rPr>
-              <a:t>show the file type. </a:t>
-            </a:r>
-            <a:r>
-              <a:rPr lang="en-US" sz="2000" u="sng" dirty="0">
+              <a:t> – View or edit file metadata (often useful in images/docs)</a:t>
+            </a:r>
+          </a:p>
+          <a:p>
+            <a:pPr marL="800100" lvl="1" indent="-342900">
+              <a:lnSpc>
+                <a:spcPct val="150000"/>
+              </a:lnSpc>
+              <a:buFont typeface="Arial" panose="020B0604020202020204" pitchFamily="34" charset="0"/>
+              <a:buChar char="•"/>
+            </a:pPr>
+            <a:r>
+              <a:rPr lang="en-US" sz="2000" dirty="0" err="1">
                 <a:solidFill>
                   <a:schemeClr val="bg1"/>
                 </a:solidFill>
                 <a:latin typeface="Miriam Libre" pitchFamily="2" charset="-79"/>
                 <a:cs typeface="Miriam Libre" pitchFamily="2" charset="-79"/>
               </a:rPr>
-              <a:t>Warning:</a:t>
+              <a:t>binwalk</a:t>
             </a:r>
             <a:r>
               <a:rPr lang="en-US" sz="2000" dirty="0">
@@ -8449,8 +8645,17 @@
                 <a:latin typeface="Miriam Libre" pitchFamily="2" charset="-79"/>
                 <a:cs typeface="Miriam Libre" pitchFamily="2" charset="-79"/>
               </a:rPr>
-              <a:t> can be easily fooled</a:t>
-            </a:r>
+              <a:t>, foremost – Extract embedded files or data chunks</a:t>
+            </a:r>
+          </a:p>
+          <a:p>
+            <a:pPr marL="342900" indent="-342900">
+              <a:lnSpc>
+                <a:spcPct val="150000"/>
+              </a:lnSpc>
+              <a:buFont typeface="Arial" panose="020B0604020202020204" pitchFamily="34" charset="0"/>
+              <a:buChar char="•"/>
+            </a:pPr>
             <a:endParaRPr lang="en-US" sz="2000" b="1" dirty="0">
               <a:solidFill>
                 <a:schemeClr val="bg1"/>
@@ -8460,7 +8665,7 @@
             </a:endParaRPr>
           </a:p>
           <a:p>
-            <a:pPr marL="800100" lvl="1" indent="-342900">
+            <a:pPr marL="342900" indent="-342900">
               <a:lnSpc>
                 <a:spcPct val="150000"/>
               </a:lnSpc>
@@ -8468,120 +8673,15 @@
               <a:buChar char="•"/>
             </a:pPr>
             <a:r>
-              <a:rPr lang="en-US" sz="2000" b="1" dirty="0">
+              <a:rPr lang="en-US" sz="2000" dirty="0">
                 <a:solidFill>
                   <a:schemeClr val="bg1"/>
                 </a:solidFill>
                 <a:latin typeface="Miriam Libre" pitchFamily="2" charset="-79"/>
                 <a:cs typeface="Miriam Libre" pitchFamily="2" charset="-79"/>
               </a:rPr>
-              <a:t>strings,</a:t>
-            </a:r>
-            <a:r>
-              <a:rPr lang="en-US" sz="2000" dirty="0">
-                <a:solidFill>
-                  <a:schemeClr val="bg1"/>
-                </a:solidFill>
-                <a:latin typeface="Miriam Libre" pitchFamily="2" charset="-79"/>
-                <a:cs typeface="Miriam Libre" pitchFamily="2" charset="-79"/>
-              </a:rPr>
-              <a:t> usually combined with </a:t>
-            </a:r>
-            <a:r>
-              <a:rPr lang="en-US" sz="2000" b="1" dirty="0">
-                <a:solidFill>
-                  <a:schemeClr val="bg1"/>
-                </a:solidFill>
-                <a:latin typeface="Miriam Libre" pitchFamily="2" charset="-79"/>
-                <a:cs typeface="Miriam Libre" pitchFamily="2" charset="-79"/>
-              </a:rPr>
-              <a:t>grep</a:t>
-            </a:r>
-            <a:r>
-              <a:rPr lang="en-US" sz="2000" dirty="0">
-                <a:solidFill>
-                  <a:schemeClr val="bg1"/>
-                </a:solidFill>
-                <a:latin typeface="Miriam Libre" pitchFamily="2" charset="-79"/>
-                <a:cs typeface="Miriam Libre" pitchFamily="2" charset="-79"/>
-              </a:rPr>
-              <a:t>: find strings in a file and possibly filter for specific ones</a:t>
-            </a:r>
-          </a:p>
-          <a:p>
-            <a:pPr marL="800100" lvl="1" indent="-342900">
-              <a:lnSpc>
-                <a:spcPct val="150000"/>
-              </a:lnSpc>
-              <a:buFont typeface="Arial" panose="020B0604020202020204" pitchFamily="34" charset="0"/>
-              <a:buChar char="•"/>
-            </a:pPr>
-            <a:r>
-              <a:rPr lang="en-US" sz="2000" b="1" dirty="0" err="1">
-                <a:solidFill>
-                  <a:schemeClr val="bg1"/>
-                </a:solidFill>
-                <a:latin typeface="Miriam Libre" pitchFamily="2" charset="-79"/>
-                <a:cs typeface="Miriam Libre" pitchFamily="2" charset="-79"/>
-              </a:rPr>
-              <a:t>exiftool</a:t>
-            </a:r>
-            <a:r>
-              <a:rPr lang="en-US" sz="2000" dirty="0">
-                <a:solidFill>
-                  <a:schemeClr val="bg1"/>
-                </a:solidFill>
-                <a:latin typeface="Miriam Libre" pitchFamily="2" charset="-79"/>
-                <a:cs typeface="Miriam Libre" pitchFamily="2" charset="-79"/>
-              </a:rPr>
-              <a:t>: read/write/edit metadata of a file. Sometimes helpful in OSINT challenges</a:t>
-            </a:r>
-          </a:p>
-          <a:p>
-            <a:pPr marL="800100" lvl="1" indent="-342900">
-              <a:lnSpc>
-                <a:spcPct val="150000"/>
-              </a:lnSpc>
-              <a:buFont typeface="Arial" panose="020B0604020202020204" pitchFamily="34" charset="0"/>
-              <a:buChar char="•"/>
-            </a:pPr>
-            <a:r>
-              <a:rPr lang="en-US" sz="2000" b="1" dirty="0" err="1">
-                <a:solidFill>
-                  <a:schemeClr val="bg1"/>
-                </a:solidFill>
-                <a:latin typeface="Miriam Libre" pitchFamily="2" charset="-79"/>
-                <a:cs typeface="Miriam Libre" pitchFamily="2" charset="-79"/>
-              </a:rPr>
-              <a:t>binwalk</a:t>
-            </a:r>
-            <a:r>
-              <a:rPr lang="en-US" sz="2000" b="1" dirty="0">
-                <a:solidFill>
-                  <a:schemeClr val="bg1"/>
-                </a:solidFill>
-                <a:latin typeface="Miriam Libre" pitchFamily="2" charset="-79"/>
-                <a:cs typeface="Miriam Libre" pitchFamily="2" charset="-79"/>
-              </a:rPr>
-              <a:t>/foremost</a:t>
-            </a:r>
-            <a:r>
-              <a:rPr lang="en-US" sz="2000" dirty="0">
-                <a:solidFill>
-                  <a:schemeClr val="bg1"/>
-                </a:solidFill>
-                <a:latin typeface="Miriam Libre" pitchFamily="2" charset="-79"/>
-                <a:cs typeface="Miriam Libre" pitchFamily="2" charset="-79"/>
-              </a:rPr>
-              <a:t>: extracting files embedded within files</a:t>
-            </a:r>
-            <a:endParaRPr lang="en-US" sz="2000" b="1" dirty="0">
-              <a:solidFill>
-                <a:schemeClr val="bg1"/>
-              </a:solidFill>
-              <a:latin typeface="Miriam Libre" pitchFamily="2" charset="-79"/>
-              <a:cs typeface="Miriam Libre" pitchFamily="2" charset="-79"/>
-            </a:endParaRPr>
+              <a:t>These are part of almost every forensics checklist.</a:t>
+            </a:r>
           </a:p>
         </p:txBody>
       </p:sp>
@@ -8659,7 +8759,7 @@
         <p:spPr>
           <a:xfrm>
             <a:off x="124358" y="138988"/>
-            <a:ext cx="11923775" cy="1028198"/>
+            <a:ext cx="11923775" cy="1302106"/>
           </a:xfrm>
           <a:prstGeom prst="rect">
             <a:avLst/>
@@ -8751,8 +8851,8 @@
         </p:nvSpPr>
         <p:spPr>
           <a:xfrm>
-            <a:off x="292971" y="403620"/>
-            <a:ext cx="7850011" cy="584775"/>
+            <a:off x="292971" y="542106"/>
+            <a:ext cx="8917017" cy="584775"/>
           </a:xfrm>
           <a:prstGeom prst="rect">
             <a:avLst/>
@@ -8767,82 +8867,22 @@
           <a:p>
             <a:pPr algn="l"/>
             <a:r>
-              <a:rPr lang="en-US" sz="3200" b="1" dirty="0">
+              <a:rPr lang="en-US" sz="3200" b="1" spc="120" dirty="0">
                 <a:solidFill>
                   <a:srgbClr val="24272C"/>
                 </a:solidFill>
-                <a:effectLst/>
-                <a:latin typeface="Miriam Libre" pitchFamily="2" charset="-79"/>
-                <a:cs typeface="Miriam Libre" pitchFamily="2" charset="-79"/>
-              </a:rPr>
-              <a:t>Memory </a:t>
-            </a:r>
-            <a:r>
-              <a:rPr lang="en-US" sz="3200" b="1" dirty="0">
-                <a:solidFill>
-                  <a:srgbClr val="24272C"/>
-                </a:solidFill>
-                <a:latin typeface="Miriam Libre" pitchFamily="2" charset="-79"/>
-                <a:cs typeface="Miriam Libre" pitchFamily="2" charset="-79"/>
-              </a:rPr>
-              <a:t>forensics</a:t>
-            </a:r>
-            <a:endParaRPr lang="he-IL" sz="3200" b="1" dirty="0">
+                <a:latin typeface="Miriam Libre" panose="00000500000000000000" pitchFamily="2" charset="-79"/>
+                <a:cs typeface="Miriam Libre" panose="00000500000000000000" pitchFamily="2" charset="-79"/>
+              </a:rPr>
+              <a:t>Diving into it</a:t>
+            </a:r>
+            <a:endParaRPr lang="he-IL" sz="3200" b="1" spc="120" dirty="0">
               <a:solidFill>
                 <a:srgbClr val="24272C"/>
               </a:solidFill>
               <a:effectLst/>
-              <a:latin typeface="Miriam Libre" pitchFamily="2" charset="-79"/>
-              <a:cs typeface="Miriam Libre" pitchFamily="2" charset="-79"/>
-            </a:endParaRPr>
-          </a:p>
-        </p:txBody>
-      </p:sp>
-      <p:sp>
-        <p:nvSpPr>
-          <p:cNvPr id="8" name="TextBox 7">
-            <a:extLst>
-              <a:ext uri="{FF2B5EF4-FFF2-40B4-BE49-F238E27FC236}">
-                <a16:creationId xmlns:a16="http://schemas.microsoft.com/office/drawing/2014/main" id="{0A5D91F2-EE24-3166-CD6C-BAFBC797325C}"/>
-              </a:ext>
-            </a:extLst>
-          </p:cNvPr>
-          <p:cNvSpPr txBox="1"/>
-          <p:nvPr/>
-        </p:nvSpPr>
-        <p:spPr>
-          <a:xfrm>
-            <a:off x="292971" y="6365895"/>
-            <a:ext cx="6097218" cy="253916"/>
-          </a:xfrm>
-          <a:prstGeom prst="rect">
-            <a:avLst/>
-          </a:prstGeom>
-          <a:noFill/>
-        </p:spPr>
-        <p:txBody>
-          <a:bodyPr wrap="square">
-            <a:spAutoFit/>
-          </a:bodyPr>
-          <a:lstStyle/>
-          <a:p>
-            <a:pPr marL="0" defTabSz="914400" eaLnBrk="1" latinLnBrk="0" hangingPunct="1"/>
-            <a:r>
-              <a:rPr lang="en-US" sz="1000" dirty="0">
-                <a:solidFill>
-                  <a:schemeClr val="bg1"/>
-                </a:solidFill>
-                <a:latin typeface="Miriam Libre" pitchFamily="2" charset="-79"/>
-                <a:cs typeface="Miriam Libre" pitchFamily="2" charset="-79"/>
-              </a:rPr>
-              <a:t>Memory forensics</a:t>
-            </a:r>
-            <a:endParaRPr lang="en-IL" sz="1000" dirty="0">
-              <a:solidFill>
-                <a:schemeClr val="bg1"/>
-              </a:solidFill>
-              <a:latin typeface="Miriam Libre" pitchFamily="2" charset="-79"/>
-              <a:cs typeface="Miriam Libre" pitchFamily="2" charset="-79"/>
+              <a:latin typeface="Miriam Libre" panose="00000500000000000000" pitchFamily="2" charset="-79"/>
+              <a:cs typeface="Miriam Libre" panose="00000500000000000000" pitchFamily="2" charset="-79"/>
             </a:endParaRPr>
           </a:p>
         </p:txBody>
@@ -8878,10 +8918,10 @@
       </p:pic>
       <p:sp>
         <p:nvSpPr>
-          <p:cNvPr id="11" name="TextBox 10">
-            <a:extLst>
-              <a:ext uri="{FF2B5EF4-FFF2-40B4-BE49-F238E27FC236}">
-                <a16:creationId xmlns:a16="http://schemas.microsoft.com/office/drawing/2014/main" id="{F0AE44DD-9F90-453E-830F-60E9D499845F}"/>
+          <p:cNvPr id="12" name="TextBox 11">
+            <a:extLst>
+              <a:ext uri="{FF2B5EF4-FFF2-40B4-BE49-F238E27FC236}">
+                <a16:creationId xmlns:a16="http://schemas.microsoft.com/office/drawing/2014/main" id="{5D33F90E-E50A-4C6D-837E-A7B1D45E5C15}"/>
               </a:ext>
             </a:extLst>
           </p:cNvPr>
@@ -8890,8 +8930,8 @@
         </p:nvSpPr>
         <p:spPr>
           <a:xfrm>
-            <a:off x="292971" y="1167186"/>
-            <a:ext cx="11444790" cy="5132174"/>
+            <a:off x="292971" y="1545612"/>
+            <a:ext cx="11444790" cy="2677656"/>
           </a:xfrm>
           <a:prstGeom prst="rect">
             <a:avLst/>
@@ -8905,246 +8945,48 @@
           <a:lstStyle/>
           <a:p>
             <a:pPr marL="342900" indent="-342900">
-              <a:lnSpc>
-                <a:spcPct val="150000"/>
-              </a:lnSpc>
               <a:buFont typeface="Arial" panose="020B0604020202020204" pitchFamily="34" charset="0"/>
               <a:buChar char="•"/>
             </a:pPr>
             <a:r>
-              <a:rPr lang="en-US" sz="2000" dirty="0">
+              <a:rPr lang="en-US" sz="2400" dirty="0">
                 <a:solidFill>
                   <a:schemeClr val="bg1"/>
                 </a:solidFill>
-                <a:latin typeface="Miriam Libre" pitchFamily="2" charset="-79"/>
-                <a:cs typeface="Miriam Libre" pitchFamily="2" charset="-79"/>
-              </a:rPr>
-              <a:t>Once we figured out the challenges file is a memory dump (“snapshot”) of some PC/server, we can start using relevant tools to figure things out.</a:t>
+                <a:effectLst/>
+                <a:latin typeface="Miriam Libre" pitchFamily="2" charset="-79"/>
+                <a:cs typeface="Miriam Libre" pitchFamily="2" charset="-79"/>
+              </a:rPr>
+              <a:t>We’ll now go over some of the common forensics topics in more detail, and look at practical examples for each.</a:t>
             </a:r>
           </a:p>
           <a:p>
             <a:pPr marL="342900" indent="-342900">
-              <a:lnSpc>
-                <a:spcPct val="150000"/>
-              </a:lnSpc>
               <a:buFont typeface="Arial" panose="020B0604020202020204" pitchFamily="34" charset="0"/>
               <a:buChar char="•"/>
             </a:pPr>
-            <a:r>
-              <a:rPr lang="en-US" sz="2000" dirty="0">
-                <a:solidFill>
-                  <a:schemeClr val="bg1"/>
-                </a:solidFill>
-                <a:latin typeface="Miriam Libre" pitchFamily="2" charset="-79"/>
-                <a:cs typeface="Miriam Libre" pitchFamily="2" charset="-79"/>
-              </a:rPr>
-              <a:t>These easy types of these challenges: hostname/computer name of the user, clipboard content, what are the open connects etc. In more complex scenarios, it is usually about </a:t>
-            </a:r>
-            <a:r>
-              <a:rPr lang="en-US" sz="2000" b="1" dirty="0">
-                <a:solidFill>
-                  <a:schemeClr val="bg1"/>
-                </a:solidFill>
-                <a:latin typeface="Miriam Libre" pitchFamily="2" charset="-79"/>
-                <a:cs typeface="Miriam Libre" pitchFamily="2" charset="-79"/>
-              </a:rPr>
-              <a:t>malware analysis</a:t>
-            </a:r>
-            <a:r>
-              <a:rPr lang="en-US" sz="2000" dirty="0">
-                <a:solidFill>
-                  <a:schemeClr val="bg1"/>
-                </a:solidFill>
-                <a:latin typeface="Miriam Libre" pitchFamily="2" charset="-79"/>
-                <a:cs typeface="Miriam Libre" pitchFamily="2" charset="-79"/>
-              </a:rPr>
-              <a:t>.</a:t>
-            </a:r>
+            <a:endParaRPr lang="en-US" sz="2400" dirty="0">
+              <a:solidFill>
+                <a:schemeClr val="bg1"/>
+              </a:solidFill>
+              <a:latin typeface="Miriam Libre" pitchFamily="2" charset="-79"/>
+              <a:cs typeface="Miriam Libre" pitchFamily="2" charset="-79"/>
+            </a:endParaRPr>
           </a:p>
           <a:p>
             <a:pPr marL="342900" indent="-342900">
-              <a:lnSpc>
-                <a:spcPct val="150000"/>
-              </a:lnSpc>
               <a:buFont typeface="Arial" panose="020B0604020202020204" pitchFamily="34" charset="0"/>
               <a:buChar char="•"/>
             </a:pPr>
             <a:r>
-              <a:rPr lang="en-US" sz="2000" dirty="0">
+              <a:rPr lang="en-US" sz="2400" dirty="0">
                 <a:solidFill>
                   <a:schemeClr val="bg1"/>
                 </a:solidFill>
                 <a:latin typeface="Miriam Libre" pitchFamily="2" charset="-79"/>
                 <a:cs typeface="Miriam Libre" pitchFamily="2" charset="-79"/>
               </a:rPr>
-              <a:t>The most common tool to use in this types of challenges is </a:t>
-            </a:r>
-            <a:r>
-              <a:rPr lang="en-US" sz="2000" b="1" dirty="0">
-                <a:solidFill>
-                  <a:schemeClr val="bg1"/>
-                </a:solidFill>
-                <a:latin typeface="Miriam Libre" pitchFamily="2" charset="-79"/>
-                <a:cs typeface="Miriam Libre" pitchFamily="2" charset="-79"/>
-              </a:rPr>
-              <a:t>volatility</a:t>
-            </a:r>
-            <a:r>
-              <a:rPr lang="en-US" sz="2000" dirty="0">
-                <a:solidFill>
-                  <a:schemeClr val="bg1"/>
-                </a:solidFill>
-                <a:latin typeface="Miriam Libre" pitchFamily="2" charset="-79"/>
-                <a:cs typeface="Miriam Libre" pitchFamily="2" charset="-79"/>
-              </a:rPr>
-              <a:t>.</a:t>
-            </a:r>
-          </a:p>
-          <a:p>
-            <a:pPr marL="342900" indent="-342900">
-              <a:lnSpc>
-                <a:spcPct val="150000"/>
-              </a:lnSpc>
-              <a:buFont typeface="Arial" panose="020B0604020202020204" pitchFamily="34" charset="0"/>
-              <a:buChar char="•"/>
-            </a:pPr>
-            <a:r>
-              <a:rPr lang="en-US" sz="2000" dirty="0">
-                <a:solidFill>
-                  <a:schemeClr val="bg1"/>
-                </a:solidFill>
-                <a:latin typeface="Miriam Libre" pitchFamily="2" charset="-79"/>
-                <a:cs typeface="Miriam Libre" pitchFamily="2" charset="-79"/>
-              </a:rPr>
-              <a:t>Some basic volatility usage (full </a:t>
-            </a:r>
-            <a:r>
-              <a:rPr lang="en-US" sz="2000" dirty="0" err="1">
-                <a:solidFill>
-                  <a:schemeClr val="bg1"/>
-                </a:solidFill>
-                <a:latin typeface="Miriam Libre" pitchFamily="2" charset="-79"/>
-                <a:cs typeface="Miriam Libre" pitchFamily="2" charset="-79"/>
-              </a:rPr>
-              <a:t>cheatsheet</a:t>
-            </a:r>
-            <a:r>
-              <a:rPr lang="en-US" sz="2000" dirty="0">
-                <a:solidFill>
-                  <a:schemeClr val="bg1"/>
-                </a:solidFill>
-                <a:latin typeface="Miriam Libre" pitchFamily="2" charset="-79"/>
-                <a:cs typeface="Miriam Libre" pitchFamily="2" charset="-79"/>
-              </a:rPr>
-              <a:t> can be found at </a:t>
-            </a:r>
-            <a:r>
-              <a:rPr lang="en-US" sz="2000" dirty="0">
-                <a:solidFill>
-                  <a:schemeClr val="bg1"/>
-                </a:solidFill>
-                <a:latin typeface="Miriam Libre" pitchFamily="2" charset="-79"/>
-                <a:cs typeface="Miriam Libre" pitchFamily="2" charset="-79"/>
-                <a:hlinkClick r:id="rId5"/>
-              </a:rPr>
-              <a:t>https://downloads.volatilityfoundation.org/releases/2.4/CheatSheet_v2.4.pdf</a:t>
-            </a:r>
-            <a:r>
-              <a:rPr lang="en-US" sz="2000" dirty="0">
-                <a:solidFill>
-                  <a:schemeClr val="bg1"/>
-                </a:solidFill>
-                <a:latin typeface="Miriam Libre" pitchFamily="2" charset="-79"/>
-                <a:cs typeface="Miriam Libre" pitchFamily="2" charset="-79"/>
-              </a:rPr>
-              <a:t>):</a:t>
-            </a:r>
-          </a:p>
-          <a:p>
-            <a:pPr marL="800100" lvl="1" indent="-342900">
-              <a:lnSpc>
-                <a:spcPct val="150000"/>
-              </a:lnSpc>
-              <a:buFont typeface="Arial" panose="020B0604020202020204" pitchFamily="34" charset="0"/>
-              <a:buChar char="•"/>
-            </a:pPr>
-            <a:r>
-              <a:rPr lang="en-US" sz="2000" b="1" dirty="0" err="1">
-                <a:solidFill>
-                  <a:schemeClr val="bg1"/>
-                </a:solidFill>
-                <a:latin typeface="Miriam Libre" pitchFamily="2" charset="-79"/>
-                <a:cs typeface="Miriam Libre" pitchFamily="2" charset="-79"/>
-              </a:rPr>
-              <a:t>imageinfo</a:t>
-            </a:r>
-            <a:r>
-              <a:rPr lang="en-US" sz="2000" dirty="0">
-                <a:solidFill>
-                  <a:schemeClr val="bg1"/>
-                </a:solidFill>
-                <a:latin typeface="Miriam Libre" pitchFamily="2" charset="-79"/>
-                <a:cs typeface="Miriam Libre" pitchFamily="2" charset="-79"/>
-              </a:rPr>
-              <a:t> – display general information about snapshot</a:t>
-            </a:r>
-          </a:p>
-          <a:p>
-            <a:pPr marL="800100" lvl="1" indent="-342900">
-              <a:lnSpc>
-                <a:spcPct val="150000"/>
-              </a:lnSpc>
-              <a:buFont typeface="Arial" panose="020B0604020202020204" pitchFamily="34" charset="0"/>
-              <a:buChar char="•"/>
-            </a:pPr>
-            <a:r>
-              <a:rPr lang="en-US" sz="2000" b="1" dirty="0" err="1">
-                <a:solidFill>
-                  <a:schemeClr val="bg1"/>
-                </a:solidFill>
-                <a:latin typeface="Miriam Libre" pitchFamily="2" charset="-79"/>
-                <a:cs typeface="Miriam Libre" pitchFamily="2" charset="-79"/>
-              </a:rPr>
-              <a:t>pslist</a:t>
-            </a:r>
-            <a:r>
-              <a:rPr lang="en-US" sz="2000" dirty="0">
-                <a:solidFill>
-                  <a:schemeClr val="bg1"/>
-                </a:solidFill>
-                <a:latin typeface="Miriam Libre" pitchFamily="2" charset="-79"/>
-                <a:cs typeface="Miriam Libre" pitchFamily="2" charset="-79"/>
-              </a:rPr>
-              <a:t> – live processes list during the snapshot</a:t>
-            </a:r>
-          </a:p>
-          <a:p>
-            <a:pPr marL="800100" lvl="1" indent="-342900">
-              <a:lnSpc>
-                <a:spcPct val="150000"/>
-              </a:lnSpc>
-              <a:buFont typeface="Arial" panose="020B0604020202020204" pitchFamily="34" charset="0"/>
-              <a:buChar char="•"/>
-            </a:pPr>
-            <a:r>
-              <a:rPr lang="en-US" sz="2000" b="1" dirty="0" err="1">
-                <a:solidFill>
-                  <a:schemeClr val="bg1"/>
-                </a:solidFill>
-                <a:latin typeface="Miriam Libre" pitchFamily="2" charset="-79"/>
-                <a:cs typeface="Miriam Libre" pitchFamily="2" charset="-79"/>
-              </a:rPr>
-              <a:t>netscan</a:t>
-            </a:r>
-            <a:r>
-              <a:rPr lang="en-US" sz="2000" dirty="0">
-                <a:solidFill>
-                  <a:schemeClr val="bg1"/>
-                </a:solidFill>
-                <a:latin typeface="Miriam Libre" pitchFamily="2" charset="-79"/>
-                <a:cs typeface="Miriam Libre" pitchFamily="2" charset="-79"/>
-              </a:rPr>
-              <a:t> – live connections during the snapshot</a:t>
+              <a:t>Keep in mind that forensics is a wide field with a lot of creativity and degrees of freedom involved in creating the challenges, and we won’t cover every branch in this session — just the ones most relevant to typical CTF challenges.</a:t>
             </a:r>
           </a:p>
         </p:txBody>
@@ -9152,7 +8994,7 @@
     </p:spTree>
     <p:extLst>
       <p:ext uri="{BB962C8B-B14F-4D97-AF65-F5344CB8AC3E}">
-        <p14:creationId xmlns:p14="http://schemas.microsoft.com/office/powerpoint/2010/main" val="1236571923"/>
+        <p14:creationId xmlns:p14="http://schemas.microsoft.com/office/powerpoint/2010/main" val="3612754697"/>
       </p:ext>
     </p:extLst>
   </p:cSld>
@@ -9194,7 +9036,7 @@
           <p:nvPr/>
         </p:nvPicPr>
         <p:blipFill>
-          <a:blip r:embed="rId3"/>
+          <a:blip r:embed="rId2"/>
           <a:srcRect/>
           <a:stretch/>
         </p:blipFill>
@@ -9339,7 +9181,7 @@
                 <a:latin typeface="Miriam Libre" pitchFamily="2" charset="-79"/>
                 <a:cs typeface="Miriam Libre" pitchFamily="2" charset="-79"/>
               </a:rPr>
-              <a:t>Memory forensics - example</a:t>
+              <a:t>Disk/File system forensics </a:t>
             </a:r>
             <a:endParaRPr lang="he-IL" sz="3200" b="1" dirty="0">
               <a:solidFill>
@@ -9352,12 +9194,41 @@
           </a:p>
         </p:txBody>
       </p:sp>
-      <p:sp>
-        <p:nvSpPr>
-          <p:cNvPr id="8" name="TextBox 7">
-            <a:extLst>
-              <a:ext uri="{FF2B5EF4-FFF2-40B4-BE49-F238E27FC236}">
-                <a16:creationId xmlns:a16="http://schemas.microsoft.com/office/drawing/2014/main" id="{0A5D91F2-EE24-3166-CD6C-BAFBC797325C}"/>
+      <p:pic>
+        <p:nvPicPr>
+          <p:cNvPr id="10" name="Picture 9">
+            <a:extLst>
+              <a:ext uri="{FF2B5EF4-FFF2-40B4-BE49-F238E27FC236}">
+                <a16:creationId xmlns:a16="http://schemas.microsoft.com/office/drawing/2014/main" id="{9F67AEC4-71D1-89EA-5D3E-E83882E2C956}"/>
+              </a:ext>
+            </a:extLst>
+          </p:cNvPr>
+          <p:cNvPicPr>
+            <a:picLocks noChangeAspect="1"/>
+          </p:cNvPicPr>
+          <p:nvPr/>
+        </p:nvPicPr>
+        <p:blipFill>
+          <a:blip r:embed="rId3"/>
+          <a:srcRect/>
+          <a:stretch/>
+        </p:blipFill>
+        <p:spPr>
+          <a:xfrm>
+            <a:off x="9000489" y="6377732"/>
+            <a:ext cx="2717380" cy="221561"/>
+          </a:xfrm>
+          <a:prstGeom prst="rect">
+            <a:avLst/>
+          </a:prstGeom>
+        </p:spPr>
+      </p:pic>
+      <p:sp>
+        <p:nvSpPr>
+          <p:cNvPr id="11" name="TextBox 10">
+            <a:extLst>
+              <a:ext uri="{FF2B5EF4-FFF2-40B4-BE49-F238E27FC236}">
+                <a16:creationId xmlns:a16="http://schemas.microsoft.com/office/drawing/2014/main" id="{F0AE44DD-9F90-453E-830F-60E9D499845F}"/>
               </a:ext>
             </a:extLst>
           </p:cNvPr>
@@ -9366,8 +9237,8 @@
         </p:nvSpPr>
         <p:spPr>
           <a:xfrm>
-            <a:off x="292971" y="6365895"/>
-            <a:ext cx="6097218" cy="253916"/>
+            <a:off x="143867" y="1167186"/>
+            <a:ext cx="11444790" cy="6055504"/>
           </a:xfrm>
           <a:prstGeom prst="rect">
             <a:avLst/>
@@ -9380,18 +9251,267 @@
           </a:bodyPr>
           <a:lstStyle/>
           <a:p>
-            <a:pPr marL="0" defTabSz="914400" eaLnBrk="1" latinLnBrk="0" hangingPunct="1"/>
-            <a:r>
-              <a:rPr lang="en-US" sz="1000" dirty="0">
+            <a:pPr marL="342900" indent="-342900">
+              <a:lnSpc>
+                <a:spcPct val="150000"/>
+              </a:lnSpc>
+              <a:buFont typeface="Arial" panose="020B0604020202020204" pitchFamily="34" charset="0"/>
+              <a:buChar char="•"/>
+            </a:pPr>
+            <a:r>
+              <a:rPr lang="en-US" sz="2000" dirty="0">
                 <a:solidFill>
                   <a:schemeClr val="bg1"/>
                 </a:solidFill>
                 <a:latin typeface="Miriam Libre" pitchFamily="2" charset="-79"/>
                 <a:cs typeface="Miriam Libre" pitchFamily="2" charset="-79"/>
               </a:rPr>
-              <a:t>Memory forensics - example</a:t>
-            </a:r>
-            <a:endParaRPr lang="en-IL" sz="1000" dirty="0">
+              <a:t>These challenges usually provide a disk image — a snapshot of a storage device’s (SSD, HDD, Flash drives, </a:t>
+            </a:r>
+            <a:r>
+              <a:rPr lang="en-US" sz="2000" dirty="0" err="1">
+                <a:solidFill>
+                  <a:schemeClr val="bg1"/>
+                </a:solidFill>
+                <a:latin typeface="Miriam Libre" pitchFamily="2" charset="-79"/>
+                <a:cs typeface="Miriam Libre" pitchFamily="2" charset="-79"/>
+              </a:rPr>
+              <a:t>etc</a:t>
+            </a:r>
+            <a:r>
+              <a:rPr lang="en-US" sz="2000" dirty="0">
+                <a:solidFill>
+                  <a:schemeClr val="bg1"/>
+                </a:solidFill>
+                <a:latin typeface="Miriam Libre" pitchFamily="2" charset="-79"/>
+                <a:cs typeface="Miriam Libre" pitchFamily="2" charset="-79"/>
+              </a:rPr>
+              <a:t>) contents and filesystem.</a:t>
+            </a:r>
+          </a:p>
+          <a:p>
+            <a:pPr marL="342900" indent="-342900">
+              <a:lnSpc>
+                <a:spcPct val="150000"/>
+              </a:lnSpc>
+              <a:buFont typeface="Arial" panose="020B0604020202020204" pitchFamily="34" charset="0"/>
+              <a:buChar char="•"/>
+            </a:pPr>
+            <a:r>
+              <a:rPr lang="en-US" sz="2000" dirty="0">
+                <a:solidFill>
+                  <a:schemeClr val="bg1"/>
+                </a:solidFill>
+                <a:latin typeface="Miriam Libre" pitchFamily="2" charset="-79"/>
+                <a:cs typeface="Miriam Libre" pitchFamily="2" charset="-79"/>
+              </a:rPr>
+              <a:t>Common tasks include retrieving some meta data about the system or recovering deleted files.</a:t>
+            </a:r>
+          </a:p>
+          <a:p>
+            <a:pPr marL="342900" indent="-342900">
+              <a:lnSpc>
+                <a:spcPct val="150000"/>
+              </a:lnSpc>
+              <a:buFont typeface="Arial" panose="020B0604020202020204" pitchFamily="34" charset="0"/>
+              <a:buChar char="•"/>
+            </a:pPr>
+            <a:r>
+              <a:rPr lang="en-US" sz="2000" dirty="0">
+                <a:solidFill>
+                  <a:schemeClr val="bg1"/>
+                </a:solidFill>
+                <a:latin typeface="Miriam Libre" pitchFamily="2" charset="-79"/>
+                <a:cs typeface="Miriam Libre" pitchFamily="2" charset="-79"/>
+              </a:rPr>
+              <a:t>There are several tools for analyzing disk images. One of the most commonly used is The </a:t>
+            </a:r>
+            <a:r>
+              <a:rPr lang="en-US" sz="2000" dirty="0" err="1">
+                <a:solidFill>
+                  <a:schemeClr val="bg1"/>
+                </a:solidFill>
+                <a:latin typeface="Miriam Libre" pitchFamily="2" charset="-79"/>
+                <a:cs typeface="Miriam Libre" pitchFamily="2" charset="-79"/>
+              </a:rPr>
+              <a:t>SleuthKit</a:t>
+            </a:r>
+            <a:r>
+              <a:rPr lang="en-US" sz="2000" dirty="0">
+                <a:solidFill>
+                  <a:schemeClr val="bg1"/>
+                </a:solidFill>
+                <a:latin typeface="Miriam Libre" pitchFamily="2" charset="-79"/>
+                <a:cs typeface="Miriam Libre" pitchFamily="2" charset="-79"/>
+              </a:rPr>
+              <a:t>, a collection of command-line utilities for filesystem forensics. The </a:t>
+            </a:r>
+            <a:r>
+              <a:rPr lang="en-US" sz="2000" dirty="0" err="1">
+                <a:solidFill>
+                  <a:schemeClr val="bg1"/>
+                </a:solidFill>
+                <a:latin typeface="Miriam Libre" pitchFamily="2" charset="-79"/>
+                <a:cs typeface="Miriam Libre" pitchFamily="2" charset="-79"/>
+                <a:hlinkClick r:id="rId4"/>
+              </a:rPr>
+              <a:t>SleuthKit</a:t>
+            </a:r>
+            <a:r>
+              <a:rPr lang="en-US" sz="2000" dirty="0">
+                <a:solidFill>
+                  <a:schemeClr val="bg1"/>
+                </a:solidFill>
+                <a:latin typeface="Miriam Libre" pitchFamily="2" charset="-79"/>
+                <a:cs typeface="Miriam Libre" pitchFamily="2" charset="-79"/>
+                <a:hlinkClick r:id="rId4"/>
+              </a:rPr>
+              <a:t> Wiki</a:t>
+            </a:r>
+            <a:r>
+              <a:rPr lang="en-US" sz="2000" dirty="0">
+                <a:solidFill>
+                  <a:schemeClr val="bg1"/>
+                </a:solidFill>
+                <a:latin typeface="Miriam Libre" pitchFamily="2" charset="-79"/>
+                <a:cs typeface="Miriam Libre" pitchFamily="2" charset="-79"/>
+              </a:rPr>
+              <a:t> is a great resource for that.</a:t>
+            </a:r>
+          </a:p>
+          <a:p>
+            <a:pPr marL="342900" indent="-342900">
+              <a:lnSpc>
+                <a:spcPct val="150000"/>
+              </a:lnSpc>
+              <a:buFont typeface="Arial" panose="020B0604020202020204" pitchFamily="34" charset="0"/>
+              <a:buChar char="•"/>
+            </a:pPr>
+            <a:r>
+              <a:rPr lang="en-US" sz="2000" dirty="0">
+                <a:solidFill>
+                  <a:schemeClr val="bg1"/>
+                </a:solidFill>
+                <a:latin typeface="Miriam Libre" pitchFamily="2" charset="-79"/>
+                <a:cs typeface="Miriam Libre" pitchFamily="2" charset="-79"/>
+              </a:rPr>
+              <a:t>Some common usage:</a:t>
+            </a:r>
+          </a:p>
+          <a:p>
+            <a:pPr marL="800100" lvl="1" indent="-342900">
+              <a:lnSpc>
+                <a:spcPct val="150000"/>
+              </a:lnSpc>
+              <a:buFont typeface="Arial" panose="020B0604020202020204" pitchFamily="34" charset="0"/>
+              <a:buChar char="•"/>
+            </a:pPr>
+            <a:r>
+              <a:rPr lang="en-US" sz="2000" b="1" dirty="0" err="1">
+                <a:solidFill>
+                  <a:schemeClr val="bg1"/>
+                </a:solidFill>
+                <a:latin typeface="Miriam Libre" pitchFamily="2" charset="-79"/>
+                <a:cs typeface="Miriam Libre" pitchFamily="2" charset="-79"/>
+              </a:rPr>
+              <a:t>mmls</a:t>
+            </a:r>
+            <a:r>
+              <a:rPr lang="en-US" sz="2000" dirty="0">
+                <a:solidFill>
+                  <a:schemeClr val="bg1"/>
+                </a:solidFill>
+                <a:latin typeface="Miriam Libre" pitchFamily="2" charset="-79"/>
+                <a:cs typeface="Miriam Libre" pitchFamily="2" charset="-79"/>
+              </a:rPr>
+              <a:t> – displays the different partition of the image.</a:t>
+            </a:r>
+          </a:p>
+          <a:p>
+            <a:pPr marL="800100" lvl="1" indent="-342900">
+              <a:lnSpc>
+                <a:spcPct val="150000"/>
+              </a:lnSpc>
+              <a:buFont typeface="Arial" panose="020B0604020202020204" pitchFamily="34" charset="0"/>
+              <a:buChar char="•"/>
+            </a:pPr>
+            <a:r>
+              <a:rPr lang="en-US" sz="2000" b="1" dirty="0" err="1">
+                <a:solidFill>
+                  <a:schemeClr val="bg1"/>
+                </a:solidFill>
+                <a:latin typeface="Miriam Libre" pitchFamily="2" charset="-79"/>
+                <a:cs typeface="Miriam Libre" pitchFamily="2" charset="-79"/>
+              </a:rPr>
+              <a:t>fls</a:t>
+            </a:r>
+            <a:r>
+              <a:rPr lang="en-US" sz="2000" dirty="0">
+                <a:solidFill>
+                  <a:schemeClr val="bg1"/>
+                </a:solidFill>
+                <a:latin typeface="Miriam Libre" pitchFamily="2" charset="-79"/>
+                <a:cs typeface="Miriam Libre" pitchFamily="2" charset="-79"/>
+              </a:rPr>
+              <a:t> – lists files/directories in the file system.</a:t>
+            </a:r>
+          </a:p>
+          <a:p>
+            <a:pPr marL="800100" lvl="1" indent="-342900">
+              <a:lnSpc>
+                <a:spcPct val="150000"/>
+              </a:lnSpc>
+              <a:buFont typeface="Arial" panose="020B0604020202020204" pitchFamily="34" charset="0"/>
+              <a:buChar char="•"/>
+            </a:pPr>
+            <a:r>
+              <a:rPr lang="en-US" sz="2000" b="1" dirty="0" err="1">
+                <a:solidFill>
+                  <a:schemeClr val="bg1"/>
+                </a:solidFill>
+                <a:latin typeface="Miriam Libre" pitchFamily="2" charset="-79"/>
+                <a:cs typeface="Miriam Libre" pitchFamily="2" charset="-79"/>
+              </a:rPr>
+              <a:t>icat</a:t>
+            </a:r>
+            <a:r>
+              <a:rPr lang="en-US" sz="2000" dirty="0">
+                <a:solidFill>
+                  <a:schemeClr val="bg1"/>
+                </a:solidFill>
+                <a:latin typeface="Miriam Libre" pitchFamily="2" charset="-79"/>
+                <a:cs typeface="Miriam Libre" pitchFamily="2" charset="-79"/>
+              </a:rPr>
+              <a:t> – print the contents of a file in the filesystem, based on it’s </a:t>
+            </a:r>
+            <a:r>
+              <a:rPr lang="en-US" sz="2000" dirty="0" err="1">
+                <a:solidFill>
+                  <a:schemeClr val="bg1"/>
+                </a:solidFill>
+                <a:latin typeface="Miriam Libre" pitchFamily="2" charset="-79"/>
+                <a:cs typeface="Miriam Libre" pitchFamily="2" charset="-79"/>
+              </a:rPr>
+              <a:t>inode</a:t>
+            </a:r>
+            <a:r>
+              <a:rPr lang="en-US" sz="2000" dirty="0">
+                <a:solidFill>
+                  <a:schemeClr val="bg1"/>
+                </a:solidFill>
+                <a:latin typeface="Miriam Libre" pitchFamily="2" charset="-79"/>
+                <a:cs typeface="Miriam Libre" pitchFamily="2" charset="-79"/>
+              </a:rPr>
+              <a:t> number.</a:t>
+            </a:r>
+          </a:p>
+          <a:p>
+            <a:pPr>
+              <a:lnSpc>
+                <a:spcPct val="150000"/>
+              </a:lnSpc>
+            </a:pPr>
+            <a:endParaRPr lang="en-US" sz="2000" dirty="0">
               <a:solidFill>
                 <a:schemeClr val="bg1"/>
               </a:solidFill>
@@ -9399,84 +9519,15 @@
               <a:cs typeface="Miriam Libre" pitchFamily="2" charset="-79"/>
             </a:endParaRPr>
           </a:p>
-        </p:txBody>
-      </p:sp>
-      <p:pic>
-        <p:nvPicPr>
-          <p:cNvPr id="10" name="Picture 9">
-            <a:extLst>
-              <a:ext uri="{FF2B5EF4-FFF2-40B4-BE49-F238E27FC236}">
-                <a16:creationId xmlns:a16="http://schemas.microsoft.com/office/drawing/2014/main" id="{9F67AEC4-71D1-89EA-5D3E-E83882E2C956}"/>
-              </a:ext>
-            </a:extLst>
-          </p:cNvPr>
-          <p:cNvPicPr>
-            <a:picLocks noChangeAspect="1"/>
-          </p:cNvPicPr>
-          <p:nvPr/>
-        </p:nvPicPr>
-        <p:blipFill>
-          <a:blip r:embed="rId4"/>
-          <a:srcRect/>
-          <a:stretch/>
-        </p:blipFill>
-        <p:spPr>
-          <a:xfrm>
-            <a:off x="9000489" y="6377732"/>
-            <a:ext cx="2717380" cy="221561"/>
-          </a:xfrm>
-          <a:prstGeom prst="rect">
-            <a:avLst/>
-          </a:prstGeom>
-        </p:spPr>
-      </p:pic>
-      <p:sp>
-        <p:nvSpPr>
-          <p:cNvPr id="12" name="TextBox 11">
-            <a:extLst>
-              <a:ext uri="{FF2B5EF4-FFF2-40B4-BE49-F238E27FC236}">
-                <a16:creationId xmlns:a16="http://schemas.microsoft.com/office/drawing/2014/main" id="{8B202E12-9199-4F4E-A4AD-A994ECFF6381}"/>
-              </a:ext>
-            </a:extLst>
-          </p:cNvPr>
-          <p:cNvSpPr txBox="1"/>
-          <p:nvPr/>
-        </p:nvSpPr>
-        <p:spPr>
-          <a:xfrm>
-            <a:off x="363850" y="3044279"/>
-            <a:ext cx="11444790" cy="769441"/>
-          </a:xfrm>
-          <a:prstGeom prst="rect">
-            <a:avLst/>
-          </a:prstGeom>
-          <a:noFill/>
-        </p:spPr>
-        <p:txBody>
-          <a:bodyPr wrap="square">
-            <a:spAutoFit/>
-          </a:bodyPr>
-          <a:lstStyle/>
-          <a:p>
-            <a:pPr marL="457200" indent="-457200" algn="ctr">
+          <a:p>
+            <a:pPr marL="342900" indent="-342900">
               <a:lnSpc>
                 <a:spcPct val="150000"/>
               </a:lnSpc>
               <a:buFont typeface="Arial" panose="020B0604020202020204" pitchFamily="34" charset="0"/>
               <a:buChar char="•"/>
             </a:pPr>
-            <a:r>
-              <a:rPr lang="en-US" sz="3200" dirty="0">
-                <a:solidFill>
-                  <a:schemeClr val="bg1"/>
-                </a:solidFill>
-                <a:latin typeface="Miriam Libre" pitchFamily="2" charset="-79"/>
-                <a:cs typeface="Miriam Libre" pitchFamily="2" charset="-79"/>
-                <a:hlinkClick r:id="rId5"/>
-              </a:rPr>
-              <a:t>https://app.hackthebox.com/challenges/Reminiscent</a:t>
-            </a:r>
-            <a:endParaRPr lang="en-US" sz="3200" dirty="0">
+            <a:endParaRPr lang="en-US" sz="2000" dirty="0">
               <a:solidFill>
                 <a:schemeClr val="bg1"/>
               </a:solidFill>
@@ -9489,7 +9540,7 @@
     </p:spTree>
     <p:extLst>
       <p:ext uri="{BB962C8B-B14F-4D97-AF65-F5344CB8AC3E}">
-        <p14:creationId xmlns:p14="http://schemas.microsoft.com/office/powerpoint/2010/main" val="1431196577"/>
+        <p14:creationId xmlns:p14="http://schemas.microsoft.com/office/powerpoint/2010/main" val="1031598542"/>
       </p:ext>
     </p:extLst>
   </p:cSld>
@@ -9531,7 +9582,7 @@
           <p:nvPr/>
         </p:nvPicPr>
         <p:blipFill>
-          <a:blip r:embed="rId2"/>
+          <a:blip r:embed="rId3"/>
           <a:srcRect/>
           <a:stretch/>
         </p:blipFill>
@@ -9676,7 +9727,7 @@
                 <a:latin typeface="Miriam Libre" pitchFamily="2" charset="-79"/>
                 <a:cs typeface="Miriam Libre" pitchFamily="2" charset="-79"/>
               </a:rPr>
-              <a:t>Disk/File system forensics </a:t>
+              <a:t>Disk/File system forensics - example</a:t>
             </a:r>
             <a:endParaRPr lang="he-IL" sz="3200" b="1" dirty="0">
               <a:solidFill>
@@ -9689,12 +9740,41 @@
           </a:p>
         </p:txBody>
       </p:sp>
-      <p:sp>
-        <p:nvSpPr>
-          <p:cNvPr id="8" name="TextBox 7">
-            <a:extLst>
-              <a:ext uri="{FF2B5EF4-FFF2-40B4-BE49-F238E27FC236}">
-                <a16:creationId xmlns:a16="http://schemas.microsoft.com/office/drawing/2014/main" id="{0A5D91F2-EE24-3166-CD6C-BAFBC797325C}"/>
+      <p:pic>
+        <p:nvPicPr>
+          <p:cNvPr id="10" name="Picture 9">
+            <a:extLst>
+              <a:ext uri="{FF2B5EF4-FFF2-40B4-BE49-F238E27FC236}">
+                <a16:creationId xmlns:a16="http://schemas.microsoft.com/office/drawing/2014/main" id="{9F67AEC4-71D1-89EA-5D3E-E83882E2C956}"/>
+              </a:ext>
+            </a:extLst>
+          </p:cNvPr>
+          <p:cNvPicPr>
+            <a:picLocks noChangeAspect="1"/>
+          </p:cNvPicPr>
+          <p:nvPr/>
+        </p:nvPicPr>
+        <p:blipFill>
+          <a:blip r:embed="rId4"/>
+          <a:srcRect/>
+          <a:stretch/>
+        </p:blipFill>
+        <p:spPr>
+          <a:xfrm>
+            <a:off x="9000489" y="6377732"/>
+            <a:ext cx="2717380" cy="221561"/>
+          </a:xfrm>
+          <a:prstGeom prst="rect">
+            <a:avLst/>
+          </a:prstGeom>
+        </p:spPr>
+      </p:pic>
+      <p:sp>
+        <p:nvSpPr>
+          <p:cNvPr id="12" name="TextBox 11">
+            <a:extLst>
+              <a:ext uri="{FF2B5EF4-FFF2-40B4-BE49-F238E27FC236}">
+                <a16:creationId xmlns:a16="http://schemas.microsoft.com/office/drawing/2014/main" id="{8B202E12-9199-4F4E-A4AD-A994ECFF6381}"/>
               </a:ext>
             </a:extLst>
           </p:cNvPr>
@@ -9703,8 +9783,8 @@
         </p:nvSpPr>
         <p:spPr>
           <a:xfrm>
-            <a:off x="292971" y="6365895"/>
-            <a:ext cx="6097218" cy="253916"/>
+            <a:off x="363850" y="3044279"/>
+            <a:ext cx="11444790" cy="600164"/>
           </a:xfrm>
           <a:prstGeom prst="rect">
             <a:avLst/>
@@ -9717,18 +9797,25 @@
           </a:bodyPr>
           <a:lstStyle/>
           <a:p>
-            <a:pPr marL="0" defTabSz="914400" eaLnBrk="1" latinLnBrk="0" hangingPunct="1"/>
-            <a:r>
-              <a:rPr lang="en-US" sz="1000" dirty="0">
+            <a:pPr marL="457200" indent="-457200" algn="ctr">
+              <a:lnSpc>
+                <a:spcPct val="150000"/>
+              </a:lnSpc>
+              <a:buFont typeface="Arial" panose="020B0604020202020204" pitchFamily="34" charset="0"/>
+              <a:buChar char="•"/>
+            </a:pPr>
+            <a:r>
+              <a:rPr lang="en-US" sz="2400" dirty="0">
                 <a:solidFill>
                   <a:schemeClr val="bg1"/>
                 </a:solidFill>
                 <a:latin typeface="Miriam Libre" pitchFamily="2" charset="-79"/>
                 <a:cs typeface="Miriam Libre" pitchFamily="2" charset="-79"/>
-              </a:rPr>
-              <a:t>Memory forensics</a:t>
-            </a:r>
-            <a:endParaRPr lang="en-IL" sz="1000" dirty="0">
+                <a:hlinkClick r:id="rId5"/>
+              </a:rPr>
+              <a:t>https://www.root-me.org/fr/Challenges/Forensic/Fichier-supprime</a:t>
+            </a:r>
+            <a:endParaRPr lang="en-US" sz="2400" dirty="0">
               <a:solidFill>
                 <a:schemeClr val="bg1"/>
               </a:solidFill>
@@ -9738,333 +9825,10 @@
           </a:p>
         </p:txBody>
       </p:sp>
-      <p:pic>
-        <p:nvPicPr>
-          <p:cNvPr id="10" name="Picture 9">
-            <a:extLst>
-              <a:ext uri="{FF2B5EF4-FFF2-40B4-BE49-F238E27FC236}">
-                <a16:creationId xmlns:a16="http://schemas.microsoft.com/office/drawing/2014/main" id="{9F67AEC4-71D1-89EA-5D3E-E83882E2C956}"/>
-              </a:ext>
-            </a:extLst>
-          </p:cNvPr>
-          <p:cNvPicPr>
-            <a:picLocks noChangeAspect="1"/>
-          </p:cNvPicPr>
-          <p:nvPr/>
-        </p:nvPicPr>
-        <p:blipFill>
-          <a:blip r:embed="rId3"/>
-          <a:srcRect/>
-          <a:stretch/>
-        </p:blipFill>
-        <p:spPr>
-          <a:xfrm>
-            <a:off x="9000489" y="6377732"/>
-            <a:ext cx="2717380" cy="221561"/>
-          </a:xfrm>
-          <a:prstGeom prst="rect">
-            <a:avLst/>
-          </a:prstGeom>
-        </p:spPr>
-      </p:pic>
-      <p:sp>
-        <p:nvSpPr>
-          <p:cNvPr id="11" name="TextBox 10">
-            <a:extLst>
-              <a:ext uri="{FF2B5EF4-FFF2-40B4-BE49-F238E27FC236}">
-                <a16:creationId xmlns:a16="http://schemas.microsoft.com/office/drawing/2014/main" id="{F0AE44DD-9F90-453E-830F-60E9D499845F}"/>
-              </a:ext>
-            </a:extLst>
-          </p:cNvPr>
-          <p:cNvSpPr txBox="1"/>
-          <p:nvPr/>
-        </p:nvSpPr>
-        <p:spPr>
-          <a:xfrm>
-            <a:off x="292971" y="1167186"/>
-            <a:ext cx="11444790" cy="5593839"/>
-          </a:xfrm>
-          <a:prstGeom prst="rect">
-            <a:avLst/>
-          </a:prstGeom>
-          <a:noFill/>
-        </p:spPr>
-        <p:txBody>
-          <a:bodyPr wrap="square">
-            <a:spAutoFit/>
-          </a:bodyPr>
-          <a:lstStyle/>
-          <a:p>
-            <a:pPr marL="342900" indent="-342900">
-              <a:lnSpc>
-                <a:spcPct val="150000"/>
-              </a:lnSpc>
-              <a:buFont typeface="Arial" panose="020B0604020202020204" pitchFamily="34" charset="0"/>
-              <a:buChar char="•"/>
-            </a:pPr>
-            <a:r>
-              <a:rPr lang="en-US" sz="2000" dirty="0">
-                <a:solidFill>
-                  <a:schemeClr val="bg1"/>
-                </a:solidFill>
-                <a:latin typeface="Miriam Libre" pitchFamily="2" charset="-79"/>
-                <a:cs typeface="Miriam Libre" pitchFamily="2" charset="-79"/>
-              </a:rPr>
-              <a:t>This type of challenges usually provide us with an image that contains the state of some device. This can be an SSD, hard drives/USB sticks, Flash drives, or basically anything that contains some sort of file system.</a:t>
-            </a:r>
-          </a:p>
-          <a:p>
-            <a:pPr marL="342900" indent="-342900">
-              <a:lnSpc>
-                <a:spcPct val="150000"/>
-              </a:lnSpc>
-              <a:buFont typeface="Arial" panose="020B0604020202020204" pitchFamily="34" charset="0"/>
-              <a:buChar char="•"/>
-            </a:pPr>
-            <a:r>
-              <a:rPr lang="en-US" sz="2000" dirty="0">
-                <a:solidFill>
-                  <a:schemeClr val="bg1"/>
-                </a:solidFill>
-                <a:latin typeface="Miriam Libre" pitchFamily="2" charset="-79"/>
-                <a:cs typeface="Miriam Libre" pitchFamily="2" charset="-79"/>
-              </a:rPr>
-              <a:t>The most common task is to recover some deleted file.</a:t>
-            </a:r>
-          </a:p>
-          <a:p>
-            <a:pPr marL="342900" indent="-342900">
-              <a:lnSpc>
-                <a:spcPct val="150000"/>
-              </a:lnSpc>
-              <a:buFont typeface="Arial" panose="020B0604020202020204" pitchFamily="34" charset="0"/>
-              <a:buChar char="•"/>
-            </a:pPr>
-            <a:r>
-              <a:rPr lang="en-US" sz="2000" dirty="0">
-                <a:solidFill>
-                  <a:schemeClr val="bg1"/>
-                </a:solidFill>
-                <a:latin typeface="Miriam Libre" pitchFamily="2" charset="-79"/>
-                <a:cs typeface="Miriam Libre" pitchFamily="2" charset="-79"/>
-              </a:rPr>
-              <a:t>There are various tools that can analyze image files, a common one is a set of tools called </a:t>
-            </a:r>
-            <a:r>
-              <a:rPr lang="en-US" sz="2000" b="1" dirty="0" err="1">
-                <a:solidFill>
-                  <a:schemeClr val="bg1"/>
-                </a:solidFill>
-                <a:latin typeface="Miriam Libre" pitchFamily="2" charset="-79"/>
-                <a:cs typeface="Miriam Libre" pitchFamily="2" charset="-79"/>
-              </a:rPr>
-              <a:t>SleuthKit</a:t>
-            </a:r>
-            <a:r>
-              <a:rPr lang="en-US" sz="2000" dirty="0">
-                <a:solidFill>
-                  <a:schemeClr val="bg1"/>
-                </a:solidFill>
-                <a:latin typeface="Miriam Libre" pitchFamily="2" charset="-79"/>
-                <a:cs typeface="Miriam Libre" pitchFamily="2" charset="-79"/>
-              </a:rPr>
-              <a:t>. The </a:t>
-            </a:r>
-            <a:r>
-              <a:rPr lang="en-US" sz="2000" dirty="0" err="1">
-                <a:solidFill>
-                  <a:schemeClr val="bg1"/>
-                </a:solidFill>
-                <a:latin typeface="Miriam Libre" pitchFamily="2" charset="-79"/>
-                <a:cs typeface="Miriam Libre" pitchFamily="2" charset="-79"/>
-                <a:hlinkClick r:id="rId4"/>
-              </a:rPr>
-              <a:t>SleuthKit</a:t>
-            </a:r>
-            <a:r>
-              <a:rPr lang="en-US" sz="2000" dirty="0">
-                <a:solidFill>
-                  <a:schemeClr val="bg1"/>
-                </a:solidFill>
-                <a:latin typeface="Miriam Libre" pitchFamily="2" charset="-79"/>
-                <a:cs typeface="Miriam Libre" pitchFamily="2" charset="-79"/>
-                <a:hlinkClick r:id="rId4"/>
-              </a:rPr>
-              <a:t> Wiki</a:t>
-            </a:r>
-            <a:r>
-              <a:rPr lang="en-US" sz="2000" dirty="0">
-                <a:solidFill>
-                  <a:schemeClr val="bg1"/>
-                </a:solidFill>
-                <a:latin typeface="Miriam Libre" pitchFamily="2" charset="-79"/>
-                <a:cs typeface="Miriam Libre" pitchFamily="2" charset="-79"/>
-              </a:rPr>
-              <a:t> is a great resource for that.</a:t>
-            </a:r>
-          </a:p>
-          <a:p>
-            <a:pPr marL="342900" indent="-342900">
-              <a:lnSpc>
-                <a:spcPct val="150000"/>
-              </a:lnSpc>
-              <a:buFont typeface="Arial" panose="020B0604020202020204" pitchFamily="34" charset="0"/>
-              <a:buChar char="•"/>
-            </a:pPr>
-            <a:r>
-              <a:rPr lang="en-US" sz="2000" dirty="0">
-                <a:solidFill>
-                  <a:schemeClr val="bg1"/>
-                </a:solidFill>
-                <a:latin typeface="Miriam Libre" pitchFamily="2" charset="-79"/>
-                <a:cs typeface="Miriam Libre" pitchFamily="2" charset="-79"/>
-              </a:rPr>
-              <a:t>Some common usage:</a:t>
-            </a:r>
-          </a:p>
-          <a:p>
-            <a:pPr marL="342900" indent="-342900">
-              <a:lnSpc>
-                <a:spcPct val="150000"/>
-              </a:lnSpc>
-              <a:buFont typeface="Arial" panose="020B0604020202020204" pitchFamily="34" charset="0"/>
-              <a:buChar char="•"/>
-            </a:pPr>
-            <a:r>
-              <a:rPr lang="en-US" sz="2000" b="1" dirty="0" err="1">
-                <a:solidFill>
-                  <a:schemeClr val="bg1"/>
-                </a:solidFill>
-                <a:latin typeface="Miriam Libre" pitchFamily="2" charset="-79"/>
-                <a:cs typeface="Miriam Libre" pitchFamily="2" charset="-79"/>
-              </a:rPr>
-              <a:t>mmls</a:t>
-            </a:r>
-            <a:r>
-              <a:rPr lang="en-US" sz="2000" dirty="0">
-                <a:solidFill>
-                  <a:schemeClr val="bg1"/>
-                </a:solidFill>
-                <a:latin typeface="Miriam Libre" pitchFamily="2" charset="-79"/>
-                <a:cs typeface="Miriam Libre" pitchFamily="2" charset="-79"/>
-              </a:rPr>
-              <a:t> – displays the different partition of the image</a:t>
-            </a:r>
-          </a:p>
-          <a:p>
-            <a:pPr marL="342900" indent="-342900">
-              <a:lnSpc>
-                <a:spcPct val="150000"/>
-              </a:lnSpc>
-              <a:buFont typeface="Arial" panose="020B0604020202020204" pitchFamily="34" charset="0"/>
-              <a:buChar char="•"/>
-            </a:pPr>
-            <a:r>
-              <a:rPr lang="en-US" sz="2000" b="1" dirty="0" err="1">
-                <a:solidFill>
-                  <a:schemeClr val="bg1"/>
-                </a:solidFill>
-                <a:latin typeface="Miriam Libre" pitchFamily="2" charset="-79"/>
-                <a:cs typeface="Miriam Libre" pitchFamily="2" charset="-79"/>
-              </a:rPr>
-              <a:t>fls</a:t>
-            </a:r>
-            <a:r>
-              <a:rPr lang="en-US" sz="2000" dirty="0">
-                <a:solidFill>
-                  <a:schemeClr val="bg1"/>
-                </a:solidFill>
-                <a:latin typeface="Miriam Libre" pitchFamily="2" charset="-79"/>
-                <a:cs typeface="Miriam Libre" pitchFamily="2" charset="-79"/>
-              </a:rPr>
-              <a:t> – lists files/directories in file system</a:t>
-            </a:r>
-          </a:p>
-          <a:p>
-            <a:pPr marL="342900" indent="-342900">
-              <a:lnSpc>
-                <a:spcPct val="150000"/>
-              </a:lnSpc>
-              <a:buFont typeface="Arial" panose="020B0604020202020204" pitchFamily="34" charset="0"/>
-              <a:buChar char="•"/>
-            </a:pPr>
-            <a:r>
-              <a:rPr lang="en-US" sz="2000" b="1" dirty="0" err="1">
-                <a:solidFill>
-                  <a:schemeClr val="bg1"/>
-                </a:solidFill>
-                <a:latin typeface="Miriam Libre" pitchFamily="2" charset="-79"/>
-                <a:cs typeface="Miriam Libre" pitchFamily="2" charset="-79"/>
-              </a:rPr>
-              <a:t>icat</a:t>
-            </a:r>
-            <a:r>
-              <a:rPr lang="en-US" sz="2000" dirty="0">
-                <a:solidFill>
-                  <a:schemeClr val="bg1"/>
-                </a:solidFill>
-                <a:latin typeface="Miriam Libre" pitchFamily="2" charset="-79"/>
-                <a:cs typeface="Miriam Libre" pitchFamily="2" charset="-79"/>
-              </a:rPr>
-              <a:t> – print the contents of a file in the filesystem, based on it’s </a:t>
-            </a:r>
-            <a:r>
-              <a:rPr lang="en-US" sz="2000" dirty="0" err="1">
-                <a:solidFill>
-                  <a:schemeClr val="bg1"/>
-                </a:solidFill>
-                <a:latin typeface="Miriam Libre" pitchFamily="2" charset="-79"/>
-                <a:cs typeface="Miriam Libre" pitchFamily="2" charset="-79"/>
-              </a:rPr>
-              <a:t>inode</a:t>
-            </a:r>
-            <a:r>
-              <a:rPr lang="en-US" sz="2000" dirty="0">
-                <a:solidFill>
-                  <a:schemeClr val="bg1"/>
-                </a:solidFill>
-                <a:latin typeface="Miriam Libre" pitchFamily="2" charset="-79"/>
-                <a:cs typeface="Miriam Libre" pitchFamily="2" charset="-79"/>
-              </a:rPr>
-              <a:t> number</a:t>
-            </a:r>
-          </a:p>
-          <a:p>
-            <a:pPr>
-              <a:lnSpc>
-                <a:spcPct val="150000"/>
-              </a:lnSpc>
-            </a:pPr>
-            <a:endParaRPr lang="en-US" sz="2000" dirty="0">
-              <a:solidFill>
-                <a:schemeClr val="bg1"/>
-              </a:solidFill>
-              <a:latin typeface="Miriam Libre" pitchFamily="2" charset="-79"/>
-              <a:cs typeface="Miriam Libre" pitchFamily="2" charset="-79"/>
-            </a:endParaRPr>
-          </a:p>
-          <a:p>
-            <a:pPr marL="342900" indent="-342900">
-              <a:lnSpc>
-                <a:spcPct val="150000"/>
-              </a:lnSpc>
-              <a:buFont typeface="Arial" panose="020B0604020202020204" pitchFamily="34" charset="0"/>
-              <a:buChar char="•"/>
-            </a:pPr>
-            <a:endParaRPr lang="en-US" sz="2000" dirty="0">
-              <a:solidFill>
-                <a:schemeClr val="bg1"/>
-              </a:solidFill>
-              <a:latin typeface="Miriam Libre" pitchFamily="2" charset="-79"/>
-              <a:cs typeface="Miriam Libre" pitchFamily="2" charset="-79"/>
-            </a:endParaRPr>
-          </a:p>
-        </p:txBody>
-      </p:sp>
     </p:spTree>
     <p:extLst>
       <p:ext uri="{BB962C8B-B14F-4D97-AF65-F5344CB8AC3E}">
-        <p14:creationId xmlns:p14="http://schemas.microsoft.com/office/powerpoint/2010/main" val="1031598542"/>
+        <p14:creationId xmlns:p14="http://schemas.microsoft.com/office/powerpoint/2010/main" val="3992643655"/>
       </p:ext>
     </p:extLst>
   </p:cSld>
@@ -10251,62 +10015,13 @@
                 <a:latin typeface="Miriam Libre" pitchFamily="2" charset="-79"/>
                 <a:cs typeface="Miriam Libre" pitchFamily="2" charset="-79"/>
               </a:rPr>
-              <a:t>Disk/File system forensics - example</a:t>
+              <a:t>Network forensics</a:t>
             </a:r>
             <a:endParaRPr lang="he-IL" sz="3200" b="1" dirty="0">
               <a:solidFill>
                 <a:srgbClr val="24272C"/>
               </a:solidFill>
               <a:effectLst/>
-              <a:latin typeface="Miriam Libre" pitchFamily="2" charset="-79"/>
-              <a:cs typeface="Miriam Libre" pitchFamily="2" charset="-79"/>
-            </a:endParaRPr>
-          </a:p>
-        </p:txBody>
-      </p:sp>
-      <p:sp>
-        <p:nvSpPr>
-          <p:cNvPr id="8" name="TextBox 7">
-            <a:extLst>
-              <a:ext uri="{FF2B5EF4-FFF2-40B4-BE49-F238E27FC236}">
-                <a16:creationId xmlns:a16="http://schemas.microsoft.com/office/drawing/2014/main" id="{0A5D91F2-EE24-3166-CD6C-BAFBC797325C}"/>
-              </a:ext>
-            </a:extLst>
-          </p:cNvPr>
-          <p:cNvSpPr txBox="1"/>
-          <p:nvPr/>
-        </p:nvSpPr>
-        <p:spPr>
-          <a:xfrm>
-            <a:off x="292971" y="6365895"/>
-            <a:ext cx="6097218" cy="253916"/>
-          </a:xfrm>
-          <a:prstGeom prst="rect">
-            <a:avLst/>
-          </a:prstGeom>
-          <a:noFill/>
-        </p:spPr>
-        <p:txBody>
-          <a:bodyPr wrap="square">
-            <a:spAutoFit/>
-          </a:bodyPr>
-          <a:lstStyle/>
-          <a:p>
-            <a:pPr marL="0" defTabSz="914400" eaLnBrk="1" latinLnBrk="0" hangingPunct="1"/>
-            <a:r>
-              <a:rPr lang="en-US" sz="1000" dirty="0">
-                <a:solidFill>
-                  <a:schemeClr val="bg1"/>
-                </a:solidFill>
-                <a:latin typeface="Miriam Libre" pitchFamily="2" charset="-79"/>
-                <a:cs typeface="Miriam Libre" pitchFamily="2" charset="-79"/>
-              </a:rPr>
-              <a:t>Memory forensics - example</a:t>
-            </a:r>
-            <a:endParaRPr lang="en-IL" sz="1000" dirty="0">
-              <a:solidFill>
-                <a:schemeClr val="bg1"/>
-              </a:solidFill>
               <a:latin typeface="Miriam Libre" pitchFamily="2" charset="-79"/>
               <a:cs typeface="Miriam Libre" pitchFamily="2" charset="-79"/>
             </a:endParaRPr>
@@ -10344,10 +10059,10 @@
       </p:pic>
       <p:sp>
         <p:nvSpPr>
-          <p:cNvPr id="12" name="TextBox 11">
-            <a:extLst>
-              <a:ext uri="{FF2B5EF4-FFF2-40B4-BE49-F238E27FC236}">
-                <a16:creationId xmlns:a16="http://schemas.microsoft.com/office/drawing/2014/main" id="{8B202E12-9199-4F4E-A4AD-A994ECFF6381}"/>
+          <p:cNvPr id="11" name="TextBox 10">
+            <a:extLst>
+              <a:ext uri="{FF2B5EF4-FFF2-40B4-BE49-F238E27FC236}">
+                <a16:creationId xmlns:a16="http://schemas.microsoft.com/office/drawing/2014/main" id="{F0AE44DD-9F90-453E-830F-60E9D499845F}"/>
               </a:ext>
             </a:extLst>
           </p:cNvPr>
@@ -10356,8 +10071,8 @@
         </p:nvSpPr>
         <p:spPr>
           <a:xfrm>
-            <a:off x="363850" y="3044279"/>
-            <a:ext cx="11444790" cy="600164"/>
+            <a:off x="292971" y="1167186"/>
+            <a:ext cx="11444790" cy="5132174"/>
           </a:xfrm>
           <a:prstGeom prst="rect">
             <a:avLst/>
@@ -10370,7 +10085,7 @@
           </a:bodyPr>
           <a:lstStyle/>
           <a:p>
-            <a:pPr marL="457200" indent="-457200" algn="ctr">
+            <a:pPr marL="342900" indent="-342900">
               <a:lnSpc>
                 <a:spcPct val="150000"/>
               </a:lnSpc>
@@ -10378,17 +10093,123 @@
               <a:buChar char="•"/>
             </a:pPr>
             <a:r>
-              <a:rPr lang="en-US" sz="2400" dirty="0">
+              <a:rPr lang="en-US" sz="2000" dirty="0">
                 <a:solidFill>
                   <a:schemeClr val="bg1"/>
                 </a:solidFill>
                 <a:latin typeface="Miriam Libre" pitchFamily="2" charset="-79"/>
                 <a:cs typeface="Miriam Libre" pitchFamily="2" charset="-79"/>
-                <a:hlinkClick r:id="rId5"/>
-              </a:rPr>
-              <a:t>https://www.root-me.org/fr/Challenges/Forensic/Fichier-supprime</a:t>
-            </a:r>
-            <a:endParaRPr lang="en-US" sz="2400" dirty="0">
+              </a:rPr>
+              <a:t>This one is usually pretty easy to identify. When the challenge is about network traffic analysis, we will usually be given a </a:t>
+            </a:r>
+            <a:r>
+              <a:rPr lang="en-US" sz="2000" b="1" dirty="0">
+                <a:solidFill>
+                  <a:schemeClr val="bg1"/>
+                </a:solidFill>
+                <a:latin typeface="Miriam Libre" pitchFamily="2" charset="-79"/>
+                <a:cs typeface="Miriam Libre" pitchFamily="2" charset="-79"/>
+              </a:rPr>
+              <a:t>packet capture </a:t>
+            </a:r>
+            <a:r>
+              <a:rPr lang="en-US" sz="2000" dirty="0">
+                <a:solidFill>
+                  <a:schemeClr val="bg1"/>
+                </a:solidFill>
+                <a:latin typeface="Miriam Libre" pitchFamily="2" charset="-79"/>
+                <a:cs typeface="Miriam Libre" pitchFamily="2" charset="-79"/>
+              </a:rPr>
+              <a:t>file, which is just a collection of packets sent over the network during a certain period of time.</a:t>
+            </a:r>
+          </a:p>
+          <a:p>
+            <a:pPr marL="342900" indent="-342900">
+              <a:lnSpc>
+                <a:spcPct val="150000"/>
+              </a:lnSpc>
+              <a:buFont typeface="Arial" panose="020B0604020202020204" pitchFamily="34" charset="0"/>
+              <a:buChar char="•"/>
+            </a:pPr>
+            <a:r>
+              <a:rPr lang="en-US" sz="2000" dirty="0">
+                <a:solidFill>
+                  <a:schemeClr val="bg1"/>
+                </a:solidFill>
+                <a:latin typeface="Miriam Libre" pitchFamily="2" charset="-79"/>
+                <a:cs typeface="Miriam Libre" pitchFamily="2" charset="-79"/>
+              </a:rPr>
+              <a:t>easy challenges may ask us to retrieve some information about a connection. Harder </a:t>
+            </a:r>
+            <a:r>
+              <a:rPr lang="en-US" sz="2000">
+                <a:solidFill>
+                  <a:schemeClr val="bg1"/>
+                </a:solidFill>
+                <a:latin typeface="Miriam Libre" pitchFamily="2" charset="-79"/>
+                <a:cs typeface="Miriam Libre" pitchFamily="2" charset="-79"/>
+              </a:rPr>
+              <a:t>challenges might be about </a:t>
+            </a:r>
+            <a:r>
+              <a:rPr lang="en-US" sz="2000" dirty="0">
+                <a:solidFill>
+                  <a:schemeClr val="bg1"/>
+                </a:solidFill>
+                <a:latin typeface="Miriam Libre" pitchFamily="2" charset="-79"/>
+                <a:cs typeface="Miriam Libre" pitchFamily="2" charset="-79"/>
+              </a:rPr>
+              <a:t>malware analysis (for example – see shell commands an attacker who has a reverse shell sent).</a:t>
+            </a:r>
+          </a:p>
+          <a:p>
+            <a:pPr marL="342900" indent="-342900">
+              <a:lnSpc>
+                <a:spcPct val="150000"/>
+              </a:lnSpc>
+              <a:buFont typeface="Arial" panose="020B0604020202020204" pitchFamily="34" charset="0"/>
+              <a:buChar char="•"/>
+            </a:pPr>
+            <a:r>
+              <a:rPr lang="en-US" sz="2000" dirty="0">
+                <a:solidFill>
+                  <a:schemeClr val="bg1"/>
+                </a:solidFill>
+                <a:latin typeface="Miriam Libre" pitchFamily="2" charset="-79"/>
+                <a:cs typeface="Miriam Libre" pitchFamily="2" charset="-79"/>
+              </a:rPr>
+              <a:t>The best and most common tool for analyzing packet captures is </a:t>
+            </a:r>
+            <a:r>
+              <a:rPr lang="en-US" sz="2000" b="1" dirty="0">
+                <a:solidFill>
+                  <a:schemeClr val="bg1"/>
+                </a:solidFill>
+                <a:latin typeface="Miriam Libre" pitchFamily="2" charset="-79"/>
+                <a:cs typeface="Miriam Libre" pitchFamily="2" charset="-79"/>
+              </a:rPr>
+              <a:t>Wireshark</a:t>
+            </a:r>
+            <a:r>
+              <a:rPr lang="en-US" sz="2000" dirty="0">
+                <a:solidFill>
+                  <a:schemeClr val="bg1"/>
+                </a:solidFill>
+                <a:latin typeface="Miriam Libre" pitchFamily="2" charset="-79"/>
+                <a:cs typeface="Miriam Libre" pitchFamily="2" charset="-79"/>
+              </a:rPr>
+              <a:t>. It has various wonderful features such as filtering for specific packets, identifying protocols in use, and analyze communication flows/streams in detail.</a:t>
+            </a:r>
+          </a:p>
+          <a:p>
+            <a:pPr marL="342900" indent="-342900">
+              <a:lnSpc>
+                <a:spcPct val="150000"/>
+              </a:lnSpc>
+              <a:buFont typeface="Arial" panose="020B0604020202020204" pitchFamily="34" charset="0"/>
+              <a:buChar char="•"/>
+            </a:pPr>
+            <a:endParaRPr lang="en-US" sz="2000" dirty="0">
               <a:solidFill>
                 <a:schemeClr val="bg1"/>
               </a:solidFill>
@@ -10396,12 +10217,28 @@
               <a:cs typeface="Miriam Libre" pitchFamily="2" charset="-79"/>
             </a:endParaRPr>
           </a:p>
+          <a:p>
+            <a:pPr marL="342900" indent="-342900">
+              <a:lnSpc>
+                <a:spcPct val="150000"/>
+              </a:lnSpc>
+              <a:buFont typeface="Arial" panose="020B0604020202020204" pitchFamily="34" charset="0"/>
+              <a:buChar char="•"/>
+            </a:pPr>
+            <a:endParaRPr lang="en-US" sz="2000" dirty="0">
+              <a:solidFill>
+                <a:schemeClr val="bg1"/>
+              </a:solidFill>
+              <a:latin typeface="Miriam Libre" pitchFamily="2" charset="-79"/>
+              <a:cs typeface="Miriam Libre" pitchFamily="2" charset="-79"/>
+            </a:endParaRPr>
+          </a:p>
         </p:txBody>
       </p:sp>
     </p:spTree>
     <p:extLst>
       <p:ext uri="{BB962C8B-B14F-4D97-AF65-F5344CB8AC3E}">
-        <p14:creationId xmlns:p14="http://schemas.microsoft.com/office/powerpoint/2010/main" val="3992643655"/>
+        <p14:creationId xmlns:p14="http://schemas.microsoft.com/office/powerpoint/2010/main" val="3106450000"/>
       </p:ext>
     </p:extLst>
   </p:cSld>
@@ -10584,66 +10421,27 @@
                 <a:solidFill>
                   <a:srgbClr val="24272C"/>
                 </a:solidFill>
+                <a:latin typeface="Miriam Libre" pitchFamily="2" charset="-79"/>
+                <a:cs typeface="Miriam Libre" pitchFamily="2" charset="-79"/>
+              </a:rPr>
+              <a:t>Network</a:t>
+            </a:r>
+            <a:r>
+              <a:rPr lang="en-US" sz="3200" b="1" dirty="0">
+                <a:solidFill>
+                  <a:srgbClr val="24272C"/>
+                </a:solidFill>
                 <a:effectLst/>
                 <a:latin typeface="Miriam Libre" pitchFamily="2" charset="-79"/>
                 <a:cs typeface="Miriam Libre" pitchFamily="2" charset="-79"/>
               </a:rPr>
-              <a:t>Network forensics</a:t>
+              <a:t> forensics - example</a:t>
             </a:r>
             <a:endParaRPr lang="he-IL" sz="3200" b="1" dirty="0">
               <a:solidFill>
                 <a:srgbClr val="24272C"/>
               </a:solidFill>
               <a:effectLst/>
-              <a:latin typeface="Miriam Libre" pitchFamily="2" charset="-79"/>
-              <a:cs typeface="Miriam Libre" pitchFamily="2" charset="-79"/>
-            </a:endParaRPr>
-          </a:p>
-        </p:txBody>
-      </p:sp>
-      <p:sp>
-        <p:nvSpPr>
-          <p:cNvPr id="8" name="TextBox 7">
-            <a:extLst>
-              <a:ext uri="{FF2B5EF4-FFF2-40B4-BE49-F238E27FC236}">
-                <a16:creationId xmlns:a16="http://schemas.microsoft.com/office/drawing/2014/main" id="{0A5D91F2-EE24-3166-CD6C-BAFBC797325C}"/>
-              </a:ext>
-            </a:extLst>
-          </p:cNvPr>
-          <p:cNvSpPr txBox="1"/>
-          <p:nvPr/>
-        </p:nvSpPr>
-        <p:spPr>
-          <a:xfrm>
-            <a:off x="292971" y="6365895"/>
-            <a:ext cx="6097218" cy="253916"/>
-          </a:xfrm>
-          <a:prstGeom prst="rect">
-            <a:avLst/>
-          </a:prstGeom>
-          <a:noFill/>
-        </p:spPr>
-        <p:txBody>
-          <a:bodyPr wrap="square">
-            <a:spAutoFit/>
-          </a:bodyPr>
-          <a:lstStyle/>
-          <a:p>
-            <a:pPr marL="0" defTabSz="914400" eaLnBrk="1" latinLnBrk="0" hangingPunct="1"/>
-            <a:r>
-              <a:rPr lang="en-US" sz="1000" dirty="0">
-                <a:solidFill>
-                  <a:schemeClr val="bg1"/>
-                </a:solidFill>
-                <a:latin typeface="Miriam Libre" pitchFamily="2" charset="-79"/>
-                <a:cs typeface="Miriam Libre" pitchFamily="2" charset="-79"/>
-              </a:rPr>
-              <a:t>Memory forensics</a:t>
-            </a:r>
-            <a:endParaRPr lang="en-IL" sz="1000" dirty="0">
-              <a:solidFill>
-                <a:schemeClr val="bg1"/>
-              </a:solidFill>
               <a:latin typeface="Miriam Libre" pitchFamily="2" charset="-79"/>
               <a:cs typeface="Miriam Libre" pitchFamily="2" charset="-79"/>
             </a:endParaRPr>
@@ -10681,10 +10479,10 @@
       </p:pic>
       <p:sp>
         <p:nvSpPr>
-          <p:cNvPr id="11" name="TextBox 10">
-            <a:extLst>
-              <a:ext uri="{FF2B5EF4-FFF2-40B4-BE49-F238E27FC236}">
-                <a16:creationId xmlns:a16="http://schemas.microsoft.com/office/drawing/2014/main" id="{F0AE44DD-9F90-453E-830F-60E9D499845F}"/>
+          <p:cNvPr id="12" name="TextBox 11">
+            <a:extLst>
+              <a:ext uri="{FF2B5EF4-FFF2-40B4-BE49-F238E27FC236}">
+                <a16:creationId xmlns:a16="http://schemas.microsoft.com/office/drawing/2014/main" id="{8B202E12-9199-4F4E-A4AD-A994ECFF6381}"/>
               </a:ext>
             </a:extLst>
           </p:cNvPr>
@@ -10693,8 +10491,8 @@
         </p:nvSpPr>
         <p:spPr>
           <a:xfrm>
-            <a:off x="292971" y="1167186"/>
-            <a:ext cx="11444790" cy="5593839"/>
+            <a:off x="363850" y="3044279"/>
+            <a:ext cx="11444790" cy="769441"/>
           </a:xfrm>
           <a:prstGeom prst="rect">
             <a:avLst/>
@@ -10707,7 +10505,7 @@
           </a:bodyPr>
           <a:lstStyle/>
           <a:p>
-            <a:pPr marL="342900" indent="-342900">
+            <a:pPr marL="457200" indent="-457200" algn="ctr">
               <a:lnSpc>
                 <a:spcPct val="150000"/>
               </a:lnSpc>
@@ -10715,103 +10513,17 @@
               <a:buChar char="•"/>
             </a:pPr>
             <a:r>
-              <a:rPr lang="en-US" sz="2000" dirty="0">
+              <a:rPr lang="en-US" sz="3200" dirty="0">
                 <a:solidFill>
                   <a:schemeClr val="bg1"/>
                 </a:solidFill>
                 <a:latin typeface="Miriam Libre" pitchFamily="2" charset="-79"/>
                 <a:cs typeface="Miriam Libre" pitchFamily="2" charset="-79"/>
-              </a:rPr>
-              <a:t>This one is usually pretty easy to identify. When the challenge is about network traffic analysis, we will usually be given a </a:t>
-            </a:r>
-            <a:r>
-              <a:rPr lang="en-US" sz="2000" b="1" dirty="0">
-                <a:solidFill>
-                  <a:schemeClr val="bg1"/>
-                </a:solidFill>
-                <a:latin typeface="Miriam Libre" pitchFamily="2" charset="-79"/>
-                <a:cs typeface="Miriam Libre" pitchFamily="2" charset="-79"/>
-              </a:rPr>
-              <a:t>packet capture </a:t>
-            </a:r>
-            <a:r>
-              <a:rPr lang="en-US" sz="2000" dirty="0">
-                <a:solidFill>
-                  <a:schemeClr val="bg1"/>
-                </a:solidFill>
-                <a:latin typeface="Miriam Libre" pitchFamily="2" charset="-79"/>
-                <a:cs typeface="Miriam Libre" pitchFamily="2" charset="-79"/>
-              </a:rPr>
-              <a:t>file, which is just a collection of packets sent over the network during a certain period of time.</a:t>
-            </a:r>
-          </a:p>
-          <a:p>
-            <a:pPr marL="342900" indent="-342900">
-              <a:lnSpc>
-                <a:spcPct val="150000"/>
-              </a:lnSpc>
-              <a:buFont typeface="Arial" panose="020B0604020202020204" pitchFamily="34" charset="0"/>
-              <a:buChar char="•"/>
-            </a:pPr>
-            <a:r>
-              <a:rPr lang="en-US" sz="2000" dirty="0">
-                <a:solidFill>
-                  <a:schemeClr val="bg1"/>
-                </a:solidFill>
-                <a:latin typeface="Miriam Libre" pitchFamily="2" charset="-79"/>
-                <a:cs typeface="Miriam Libre" pitchFamily="2" charset="-79"/>
-              </a:rPr>
-              <a:t>Again, easy challenges can ask us to retrieve some information about the connection, for example what are the IP addresses of the 2 ends. Harder challenges, as before, are about malware analysis (for example – see shell commands an attacker who has a reverse shell sent).</a:t>
-            </a:r>
-          </a:p>
-          <a:p>
-            <a:pPr marL="342900" indent="-342900">
-              <a:lnSpc>
-                <a:spcPct val="150000"/>
-              </a:lnSpc>
-              <a:buFont typeface="Arial" panose="020B0604020202020204" pitchFamily="34" charset="0"/>
-              <a:buChar char="•"/>
-            </a:pPr>
-            <a:r>
-              <a:rPr lang="en-US" sz="2000" dirty="0">
-                <a:solidFill>
-                  <a:schemeClr val="bg1"/>
-                </a:solidFill>
-                <a:latin typeface="Miriam Libre" pitchFamily="2" charset="-79"/>
-                <a:cs typeface="Miriam Libre" pitchFamily="2" charset="-79"/>
-              </a:rPr>
-              <a:t>The best and most common tool for analyzing packet captures is </a:t>
-            </a:r>
-            <a:r>
-              <a:rPr lang="en-US" sz="2000" b="1" dirty="0">
-                <a:solidFill>
-                  <a:schemeClr val="bg1"/>
-                </a:solidFill>
-                <a:latin typeface="Miriam Libre" pitchFamily="2" charset="-79"/>
-                <a:cs typeface="Miriam Libre" pitchFamily="2" charset="-79"/>
-              </a:rPr>
-              <a:t>Wireshark</a:t>
-            </a:r>
-            <a:r>
-              <a:rPr lang="en-US" sz="2000" dirty="0">
-                <a:solidFill>
-                  <a:schemeClr val="bg1"/>
-                </a:solidFill>
-                <a:latin typeface="Miriam Libre" pitchFamily="2" charset="-79"/>
-                <a:cs typeface="Miriam Libre" pitchFamily="2" charset="-79"/>
-              </a:rPr>
-              <a:t>. It has various wonderful features such as filtering for specific packets, identifying protocols in use, and analyze communication flows/streams in detail.</a:t>
-            </a:r>
-          </a:p>
-          <a:p>
-            <a:pPr marL="342900" indent="-342900">
-              <a:lnSpc>
-                <a:spcPct val="150000"/>
-              </a:lnSpc>
-              <a:buFont typeface="Arial" panose="020B0604020202020204" pitchFamily="34" charset="0"/>
-              <a:buChar char="•"/>
-            </a:pPr>
-            <a:endParaRPr lang="en-US" sz="2000" dirty="0">
+                <a:hlinkClick r:id="rId5"/>
+              </a:rPr>
+              <a:t>https://play.picoctf.org/practice/challenge/30</a:t>
+            </a:r>
+            <a:endParaRPr lang="en-US" sz="3200" dirty="0">
               <a:solidFill>
                 <a:schemeClr val="bg1"/>
               </a:solidFill>
@@ -10819,28 +10531,12 @@
               <a:cs typeface="Miriam Libre" pitchFamily="2" charset="-79"/>
             </a:endParaRPr>
           </a:p>
-          <a:p>
-            <a:pPr marL="342900" indent="-342900">
-              <a:lnSpc>
-                <a:spcPct val="150000"/>
-              </a:lnSpc>
-              <a:buFont typeface="Arial" panose="020B0604020202020204" pitchFamily="34" charset="0"/>
-              <a:buChar char="•"/>
-            </a:pPr>
-            <a:endParaRPr lang="en-US" sz="2000" dirty="0">
-              <a:solidFill>
-                <a:schemeClr val="bg1"/>
-              </a:solidFill>
-              <a:latin typeface="Miriam Libre" pitchFamily="2" charset="-79"/>
-              <a:cs typeface="Miriam Libre" pitchFamily="2" charset="-79"/>
-            </a:endParaRPr>
-          </a:p>
         </p:txBody>
       </p:sp>
     </p:spTree>
     <p:extLst>
       <p:ext uri="{BB962C8B-B14F-4D97-AF65-F5344CB8AC3E}">
-        <p14:creationId xmlns:p14="http://schemas.microsoft.com/office/powerpoint/2010/main" val="3106450000"/>
+        <p14:creationId xmlns:p14="http://schemas.microsoft.com/office/powerpoint/2010/main" val="3642940522"/>
       </p:ext>
     </p:extLst>
   </p:cSld>
